--- a/iOS行動程式基礎開發上架20堂課/第8堂課AutoLayout/swift-swift的屬性.pptx
+++ b/iOS行動程式基礎開發上架20堂課/第8堂課AutoLayout/swift-swift的屬性.pptx
@@ -32896,8 +32896,8 @@
         </p:nvSpPr>
         <p:spPr>
           <a:xfrm>
-            <a:off x="873716" y="1359358"/>
-            <a:ext cx="3864432" cy="3571241"/>
+            <a:off x="3041948" y="412437"/>
+            <a:ext cx="4027065" cy="5043565"/>
           </a:xfrm>
           <a:prstGeom prst="rect">
             <a:avLst/>
@@ -32917,9 +32917,9 @@
           </a:bodyPr>
           <a:lstStyle/>
           <a:p>
-            <a:pPr marL="457200" indent="-317500" defTabSz="457200">
+            <a:pPr marL="576262" indent="-436562" defTabSz="457200">
               <a:lnSpc>
-                <a:spcPts val="2100"/>
+                <a:spcPts val="1700"/>
               </a:lnSpc>
               <a:spcBef>
                 <a:spcPts val="0"/>
@@ -32930,14 +32930,14 @@
               <a:buSzPct val="100000"/>
               <a:buFont typeface="Menlo"/>
               <a:buChar char="•"/>
-              <a:defRPr b="0" sz="800">
-                <a:solidFill>
-                  <a:srgbClr val="3F6E74"/>
-                </a:solidFill>
-                <a:latin typeface="Menlo"/>
-                <a:ea typeface="Menlo"/>
-                <a:cs typeface="Menlo"/>
-                <a:sym typeface="Menlo"/>
+              <a:defRPr b="0" sz="1100">
+                <a:solidFill>
+                  <a:srgbClr val="5C2699"/>
+                </a:solidFill>
+                <a:latin typeface="Arial"/>
+                <a:ea typeface="Arial"/>
+                <a:cs typeface="Arial"/>
+                <a:sym typeface="Arial"/>
               </a:defRPr>
             </a:pPr>
             <a:r>
@@ -32974,9 +32974,9 @@
             </a:endParaRPr>
           </a:p>
           <a:p>
-            <a:pPr marL="457200" indent="-317500" defTabSz="457200">
+            <a:pPr marL="576262" indent="-436562" defTabSz="457200">
               <a:lnSpc>
-                <a:spcPts val="2100"/>
+                <a:spcPts val="1700"/>
               </a:lnSpc>
               <a:spcBef>
                 <a:spcPts val="0"/>
@@ -32987,14 +32987,14 @@
               <a:buSzPct val="100000"/>
               <a:buFont typeface="Menlo"/>
               <a:buChar char="•"/>
-              <a:defRPr b="0" sz="800">
-                <a:solidFill>
-                  <a:srgbClr val="3F6E74"/>
-                </a:solidFill>
-                <a:latin typeface="Menlo"/>
-                <a:ea typeface="Menlo"/>
-                <a:cs typeface="Menlo"/>
-                <a:sym typeface="Menlo"/>
+              <a:defRPr b="0" sz="1100">
+                <a:solidFill>
+                  <a:srgbClr val="5C2699"/>
+                </a:solidFill>
+                <a:latin typeface="Arial"/>
+                <a:ea typeface="Arial"/>
+                <a:cs typeface="Arial"/>
+                <a:sym typeface="Arial"/>
               </a:defRPr>
             </a:pPr>
             <a:r>
@@ -33063,9 +33063,9 @@
             </a:endParaRPr>
           </a:p>
           <a:p>
-            <a:pPr marL="457200" indent="-317500" defTabSz="457200">
+            <a:pPr marL="576262" indent="-436562" defTabSz="457200">
               <a:lnSpc>
-                <a:spcPts val="2100"/>
+                <a:spcPts val="1700"/>
               </a:lnSpc>
               <a:spcBef>
                 <a:spcPts val="0"/>
@@ -33076,14 +33076,14 @@
               <a:buSzPct val="100000"/>
               <a:buFont typeface="Menlo"/>
               <a:buChar char="•"/>
-              <a:defRPr b="0" sz="800">
-                <a:solidFill>
-                  <a:srgbClr val="3F6E74"/>
-                </a:solidFill>
-                <a:latin typeface="Menlo"/>
-                <a:ea typeface="Menlo"/>
-                <a:cs typeface="Menlo"/>
-                <a:sym typeface="Menlo"/>
+              <a:defRPr b="0" sz="1100">
+                <a:solidFill>
+                  <a:srgbClr val="5C2699"/>
+                </a:solidFill>
+                <a:latin typeface="Arial"/>
+                <a:ea typeface="Arial"/>
+                <a:cs typeface="Arial"/>
+                <a:sym typeface="Arial"/>
               </a:defRPr>
             </a:pPr>
             <a:r>
@@ -33138,11 +33138,6 @@
               <a:t>: </a:t>
             </a:r>
             <a:r>
-              <a:rPr>
-                <a:solidFill>
-                  <a:srgbClr val="5C2699"/>
-                </a:solidFill>
-              </a:rPr>
               <a:t>Int</a:t>
             </a:r>
             <a:r>
@@ -33160,9 +33155,9 @@
             </a:endParaRPr>
           </a:p>
           <a:p>
-            <a:pPr marL="457200" indent="-317500" defTabSz="457200">
+            <a:pPr marL="576262" indent="-436562" defTabSz="457200">
               <a:lnSpc>
-                <a:spcPts val="2100"/>
+                <a:spcPts val="1700"/>
               </a:lnSpc>
               <a:spcBef>
                 <a:spcPts val="0"/>
@@ -33173,14 +33168,14 @@
               <a:buSzPct val="100000"/>
               <a:buFont typeface="Menlo"/>
               <a:buChar char="•"/>
-              <a:defRPr b="0" sz="800">
-                <a:solidFill>
-                  <a:srgbClr val="333333"/>
-                </a:solidFill>
-                <a:latin typeface="Menlo"/>
-                <a:ea typeface="Menlo"/>
-                <a:cs typeface="Menlo"/>
-                <a:sym typeface="Menlo"/>
+              <a:defRPr b="0" sz="1100">
+                <a:solidFill>
+                  <a:srgbClr val="5C2699"/>
+                </a:solidFill>
+                <a:latin typeface="Arial"/>
+                <a:ea typeface="Arial"/>
+                <a:cs typeface="Arial"/>
+                <a:sym typeface="Arial"/>
               </a:defRPr>
             </a:pPr>
             <a:r>
@@ -33207,9 +33202,9 @@
             </a:r>
           </a:p>
           <a:p>
-            <a:pPr marL="457200" indent="-317500" defTabSz="457200">
+            <a:pPr marL="576262" indent="-436562" defTabSz="457200">
               <a:lnSpc>
-                <a:spcPts val="2100"/>
+                <a:spcPts val="1700"/>
               </a:lnSpc>
               <a:spcBef>
                 <a:spcPts val="0"/>
@@ -33220,14 +33215,14 @@
               <a:buSzPct val="100000"/>
               <a:buFont typeface="Menlo"/>
               <a:buChar char="•"/>
-              <a:defRPr b="0" sz="800">
-                <a:solidFill>
-                  <a:srgbClr val="333333"/>
-                </a:solidFill>
-                <a:latin typeface="Menlo"/>
-                <a:ea typeface="Menlo"/>
-                <a:cs typeface="Menlo"/>
-                <a:sym typeface="Menlo"/>
+              <a:defRPr b="0" sz="1100">
+                <a:solidFill>
+                  <a:srgbClr val="5C2699"/>
+                </a:solidFill>
+                <a:latin typeface="Arial"/>
+                <a:ea typeface="Arial"/>
+                <a:cs typeface="Arial"/>
+                <a:sym typeface="Arial"/>
               </a:defRPr>
             </a:pPr>
             <a:r>
@@ -33235,9 +33230,9 @@
             </a:r>
           </a:p>
           <a:p>
-            <a:pPr marL="457200" indent="-317500" defTabSz="457200">
+            <a:pPr marL="576262" indent="-436562" defTabSz="457200">
               <a:lnSpc>
-                <a:spcPts val="2100"/>
+                <a:spcPts val="1700"/>
               </a:lnSpc>
               <a:spcBef>
                 <a:spcPts val="0"/>
@@ -33248,14 +33243,14 @@
               <a:buSzPct val="100000"/>
               <a:buFont typeface="Menlo"/>
               <a:buChar char="•"/>
-              <a:defRPr b="0" sz="800">
-                <a:solidFill>
-                  <a:srgbClr val="333333"/>
-                </a:solidFill>
-                <a:latin typeface="Menlo"/>
-                <a:ea typeface="Menlo"/>
-                <a:cs typeface="Menlo"/>
-                <a:sym typeface="Menlo"/>
+              <a:defRPr b="0" sz="1100">
+                <a:solidFill>
+                  <a:srgbClr val="5C2699"/>
+                </a:solidFill>
+                <a:latin typeface="Arial"/>
+                <a:ea typeface="Arial"/>
+                <a:cs typeface="Arial"/>
+                <a:sym typeface="Arial"/>
               </a:defRPr>
             </a:pPr>
             <a:r>
@@ -33263,9 +33258,9 @@
             </a:r>
           </a:p>
           <a:p>
-            <a:pPr marL="457200" indent="-317500" defTabSz="457200">
+            <a:pPr marL="576262" indent="-436562" defTabSz="457200">
               <a:lnSpc>
-                <a:spcPts val="2100"/>
+                <a:spcPts val="1700"/>
               </a:lnSpc>
               <a:spcBef>
                 <a:spcPts val="0"/>
@@ -33276,14 +33271,14 @@
               <a:buSzPct val="100000"/>
               <a:buFont typeface="Menlo"/>
               <a:buChar char="•"/>
-              <a:defRPr b="0" sz="800">
-                <a:solidFill>
-                  <a:srgbClr val="3F6E74"/>
-                </a:solidFill>
-                <a:latin typeface="Menlo"/>
-                <a:ea typeface="Menlo"/>
-                <a:cs typeface="Menlo"/>
-                <a:sym typeface="Menlo"/>
+              <a:defRPr b="0" sz="1100">
+                <a:solidFill>
+                  <a:srgbClr val="5C2699"/>
+                </a:solidFill>
+                <a:latin typeface="Arial"/>
+                <a:ea typeface="Arial"/>
+                <a:cs typeface="Arial"/>
+                <a:sym typeface="Arial"/>
               </a:defRPr>
             </a:pPr>
             <a:r>
@@ -33320,9 +33315,9 @@
             </a:endParaRPr>
           </a:p>
           <a:p>
-            <a:pPr marL="457200" indent="-317500" defTabSz="457200">
+            <a:pPr marL="576262" indent="-436562" defTabSz="457200">
               <a:lnSpc>
-                <a:spcPts val="2100"/>
+                <a:spcPts val="1700"/>
               </a:lnSpc>
               <a:spcBef>
                 <a:spcPts val="0"/>
@@ -33333,14 +33328,14 @@
               <a:buSzPct val="100000"/>
               <a:buFont typeface="Menlo"/>
               <a:buChar char="•"/>
-              <a:defRPr b="0" sz="800">
-                <a:solidFill>
-                  <a:srgbClr val="3F6E74"/>
-                </a:solidFill>
-                <a:latin typeface="Menlo"/>
-                <a:ea typeface="Menlo"/>
-                <a:cs typeface="Menlo"/>
-                <a:sym typeface="Menlo"/>
+              <a:defRPr b="0" sz="1100">
+                <a:solidFill>
+                  <a:srgbClr val="5C2699"/>
+                </a:solidFill>
+                <a:latin typeface="Arial"/>
+                <a:ea typeface="Arial"/>
+                <a:cs typeface="Arial"/>
+                <a:sym typeface="Arial"/>
               </a:defRPr>
             </a:pPr>
             <a:r>
@@ -33409,9 +33404,9 @@
             </a:endParaRPr>
           </a:p>
           <a:p>
-            <a:pPr marL="457200" indent="-317500" defTabSz="457200">
+            <a:pPr marL="576262" indent="-436562" defTabSz="457200">
               <a:lnSpc>
-                <a:spcPts val="2100"/>
+                <a:spcPts val="1700"/>
               </a:lnSpc>
               <a:spcBef>
                 <a:spcPts val="0"/>
@@ -33422,14 +33417,14 @@
               <a:buSzPct val="100000"/>
               <a:buFont typeface="Menlo"/>
               <a:buChar char="•"/>
-              <a:defRPr b="0" sz="800">
-                <a:solidFill>
-                  <a:srgbClr val="3F6E74"/>
-                </a:solidFill>
-                <a:latin typeface="Menlo"/>
-                <a:ea typeface="Menlo"/>
-                <a:cs typeface="Menlo"/>
-                <a:sym typeface="Menlo"/>
+              <a:defRPr b="0" sz="1100">
+                <a:solidFill>
+                  <a:srgbClr val="5C2699"/>
+                </a:solidFill>
+                <a:latin typeface="Arial"/>
+                <a:ea typeface="Arial"/>
+                <a:cs typeface="Arial"/>
+                <a:sym typeface="Arial"/>
               </a:defRPr>
             </a:pPr>
             <a:r>
@@ -33484,11 +33479,6 @@
               <a:t>: </a:t>
             </a:r>
             <a:r>
-              <a:rPr>
-                <a:solidFill>
-                  <a:srgbClr val="5C2699"/>
-                </a:solidFill>
-              </a:rPr>
               <a:t>Int</a:t>
             </a:r>
             <a:r>
@@ -33506,9 +33496,9 @@
             </a:endParaRPr>
           </a:p>
           <a:p>
-            <a:pPr marL="457200" indent="-317500" defTabSz="457200">
+            <a:pPr marL="576262" indent="-436562" defTabSz="457200">
               <a:lnSpc>
-                <a:spcPts val="2100"/>
+                <a:spcPts val="1700"/>
               </a:lnSpc>
               <a:spcBef>
                 <a:spcPts val="0"/>
@@ -33519,14 +33509,14 @@
               <a:buSzPct val="100000"/>
               <a:buFont typeface="Menlo"/>
               <a:buChar char="•"/>
-              <a:defRPr b="0" sz="800">
-                <a:solidFill>
-                  <a:srgbClr val="333333"/>
-                </a:solidFill>
-                <a:latin typeface="Menlo"/>
-                <a:ea typeface="Menlo"/>
-                <a:cs typeface="Menlo"/>
-                <a:sym typeface="Menlo"/>
+              <a:defRPr b="0" sz="1100">
+                <a:solidFill>
+                  <a:srgbClr val="5C2699"/>
+                </a:solidFill>
+                <a:latin typeface="Arial"/>
+                <a:ea typeface="Arial"/>
+                <a:cs typeface="Arial"/>
+                <a:sym typeface="Arial"/>
               </a:defRPr>
             </a:pPr>
             <a:r>
@@ -33553,9 +33543,9 @@
             </a:r>
           </a:p>
           <a:p>
-            <a:pPr marL="457200" indent="-317500" defTabSz="457200">
+            <a:pPr marL="576262" indent="-436562" defTabSz="457200">
               <a:lnSpc>
-                <a:spcPts val="2100"/>
+                <a:spcPts val="1700"/>
               </a:lnSpc>
               <a:spcBef>
                 <a:spcPts val="0"/>
@@ -33566,14 +33556,14 @@
               <a:buSzPct val="100000"/>
               <a:buFont typeface="Menlo"/>
               <a:buChar char="•"/>
-              <a:defRPr b="0" sz="800">
-                <a:solidFill>
-                  <a:srgbClr val="333333"/>
-                </a:solidFill>
-                <a:latin typeface="Menlo"/>
-                <a:ea typeface="Menlo"/>
-                <a:cs typeface="Menlo"/>
-                <a:sym typeface="Menlo"/>
+              <a:defRPr b="0" sz="1100">
+                <a:solidFill>
+                  <a:srgbClr val="5C2699"/>
+                </a:solidFill>
+                <a:latin typeface="Arial"/>
+                <a:ea typeface="Arial"/>
+                <a:cs typeface="Arial"/>
+                <a:sym typeface="Arial"/>
               </a:defRPr>
             </a:pPr>
             <a:r>
@@ -33581,9 +33571,9 @@
             </a:r>
           </a:p>
           <a:p>
-            <a:pPr marL="457200" indent="-317500" defTabSz="457200">
+            <a:pPr marL="576262" indent="-436562" defTabSz="457200">
               <a:lnSpc>
-                <a:spcPts val="2100"/>
+                <a:spcPts val="1700"/>
               </a:lnSpc>
               <a:spcBef>
                 <a:spcPts val="0"/>
@@ -33594,14 +33584,14 @@
               <a:buSzPct val="100000"/>
               <a:buFont typeface="Menlo"/>
               <a:buChar char="•"/>
-              <a:defRPr b="0" sz="800">
-                <a:solidFill>
-                  <a:srgbClr val="333333"/>
-                </a:solidFill>
-                <a:latin typeface="Menlo"/>
-                <a:ea typeface="Menlo"/>
-                <a:cs typeface="Menlo"/>
-                <a:sym typeface="Menlo"/>
+              <a:defRPr b="0" sz="1100">
+                <a:solidFill>
+                  <a:srgbClr val="5C2699"/>
+                </a:solidFill>
+                <a:latin typeface="Arial"/>
+                <a:ea typeface="Arial"/>
+                <a:cs typeface="Arial"/>
+                <a:sym typeface="Arial"/>
               </a:defRPr>
             </a:pPr>
             <a:r>
@@ -33609,9 +33599,9 @@
             </a:r>
           </a:p>
           <a:p>
-            <a:pPr marL="457200" indent="-317500" defTabSz="457200">
+            <a:pPr marL="576262" indent="-436562" defTabSz="457200">
               <a:lnSpc>
-                <a:spcPts val="2100"/>
+                <a:spcPts val="1700"/>
               </a:lnSpc>
               <a:spcBef>
                 <a:spcPts val="0"/>
@@ -33622,14 +33612,14 @@
               <a:buSzPct val="100000"/>
               <a:buFont typeface="Menlo"/>
               <a:buChar char="•"/>
-              <a:defRPr b="0" sz="800">
-                <a:solidFill>
-                  <a:srgbClr val="3F6E74"/>
-                </a:solidFill>
-                <a:latin typeface="Menlo"/>
-                <a:ea typeface="Menlo"/>
-                <a:cs typeface="Menlo"/>
-                <a:sym typeface="Menlo"/>
+              <a:defRPr b="0" sz="1100">
+                <a:solidFill>
+                  <a:srgbClr val="5C2699"/>
+                </a:solidFill>
+                <a:latin typeface="Arial"/>
+                <a:ea typeface="Arial"/>
+                <a:cs typeface="Arial"/>
+                <a:sym typeface="Arial"/>
               </a:defRPr>
             </a:pPr>
             <a:r>
@@ -33666,9 +33656,9 @@
             </a:endParaRPr>
           </a:p>
           <a:p>
-            <a:pPr marL="457200" indent="-317500" defTabSz="457200">
+            <a:pPr marL="576262" indent="-436562" defTabSz="457200">
               <a:lnSpc>
-                <a:spcPts val="2100"/>
+                <a:spcPts val="1700"/>
               </a:lnSpc>
               <a:spcBef>
                 <a:spcPts val="0"/>
@@ -33679,14 +33669,14 @@
               <a:buSzPct val="100000"/>
               <a:buFont typeface="Menlo"/>
               <a:buChar char="•"/>
-              <a:defRPr b="0" sz="800">
-                <a:solidFill>
-                  <a:srgbClr val="3F6E74"/>
-                </a:solidFill>
-                <a:latin typeface="Menlo"/>
-                <a:ea typeface="Menlo"/>
-                <a:cs typeface="Menlo"/>
-                <a:sym typeface="Menlo"/>
+              <a:defRPr b="0" sz="1100">
+                <a:solidFill>
+                  <a:srgbClr val="5C2699"/>
+                </a:solidFill>
+                <a:latin typeface="Arial"/>
+                <a:ea typeface="Arial"/>
+                <a:cs typeface="Arial"/>
+                <a:sym typeface="Arial"/>
               </a:defRPr>
             </a:pPr>
             <a:r>
@@ -33755,9 +33745,9 @@
             </a:endParaRPr>
           </a:p>
           <a:p>
-            <a:pPr marL="457200" indent="-317500" defTabSz="457200">
+            <a:pPr marL="576262" indent="-436562" defTabSz="457200">
               <a:lnSpc>
-                <a:spcPts val="2100"/>
+                <a:spcPts val="1700"/>
               </a:lnSpc>
               <a:spcBef>
                 <a:spcPts val="0"/>
@@ -33768,14 +33758,14 @@
               <a:buSzPct val="100000"/>
               <a:buFont typeface="Menlo"/>
               <a:buChar char="•"/>
-              <a:defRPr b="0" sz="800">
-                <a:solidFill>
-                  <a:srgbClr val="3F6E74"/>
-                </a:solidFill>
-                <a:latin typeface="Menlo"/>
-                <a:ea typeface="Menlo"/>
-                <a:cs typeface="Menlo"/>
-                <a:sym typeface="Menlo"/>
+              <a:defRPr b="0" sz="1100">
+                <a:solidFill>
+                  <a:srgbClr val="5C2699"/>
+                </a:solidFill>
+                <a:latin typeface="Arial"/>
+                <a:ea typeface="Arial"/>
+                <a:cs typeface="Arial"/>
+                <a:sym typeface="Arial"/>
               </a:defRPr>
             </a:pPr>
             <a:r>
@@ -33830,11 +33820,6 @@
               <a:t>: </a:t>
             </a:r>
             <a:r>
-              <a:rPr>
-                <a:solidFill>
-                  <a:srgbClr val="5C2699"/>
-                </a:solidFill>
-              </a:rPr>
               <a:t>Int</a:t>
             </a:r>
             <a:r>
@@ -33852,9 +33837,9 @@
             </a:endParaRPr>
           </a:p>
           <a:p>
-            <a:pPr marL="457200" indent="-317500" defTabSz="457200">
+            <a:pPr marL="576262" indent="-436562" defTabSz="457200">
               <a:lnSpc>
-                <a:spcPts val="2100"/>
+                <a:spcPts val="1700"/>
               </a:lnSpc>
               <a:spcBef>
                 <a:spcPts val="0"/>
@@ -33865,14 +33850,14 @@
               <a:buSzPct val="100000"/>
               <a:buFont typeface="Menlo"/>
               <a:buChar char="•"/>
-              <a:defRPr b="0" sz="800">
-                <a:solidFill>
-                  <a:srgbClr val="333333"/>
-                </a:solidFill>
-                <a:latin typeface="Menlo"/>
-                <a:ea typeface="Menlo"/>
-                <a:cs typeface="Menlo"/>
-                <a:sym typeface="Menlo"/>
+              <a:defRPr b="0" sz="1100">
+                <a:solidFill>
+                  <a:srgbClr val="5C2699"/>
+                </a:solidFill>
+                <a:latin typeface="Arial"/>
+                <a:ea typeface="Arial"/>
+                <a:cs typeface="Arial"/>
+                <a:sym typeface="Arial"/>
               </a:defRPr>
             </a:pPr>
             <a:r>
@@ -33899,9 +33884,9 @@
             </a:r>
           </a:p>
           <a:p>
-            <a:pPr marL="457200" indent="-317500" defTabSz="457200">
+            <a:pPr marL="576262" indent="-436562" defTabSz="457200">
               <a:lnSpc>
-                <a:spcPts val="2100"/>
+                <a:spcPts val="1700"/>
               </a:lnSpc>
               <a:spcBef>
                 <a:spcPts val="0"/>
@@ -33912,14 +33897,14 @@
               <a:buSzPct val="100000"/>
               <a:buFont typeface="Menlo"/>
               <a:buChar char="•"/>
-              <a:defRPr b="0" sz="800">
-                <a:solidFill>
-                  <a:srgbClr val="333333"/>
-                </a:solidFill>
-                <a:latin typeface="Menlo"/>
-                <a:ea typeface="Menlo"/>
-                <a:cs typeface="Menlo"/>
-                <a:sym typeface="Menlo"/>
+              <a:defRPr b="0" sz="1100">
+                <a:solidFill>
+                  <a:srgbClr val="5C2699"/>
+                </a:solidFill>
+                <a:latin typeface="Arial"/>
+                <a:ea typeface="Arial"/>
+                <a:cs typeface="Arial"/>
+                <a:sym typeface="Arial"/>
               </a:defRPr>
             </a:pPr>
             <a:r>
@@ -33927,9 +33912,9 @@
             </a:r>
           </a:p>
           <a:p>
-            <a:pPr marL="457200" indent="-317500" defTabSz="457200">
+            <a:pPr marL="576262" indent="-436562" defTabSz="457200">
               <a:lnSpc>
-                <a:spcPts val="2100"/>
+                <a:spcPts val="1700"/>
               </a:lnSpc>
               <a:spcBef>
                 <a:spcPts val="0"/>
@@ -33940,14 +33925,14 @@
               <a:buSzPct val="100000"/>
               <a:buFont typeface="Menlo"/>
               <a:buChar char="•"/>
-              <a:defRPr b="0" sz="800">
-                <a:solidFill>
-                  <a:srgbClr val="3F6E74"/>
-                </a:solidFill>
-                <a:latin typeface="Menlo"/>
-                <a:ea typeface="Menlo"/>
-                <a:cs typeface="Menlo"/>
-                <a:sym typeface="Menlo"/>
+              <a:defRPr b="0" sz="1100">
+                <a:solidFill>
+                  <a:srgbClr val="5C2699"/>
+                </a:solidFill>
+                <a:latin typeface="Arial"/>
+                <a:ea typeface="Arial"/>
+                <a:cs typeface="Arial"/>
+                <a:sym typeface="Arial"/>
               </a:defRPr>
             </a:pPr>
             <a:r>
@@ -34002,11 +33987,6 @@
               <a:t>: </a:t>
             </a:r>
             <a:r>
-              <a:rPr>
-                <a:solidFill>
-                  <a:srgbClr val="5C2699"/>
-                </a:solidFill>
-              </a:rPr>
               <a:t>Int</a:t>
             </a:r>
             <a:r>
@@ -34024,9 +34004,9 @@
             </a:endParaRPr>
           </a:p>
           <a:p>
-            <a:pPr marL="457200" indent="-317500" defTabSz="457200">
+            <a:pPr marL="576262" indent="-436562" defTabSz="457200">
               <a:lnSpc>
-                <a:spcPts val="2100"/>
+                <a:spcPts val="1700"/>
               </a:lnSpc>
               <a:spcBef>
                 <a:spcPts val="0"/>
@@ -34037,14 +34017,14 @@
               <a:buSzPct val="100000"/>
               <a:buFont typeface="Menlo"/>
               <a:buChar char="•"/>
-              <a:defRPr b="0" sz="800">
-                <a:solidFill>
-                  <a:srgbClr val="333333"/>
-                </a:solidFill>
-                <a:latin typeface="Menlo"/>
-                <a:ea typeface="Menlo"/>
-                <a:cs typeface="Menlo"/>
-                <a:sym typeface="Menlo"/>
+              <a:defRPr b="0" sz="1100">
+                <a:solidFill>
+                  <a:srgbClr val="5C2699"/>
+                </a:solidFill>
+                <a:latin typeface="Arial"/>
+                <a:ea typeface="Arial"/>
+                <a:cs typeface="Arial"/>
+                <a:sym typeface="Arial"/>
               </a:defRPr>
             </a:pPr>
             <a:r>
@@ -34071,9 +34051,9 @@
             </a:r>
           </a:p>
           <a:p>
-            <a:pPr marL="457200" indent="-317500" defTabSz="457200">
+            <a:pPr marL="576262" indent="-436562" defTabSz="457200">
               <a:lnSpc>
-                <a:spcPts val="2100"/>
+                <a:spcPts val="1700"/>
               </a:lnSpc>
               <a:spcBef>
                 <a:spcPts val="0"/>
@@ -34084,14 +34064,14 @@
               <a:buSzPct val="100000"/>
               <a:buFont typeface="Menlo"/>
               <a:buChar char="•"/>
-              <a:defRPr b="0" sz="800">
-                <a:solidFill>
-                  <a:srgbClr val="333333"/>
-                </a:solidFill>
-                <a:latin typeface="Menlo"/>
-                <a:ea typeface="Menlo"/>
-                <a:cs typeface="Menlo"/>
-                <a:sym typeface="Menlo"/>
+              <a:defRPr b="0" sz="1100">
+                <a:solidFill>
+                  <a:srgbClr val="5C2699"/>
+                </a:solidFill>
+                <a:latin typeface="Arial"/>
+                <a:ea typeface="Arial"/>
+                <a:cs typeface="Arial"/>
+                <a:sym typeface="Arial"/>
               </a:defRPr>
             </a:pPr>
             <a:r>
@@ -34099,9 +34079,9 @@
             </a:r>
           </a:p>
           <a:p>
-            <a:pPr marL="457200" indent="-317500" defTabSz="457200">
+            <a:pPr marL="576262" indent="-436562" defTabSz="457200">
               <a:lnSpc>
-                <a:spcPts val="2100"/>
+                <a:spcPts val="1700"/>
               </a:lnSpc>
               <a:spcBef>
                 <a:spcPts val="0"/>
@@ -34112,14 +34092,14 @@
               <a:buSzPct val="100000"/>
               <a:buFont typeface="Menlo"/>
               <a:buChar char="•"/>
-              <a:defRPr b="0" sz="800">
-                <a:solidFill>
-                  <a:srgbClr val="333333"/>
-                </a:solidFill>
-                <a:latin typeface="Menlo"/>
-                <a:ea typeface="Menlo"/>
-                <a:cs typeface="Menlo"/>
-                <a:sym typeface="Menlo"/>
+              <a:defRPr b="0" sz="1100">
+                <a:solidFill>
+                  <a:srgbClr val="5C2699"/>
+                </a:solidFill>
+                <a:latin typeface="Arial"/>
+                <a:ea typeface="Arial"/>
+                <a:cs typeface="Arial"/>
+                <a:sym typeface="Arial"/>
               </a:defRPr>
             </a:pPr>
             <a:r>
@@ -34129,19 +34109,19 @@
           <a:p>
             <a:pPr defTabSz="457200">
               <a:lnSpc>
-                <a:spcPts val="2100"/>
+                <a:spcPts val="1700"/>
               </a:lnSpc>
               <a:spcBef>
                 <a:spcPts val="0"/>
               </a:spcBef>
-              <a:defRPr b="0" sz="800">
-                <a:solidFill>
-                  <a:srgbClr val="333333"/>
-                </a:solidFill>
-                <a:latin typeface="+mn-lt"/>
-                <a:ea typeface="+mn-ea"/>
-                <a:cs typeface="+mn-cs"/>
-                <a:sym typeface="Helvetica"/>
+              <a:defRPr b="0" sz="1100">
+                <a:solidFill>
+                  <a:srgbClr val="5C2699"/>
+                </a:solidFill>
+                <a:latin typeface="Arial"/>
+                <a:ea typeface="Arial"/>
+                <a:cs typeface="Arial"/>
+                <a:sym typeface="Arial"/>
               </a:defRPr>
             </a:pPr>
           </a:p>
@@ -34331,7 +34311,7 @@
         <p:spPr>
           <a:xfrm>
             <a:off x="865194" y="1444577"/>
-            <a:ext cx="5332473" cy="2783841"/>
+            <a:ext cx="5594774" cy="3246001"/>
           </a:xfrm>
           <a:prstGeom prst="rect">
             <a:avLst/>
@@ -34351,9 +34331,9 @@
           </a:bodyPr>
           <a:lstStyle/>
           <a:p>
-            <a:pPr marL="457200" indent="-317500" defTabSz="457200">
+            <a:pPr marL="563033" indent="-423333" defTabSz="457200">
               <a:lnSpc>
-                <a:spcPts val="3600"/>
+                <a:spcPts val="2500"/>
               </a:lnSpc>
               <a:spcBef>
                 <a:spcPts val="0"/>
@@ -34364,14 +34344,14 @@
               <a:buSzPct val="100000"/>
               <a:buFont typeface="Menlo"/>
               <a:buChar char="•"/>
-              <a:defRPr b="0" sz="1200">
-                <a:solidFill>
-                  <a:srgbClr val="3F6E74"/>
-                </a:solidFill>
-                <a:latin typeface="Menlo"/>
-                <a:ea typeface="Menlo"/>
-                <a:cs typeface="Menlo"/>
-                <a:sym typeface="Menlo"/>
+              <a:defRPr b="0" sz="1600">
+                <a:solidFill>
+                  <a:srgbClr val="5C2699"/>
+                </a:solidFill>
+                <a:latin typeface="Arial"/>
+                <a:ea typeface="Arial"/>
+                <a:cs typeface="Arial"/>
+                <a:sym typeface="Arial"/>
               </a:defRPr>
             </a:pPr>
             <a:r>
@@ -34414,9 +34394,9 @@
             </a:endParaRPr>
           </a:p>
           <a:p>
-            <a:pPr marL="457200" indent="-317500" defTabSz="457200">
+            <a:pPr marL="563033" indent="-423333" defTabSz="457200">
               <a:lnSpc>
-                <a:spcPts val="3600"/>
+                <a:spcPts val="2500"/>
               </a:lnSpc>
               <a:spcBef>
                 <a:spcPts val="0"/>
@@ -34427,14 +34407,14 @@
               <a:buSzPct val="100000"/>
               <a:buFont typeface="Menlo"/>
               <a:buChar char="•"/>
-              <a:defRPr b="0" sz="1200">
-                <a:solidFill>
-                  <a:srgbClr val="007400"/>
-                </a:solidFill>
-                <a:latin typeface="Menlo"/>
-                <a:ea typeface="Menlo"/>
-                <a:cs typeface="Menlo"/>
-                <a:sym typeface="Menlo"/>
+              <a:defRPr b="0" sz="1600">
+                <a:solidFill>
+                  <a:srgbClr val="5C2699"/>
+                </a:solidFill>
+                <a:latin typeface="Arial"/>
+                <a:ea typeface="Arial"/>
+                <a:cs typeface="Arial"/>
+                <a:sym typeface="Arial"/>
               </a:defRPr>
             </a:pPr>
             <a:r>
@@ -34447,9 +34427,9 @@
             </a:endParaRPr>
           </a:p>
           <a:p>
-            <a:pPr marL="457200" indent="-317500" defTabSz="457200">
+            <a:pPr marL="563033" indent="-423333" defTabSz="457200">
               <a:lnSpc>
-                <a:spcPts val="3600"/>
+                <a:spcPts val="2500"/>
               </a:lnSpc>
               <a:spcBef>
                 <a:spcPts val="0"/>
@@ -34460,14 +34440,14 @@
               <a:buSzPct val="100000"/>
               <a:buFont typeface="Menlo"/>
               <a:buChar char="•"/>
-              <a:defRPr b="0" sz="1200">
-                <a:solidFill>
-                  <a:srgbClr val="3F6E74"/>
-                </a:solidFill>
-                <a:latin typeface="Menlo"/>
-                <a:ea typeface="Menlo"/>
-                <a:cs typeface="Menlo"/>
-                <a:sym typeface="Menlo"/>
+              <a:defRPr b="0" sz="1600">
+                <a:solidFill>
+                  <a:srgbClr val="5C2699"/>
+                </a:solidFill>
+                <a:latin typeface="Arial"/>
+                <a:ea typeface="Arial"/>
+                <a:cs typeface="Arial"/>
+                <a:sym typeface="Arial"/>
               </a:defRPr>
             </a:pPr>
             <a:r>
@@ -34507,9 +34487,9 @@
             </a:endParaRPr>
           </a:p>
           <a:p>
-            <a:pPr marL="457200" indent="-317500" defTabSz="457200">
+            <a:pPr marL="563033" indent="-423333" defTabSz="457200">
               <a:lnSpc>
-                <a:spcPts val="3600"/>
+                <a:spcPts val="2500"/>
               </a:lnSpc>
               <a:spcBef>
                 <a:spcPts val="0"/>
@@ -34520,14 +34500,14 @@
               <a:buSzPct val="100000"/>
               <a:buFont typeface="Menlo"/>
               <a:buChar char="•"/>
-              <a:defRPr b="0" sz="1200">
-                <a:solidFill>
-                  <a:srgbClr val="3F6E74"/>
-                </a:solidFill>
-                <a:latin typeface="Menlo"/>
-                <a:ea typeface="Menlo"/>
-                <a:cs typeface="Menlo"/>
-                <a:sym typeface="Menlo"/>
+              <a:defRPr b="0" sz="1600">
+                <a:solidFill>
+                  <a:srgbClr val="5C2699"/>
+                </a:solidFill>
+                <a:latin typeface="Arial"/>
+                <a:ea typeface="Arial"/>
+                <a:cs typeface="Arial"/>
+                <a:sym typeface="Arial"/>
               </a:defRPr>
             </a:pPr>
             <a:r>
@@ -34570,9 +34550,9 @@
             </a:endParaRPr>
           </a:p>
           <a:p>
-            <a:pPr marL="457200" indent="-317500" defTabSz="457200">
+            <a:pPr marL="563033" indent="-423333" defTabSz="457200">
               <a:lnSpc>
-                <a:spcPts val="3600"/>
+                <a:spcPts val="2500"/>
               </a:lnSpc>
               <a:spcBef>
                 <a:spcPts val="0"/>
@@ -34583,14 +34563,14 @@
               <a:buSzPct val="100000"/>
               <a:buFont typeface="Menlo"/>
               <a:buChar char="•"/>
-              <a:defRPr b="0" sz="1200">
-                <a:solidFill>
-                  <a:srgbClr val="007400"/>
-                </a:solidFill>
-                <a:latin typeface="Menlo"/>
-                <a:ea typeface="Menlo"/>
-                <a:cs typeface="Menlo"/>
-                <a:sym typeface="Menlo"/>
+              <a:defRPr b="0" sz="1600">
+                <a:solidFill>
+                  <a:srgbClr val="5C2699"/>
+                </a:solidFill>
+                <a:latin typeface="Arial"/>
+                <a:ea typeface="Arial"/>
+                <a:cs typeface="Arial"/>
+                <a:sym typeface="Arial"/>
               </a:defRPr>
             </a:pPr>
             <a:r>
@@ -34603,9 +34583,9 @@
             </a:endParaRPr>
           </a:p>
           <a:p>
-            <a:pPr marL="457200" indent="-317500" defTabSz="457200">
+            <a:pPr marL="563033" indent="-423333" defTabSz="457200">
               <a:lnSpc>
-                <a:spcPts val="3600"/>
+                <a:spcPts val="2500"/>
               </a:lnSpc>
               <a:spcBef>
                 <a:spcPts val="0"/>
@@ -34616,14 +34596,14 @@
               <a:buSzPct val="100000"/>
               <a:buFont typeface="Menlo"/>
               <a:buChar char="•"/>
-              <a:defRPr b="0" sz="1200">
-                <a:solidFill>
-                  <a:srgbClr val="3F6E74"/>
-                </a:solidFill>
-                <a:latin typeface="Menlo"/>
-                <a:ea typeface="Menlo"/>
-                <a:cs typeface="Menlo"/>
-                <a:sym typeface="Menlo"/>
+              <a:defRPr b="0" sz="1600">
+                <a:solidFill>
+                  <a:srgbClr val="5C2699"/>
+                </a:solidFill>
+                <a:latin typeface="Arial"/>
+                <a:ea typeface="Arial"/>
+                <a:cs typeface="Arial"/>
+                <a:sym typeface="Arial"/>
               </a:defRPr>
             </a:pPr>
             <a:r>
@@ -34666,9 +34646,9 @@
             </a:endParaRPr>
           </a:p>
           <a:p>
-            <a:pPr marL="457200" indent="-317500" defTabSz="457200">
+            <a:pPr marL="563033" indent="-423333" defTabSz="457200">
               <a:lnSpc>
-                <a:spcPts val="3600"/>
+                <a:spcPts val="2500"/>
               </a:lnSpc>
               <a:spcBef>
                 <a:spcPts val="0"/>
@@ -34679,14 +34659,14 @@
               <a:buSzPct val="100000"/>
               <a:buFont typeface="Menlo"/>
               <a:buChar char="•"/>
-              <a:defRPr b="0" sz="1200">
-                <a:solidFill>
-                  <a:srgbClr val="007400"/>
-                </a:solidFill>
-                <a:latin typeface="Menlo"/>
-                <a:ea typeface="Menlo"/>
-                <a:cs typeface="Menlo"/>
-                <a:sym typeface="Menlo"/>
+              <a:defRPr b="0" sz="1600">
+                <a:solidFill>
+                  <a:srgbClr val="5C2699"/>
+                </a:solidFill>
+                <a:latin typeface="Arial"/>
+                <a:ea typeface="Arial"/>
+                <a:cs typeface="Arial"/>
+                <a:sym typeface="Arial"/>
               </a:defRPr>
             </a:pPr>
             <a:r>
@@ -34699,9 +34679,9 @@
             </a:endParaRPr>
           </a:p>
           <a:p>
-            <a:pPr marL="457200" indent="-317500" defTabSz="457200">
+            <a:pPr marL="563033" indent="-423333" defTabSz="457200">
               <a:lnSpc>
-                <a:spcPts val="3600"/>
+                <a:spcPts val="2500"/>
               </a:lnSpc>
               <a:spcBef>
                 <a:spcPts val="0"/>
@@ -34712,14 +34692,14 @@
               <a:buSzPct val="100000"/>
               <a:buFont typeface="Menlo"/>
               <a:buChar char="•"/>
-              <a:defRPr b="0" sz="1200">
-                <a:solidFill>
-                  <a:srgbClr val="3F6E74"/>
-                </a:solidFill>
-                <a:latin typeface="Menlo"/>
-                <a:ea typeface="Menlo"/>
-                <a:cs typeface="Menlo"/>
-                <a:sym typeface="Menlo"/>
+              <a:defRPr b="0" sz="1600">
+                <a:solidFill>
+                  <a:srgbClr val="5C2699"/>
+                </a:solidFill>
+                <a:latin typeface="Arial"/>
+                <a:ea typeface="Arial"/>
+                <a:cs typeface="Arial"/>
+                <a:sym typeface="Arial"/>
               </a:defRPr>
             </a:pPr>
             <a:r>
@@ -34762,9 +34742,9 @@
             </a:endParaRPr>
           </a:p>
           <a:p>
-            <a:pPr marL="457200" indent="-317500" defTabSz="457200">
+            <a:pPr marL="563033" indent="-423333" defTabSz="457200">
               <a:lnSpc>
-                <a:spcPts val="3600"/>
+                <a:spcPts val="2500"/>
               </a:lnSpc>
               <a:spcBef>
                 <a:spcPts val="0"/>
@@ -34775,14 +34755,14 @@
               <a:buSzPct val="100000"/>
               <a:buFont typeface="Menlo"/>
               <a:buChar char="•"/>
-              <a:defRPr b="0" sz="1200">
-                <a:solidFill>
-                  <a:srgbClr val="007400"/>
-                </a:solidFill>
-                <a:latin typeface="Menlo"/>
-                <a:ea typeface="Menlo"/>
-                <a:cs typeface="Menlo"/>
-                <a:sym typeface="Menlo"/>
+              <a:defRPr b="0" sz="1600">
+                <a:solidFill>
+                  <a:srgbClr val="5C2699"/>
+                </a:solidFill>
+                <a:latin typeface="Arial"/>
+                <a:ea typeface="Arial"/>
+                <a:cs typeface="Arial"/>
+                <a:sym typeface="Arial"/>
               </a:defRPr>
             </a:pPr>
             <a:r>
@@ -34975,8 +34955,8 @@
         </p:nvSpPr>
         <p:spPr>
           <a:xfrm>
-            <a:off x="1210331" y="1602232"/>
-            <a:ext cx="5584792" cy="2860041"/>
+            <a:off x="3023468" y="951224"/>
+            <a:ext cx="5031014" cy="3748165"/>
           </a:xfrm>
           <a:prstGeom prst="rect">
             <a:avLst/>
@@ -34996,9 +34976,9 @@
           </a:bodyPr>
           <a:lstStyle/>
           <a:p>
-            <a:pPr marL="457200" indent="-317500" defTabSz="457200">
+            <a:pPr marL="527755" indent="-388055" defTabSz="457200">
               <a:lnSpc>
-                <a:spcPts val="2300"/>
+                <a:spcPts val="1700"/>
               </a:lnSpc>
               <a:spcBef>
                 <a:spcPts val="0"/>
@@ -35009,14 +34989,14 @@
               <a:buSzPct val="100000"/>
               <a:buFont typeface="Menlo"/>
               <a:buChar char="•"/>
-              <a:defRPr b="0" sz="900">
-                <a:solidFill>
-                  <a:srgbClr val="3F6E74"/>
-                </a:solidFill>
-                <a:latin typeface="Menlo"/>
-                <a:ea typeface="Menlo"/>
-                <a:cs typeface="Menlo"/>
-                <a:sym typeface="Menlo"/>
+              <a:defRPr b="0" sz="1100">
+                <a:solidFill>
+                  <a:srgbClr val="5C2699"/>
+                </a:solidFill>
+                <a:latin typeface="Arial"/>
+                <a:ea typeface="Arial"/>
+                <a:cs typeface="Arial"/>
+                <a:sym typeface="Arial"/>
               </a:defRPr>
             </a:pPr>
             <a:r>
@@ -35053,9 +35033,9 @@
             </a:endParaRPr>
           </a:p>
           <a:p>
-            <a:pPr marL="457200" indent="-317500" defTabSz="457200">
+            <a:pPr marL="527755" indent="-388055" defTabSz="457200">
               <a:lnSpc>
-                <a:spcPts val="2300"/>
+                <a:spcPts val="1700"/>
               </a:lnSpc>
               <a:spcBef>
                 <a:spcPts val="0"/>
@@ -35066,14 +35046,14 @@
               <a:buSzPct val="100000"/>
               <a:buFont typeface="Menlo"/>
               <a:buChar char="•"/>
-              <a:defRPr b="0" sz="900">
-                <a:solidFill>
-                  <a:srgbClr val="3F6E74"/>
-                </a:solidFill>
-                <a:latin typeface="Menlo"/>
-                <a:ea typeface="Menlo"/>
-                <a:cs typeface="Menlo"/>
-                <a:sym typeface="Menlo"/>
+              <a:defRPr b="0" sz="1100">
+                <a:solidFill>
+                  <a:srgbClr val="5C2699"/>
+                </a:solidFill>
+                <a:latin typeface="Arial"/>
+                <a:ea typeface="Arial"/>
+                <a:cs typeface="Arial"/>
+                <a:sym typeface="Arial"/>
               </a:defRPr>
             </a:pPr>
             <a:r>
@@ -35142,9 +35122,9 @@
             </a:endParaRPr>
           </a:p>
           <a:p>
-            <a:pPr marL="457200" indent="-317500" defTabSz="457200">
+            <a:pPr marL="527755" indent="-388055" defTabSz="457200">
               <a:lnSpc>
-                <a:spcPts val="2300"/>
+                <a:spcPts val="1700"/>
               </a:lnSpc>
               <a:spcBef>
                 <a:spcPts val="0"/>
@@ -35155,14 +35135,14 @@
               <a:buSzPct val="100000"/>
               <a:buFont typeface="Menlo"/>
               <a:buChar char="•"/>
-              <a:defRPr b="0" sz="900">
-                <a:solidFill>
-                  <a:srgbClr val="3F6E74"/>
-                </a:solidFill>
-                <a:latin typeface="Menlo"/>
-                <a:ea typeface="Menlo"/>
-                <a:cs typeface="Menlo"/>
-                <a:sym typeface="Menlo"/>
+              <a:defRPr b="0" sz="1100">
+                <a:solidFill>
+                  <a:srgbClr val="5C2699"/>
+                </a:solidFill>
+                <a:latin typeface="Arial"/>
+                <a:ea typeface="Arial"/>
+                <a:cs typeface="Arial"/>
+                <a:sym typeface="Arial"/>
               </a:defRPr>
             </a:pPr>
             <a:r>
@@ -35231,9 +35211,9 @@
             </a:endParaRPr>
           </a:p>
           <a:p>
-            <a:pPr marL="457200" indent="-317500" defTabSz="457200">
+            <a:pPr marL="527755" indent="-388055" defTabSz="457200">
               <a:lnSpc>
-                <a:spcPts val="2300"/>
+                <a:spcPts val="1700"/>
               </a:lnSpc>
               <a:spcBef>
                 <a:spcPts val="0"/>
@@ -35244,14 +35224,14 @@
               <a:buSzPct val="100000"/>
               <a:buFont typeface="Menlo"/>
               <a:buChar char="•"/>
-              <a:defRPr b="0" sz="900">
-                <a:solidFill>
-                  <a:srgbClr val="3F6E74"/>
-                </a:solidFill>
-                <a:latin typeface="Menlo"/>
-                <a:ea typeface="Menlo"/>
-                <a:cs typeface="Menlo"/>
-                <a:sym typeface="Menlo"/>
+              <a:defRPr b="0" sz="1100">
+                <a:solidFill>
+                  <a:srgbClr val="5C2699"/>
+                </a:solidFill>
+                <a:latin typeface="Arial"/>
+                <a:ea typeface="Arial"/>
+                <a:cs typeface="Arial"/>
+                <a:sym typeface="Arial"/>
               </a:defRPr>
             </a:pPr>
             <a:r>
@@ -35290,11 +35270,6 @@
               <a:t>: </a:t>
             </a:r>
             <a:r>
-              <a:rPr>
-                <a:solidFill>
-                  <a:srgbClr val="5C2699"/>
-                </a:solidFill>
-              </a:rPr>
               <a:t>Int</a:t>
             </a:r>
             <a:r>
@@ -35328,9 +35303,9 @@
             </a:endParaRPr>
           </a:p>
           <a:p>
-            <a:pPr marL="457200" indent="-317500" defTabSz="457200">
+            <a:pPr marL="527755" indent="-388055" defTabSz="457200">
               <a:lnSpc>
-                <a:spcPts val="2300"/>
+                <a:spcPts val="1700"/>
               </a:lnSpc>
               <a:spcBef>
                 <a:spcPts val="0"/>
@@ -35341,14 +35316,14 @@
               <a:buSzPct val="100000"/>
               <a:buFont typeface="Menlo"/>
               <a:buChar char="•"/>
-              <a:defRPr b="0" sz="900">
-                <a:solidFill>
-                  <a:srgbClr val="333333"/>
-                </a:solidFill>
-                <a:latin typeface="Menlo"/>
-                <a:ea typeface="Menlo"/>
-                <a:cs typeface="Menlo"/>
-                <a:sym typeface="Menlo"/>
+              <a:defRPr b="0" sz="1100">
+                <a:solidFill>
+                  <a:srgbClr val="5C2699"/>
+                </a:solidFill>
+                <a:latin typeface="Arial"/>
+                <a:ea typeface="Arial"/>
+                <a:cs typeface="Arial"/>
+                <a:sym typeface="Arial"/>
               </a:defRPr>
             </a:pPr>
             <a:r>
@@ -35367,9 +35342,9 @@
             </a:r>
           </a:p>
           <a:p>
-            <a:pPr marL="457200" indent="-317500" defTabSz="457200">
+            <a:pPr marL="527755" indent="-388055" defTabSz="457200">
               <a:lnSpc>
-                <a:spcPts val="2300"/>
+                <a:spcPts val="1700"/>
               </a:lnSpc>
               <a:spcBef>
                 <a:spcPts val="0"/>
@@ -35380,14 +35355,14 @@
               <a:buSzPct val="100000"/>
               <a:buFont typeface="Menlo"/>
               <a:buChar char="•"/>
-              <a:defRPr b="0" sz="900">
-                <a:solidFill>
-                  <a:srgbClr val="333333"/>
-                </a:solidFill>
-                <a:latin typeface="Menlo"/>
-                <a:ea typeface="Menlo"/>
-                <a:cs typeface="Menlo"/>
-                <a:sym typeface="Menlo"/>
+              <a:defRPr b="0" sz="1100">
+                <a:solidFill>
+                  <a:srgbClr val="5C2699"/>
+                </a:solidFill>
+                <a:latin typeface="Arial"/>
+                <a:ea typeface="Arial"/>
+                <a:cs typeface="Arial"/>
+                <a:sym typeface="Arial"/>
               </a:defRPr>
             </a:pPr>
             <a:r>
@@ -35439,9 +35414,9 @@
             </a:r>
           </a:p>
           <a:p>
-            <a:pPr marL="457200" indent="-317500" defTabSz="457200">
+            <a:pPr marL="527755" indent="-388055" defTabSz="457200">
               <a:lnSpc>
-                <a:spcPts val="2300"/>
+                <a:spcPts val="1700"/>
               </a:lnSpc>
               <a:spcBef>
                 <a:spcPts val="0"/>
@@ -35452,14 +35427,14 @@
               <a:buSzPct val="100000"/>
               <a:buFont typeface="Menlo"/>
               <a:buChar char="•"/>
-              <a:defRPr b="0" sz="900">
-                <a:solidFill>
-                  <a:srgbClr val="007400"/>
-                </a:solidFill>
-                <a:latin typeface="Menlo"/>
-                <a:ea typeface="Menlo"/>
-                <a:cs typeface="Menlo"/>
-                <a:sym typeface="Menlo"/>
+              <a:defRPr b="0" sz="1100">
+                <a:solidFill>
+                  <a:srgbClr val="5C2699"/>
+                </a:solidFill>
+                <a:latin typeface="Arial"/>
+                <a:ea typeface="Arial"/>
+                <a:cs typeface="Arial"/>
+                <a:sym typeface="Arial"/>
               </a:defRPr>
             </a:pPr>
             <a:r>
@@ -35480,9 +35455,9 @@
             </a:endParaRPr>
           </a:p>
           <a:p>
-            <a:pPr marL="457200" indent="-317500" defTabSz="457200">
+            <a:pPr marL="527755" indent="-388055" defTabSz="457200">
               <a:lnSpc>
-                <a:spcPts val="2300"/>
+                <a:spcPts val="1700"/>
               </a:lnSpc>
               <a:spcBef>
                 <a:spcPts val="0"/>
@@ -35493,14 +35468,14 @@
               <a:buSzPct val="100000"/>
               <a:buFont typeface="Menlo"/>
               <a:buChar char="•"/>
-              <a:defRPr b="0" sz="900">
-                <a:solidFill>
-                  <a:srgbClr val="333333"/>
-                </a:solidFill>
-                <a:latin typeface="Menlo"/>
-                <a:ea typeface="Menlo"/>
-                <a:cs typeface="Menlo"/>
-                <a:sym typeface="Menlo"/>
+              <a:defRPr b="0" sz="1100">
+                <a:solidFill>
+                  <a:srgbClr val="5C2699"/>
+                </a:solidFill>
+                <a:latin typeface="Arial"/>
+                <a:ea typeface="Arial"/>
+                <a:cs typeface="Arial"/>
+                <a:sym typeface="Arial"/>
               </a:defRPr>
             </a:pPr>
             <a:r>
@@ -35538,9 +35513,9 @@
             </a:r>
           </a:p>
           <a:p>
-            <a:pPr marL="457200" indent="-317500" defTabSz="457200">
+            <a:pPr marL="527755" indent="-388055" defTabSz="457200">
               <a:lnSpc>
-                <a:spcPts val="2300"/>
+                <a:spcPts val="1700"/>
               </a:lnSpc>
               <a:spcBef>
                 <a:spcPts val="0"/>
@@ -35551,14 +35526,14 @@
               <a:buSzPct val="100000"/>
               <a:buFont typeface="Menlo"/>
               <a:buChar char="•"/>
-              <a:defRPr b="0" sz="900">
-                <a:solidFill>
-                  <a:srgbClr val="333333"/>
-                </a:solidFill>
-                <a:latin typeface="Menlo"/>
-                <a:ea typeface="Menlo"/>
-                <a:cs typeface="Menlo"/>
-                <a:sym typeface="Menlo"/>
+              <a:defRPr b="0" sz="1100">
+                <a:solidFill>
+                  <a:srgbClr val="5C2699"/>
+                </a:solidFill>
+                <a:latin typeface="Arial"/>
+                <a:ea typeface="Arial"/>
+                <a:cs typeface="Arial"/>
+                <a:sym typeface="Arial"/>
               </a:defRPr>
             </a:pPr>
             <a:r>
@@ -35566,9 +35541,9 @@
             </a:r>
           </a:p>
           <a:p>
-            <a:pPr marL="457200" indent="-317500" defTabSz="457200">
+            <a:pPr marL="527755" indent="-388055" defTabSz="457200">
               <a:lnSpc>
-                <a:spcPts val="2300"/>
+                <a:spcPts val="1700"/>
               </a:lnSpc>
               <a:spcBef>
                 <a:spcPts val="0"/>
@@ -35579,14 +35554,14 @@
               <a:buSzPct val="100000"/>
               <a:buFont typeface="Menlo"/>
               <a:buChar char="•"/>
-              <a:defRPr b="0" sz="900">
-                <a:solidFill>
-                  <a:srgbClr val="3F6E74"/>
-                </a:solidFill>
-                <a:latin typeface="Menlo"/>
-                <a:ea typeface="Menlo"/>
-                <a:cs typeface="Menlo"/>
-                <a:sym typeface="Menlo"/>
+              <a:defRPr b="0" sz="1100">
+                <a:solidFill>
+                  <a:srgbClr val="5C2699"/>
+                </a:solidFill>
+                <a:latin typeface="Arial"/>
+                <a:ea typeface="Arial"/>
+                <a:cs typeface="Arial"/>
+                <a:sym typeface="Arial"/>
               </a:defRPr>
             </a:pPr>
             <a:r>
@@ -35653,9 +35628,9 @@
             </a:endParaRPr>
           </a:p>
           <a:p>
-            <a:pPr marL="457200" indent="-317500" defTabSz="457200">
+            <a:pPr marL="527755" indent="-388055" defTabSz="457200">
               <a:lnSpc>
-                <a:spcPts val="2300"/>
+                <a:spcPts val="1700"/>
               </a:lnSpc>
               <a:spcBef>
                 <a:spcPts val="0"/>
@@ -35666,14 +35641,14 @@
               <a:buSzPct val="100000"/>
               <a:buFont typeface="Menlo"/>
               <a:buChar char="•"/>
-              <a:defRPr b="0" sz="900">
-                <a:solidFill>
-                  <a:srgbClr val="007400"/>
-                </a:solidFill>
-                <a:latin typeface="Menlo"/>
-                <a:ea typeface="Menlo"/>
-                <a:cs typeface="Menlo"/>
-                <a:sym typeface="Menlo"/>
+              <a:defRPr b="0" sz="1100">
+                <a:solidFill>
+                  <a:srgbClr val="5C2699"/>
+                </a:solidFill>
+                <a:latin typeface="Arial"/>
+                <a:ea typeface="Arial"/>
+                <a:cs typeface="Arial"/>
+                <a:sym typeface="Arial"/>
               </a:defRPr>
             </a:pPr>
             <a:r>
@@ -35694,9 +35669,9 @@
             </a:endParaRPr>
           </a:p>
           <a:p>
-            <a:pPr marL="457200" indent="-317500" defTabSz="457200">
+            <a:pPr marL="527755" indent="-388055" defTabSz="457200">
               <a:lnSpc>
-                <a:spcPts val="2300"/>
+                <a:spcPts val="1700"/>
               </a:lnSpc>
               <a:spcBef>
                 <a:spcPts val="0"/>
@@ -35707,14 +35682,14 @@
               <a:buSzPct val="100000"/>
               <a:buFont typeface="Menlo"/>
               <a:buChar char="•"/>
-              <a:defRPr b="0" sz="900">
-                <a:solidFill>
-                  <a:srgbClr val="3F6E74"/>
-                </a:solidFill>
-                <a:latin typeface="Menlo"/>
-                <a:ea typeface="Menlo"/>
-                <a:cs typeface="Menlo"/>
-                <a:sym typeface="Menlo"/>
+              <a:defRPr b="0" sz="1100">
+                <a:solidFill>
+                  <a:srgbClr val="5C2699"/>
+                </a:solidFill>
+                <a:latin typeface="Arial"/>
+                <a:ea typeface="Arial"/>
+                <a:cs typeface="Arial"/>
+                <a:sym typeface="Arial"/>
               </a:defRPr>
             </a:pPr>
             <a:r>
@@ -35757,9 +35732,9 @@
             </a:endParaRPr>
           </a:p>
           <a:p>
-            <a:pPr marL="457200" indent="-317500" defTabSz="457200">
+            <a:pPr marL="527755" indent="-388055" defTabSz="457200">
               <a:lnSpc>
-                <a:spcPts val="2300"/>
+                <a:spcPts val="1700"/>
               </a:lnSpc>
               <a:spcBef>
                 <a:spcPts val="0"/>
@@ -35770,14 +35745,14 @@
               <a:buSzPct val="100000"/>
               <a:buFont typeface="Menlo"/>
               <a:buChar char="•"/>
-              <a:defRPr b="0" sz="900">
-                <a:solidFill>
-                  <a:srgbClr val="333333"/>
-                </a:solidFill>
-                <a:latin typeface="Menlo"/>
-                <a:ea typeface="Menlo"/>
-                <a:cs typeface="Menlo"/>
-                <a:sym typeface="Menlo"/>
+              <a:defRPr b="0" sz="1100">
+                <a:solidFill>
+                  <a:srgbClr val="5C2699"/>
+                </a:solidFill>
+                <a:latin typeface="Arial"/>
+                <a:ea typeface="Arial"/>
+                <a:cs typeface="Arial"/>
+                <a:sym typeface="Arial"/>
               </a:defRPr>
             </a:pPr>
             <a:r>
@@ -35785,9 +35760,9 @@
             </a:r>
           </a:p>
           <a:p>
-            <a:pPr marL="457200" indent="-317500" defTabSz="457200">
+            <a:pPr marL="527755" indent="-388055" defTabSz="457200">
               <a:lnSpc>
-                <a:spcPts val="2300"/>
+                <a:spcPts val="1700"/>
               </a:lnSpc>
               <a:spcBef>
                 <a:spcPts val="0"/>
@@ -35798,14 +35773,14 @@
               <a:buSzPct val="100000"/>
               <a:buFont typeface="Menlo"/>
               <a:buChar char="•"/>
-              <a:defRPr b="0" sz="900">
-                <a:solidFill>
-                  <a:srgbClr val="333333"/>
-                </a:solidFill>
-                <a:latin typeface="Menlo"/>
-                <a:ea typeface="Menlo"/>
-                <a:cs typeface="Menlo"/>
-                <a:sym typeface="Menlo"/>
+              <a:defRPr b="0" sz="1100">
+                <a:solidFill>
+                  <a:srgbClr val="5C2699"/>
+                </a:solidFill>
+                <a:latin typeface="Arial"/>
+                <a:ea typeface="Arial"/>
+                <a:cs typeface="Arial"/>
+                <a:sym typeface="Arial"/>
               </a:defRPr>
             </a:pPr>
             <a:r>
@@ -35813,9 +35788,9 @@
             </a:r>
           </a:p>
           <a:p>
-            <a:pPr marL="457200" indent="-317500" defTabSz="457200">
+            <a:pPr marL="527755" indent="-388055" defTabSz="457200">
               <a:lnSpc>
-                <a:spcPts val="2300"/>
+                <a:spcPts val="1700"/>
               </a:lnSpc>
               <a:spcBef>
                 <a:spcPts val="0"/>
@@ -35826,14 +35801,14 @@
               <a:buSzPct val="100000"/>
               <a:buFont typeface="Menlo"/>
               <a:buChar char="•"/>
-              <a:defRPr b="0" sz="900">
-                <a:solidFill>
-                  <a:srgbClr val="333333"/>
-                </a:solidFill>
-                <a:latin typeface="Menlo"/>
-                <a:ea typeface="Menlo"/>
-                <a:cs typeface="Menlo"/>
-                <a:sym typeface="Menlo"/>
+              <a:defRPr b="0" sz="1100">
+                <a:solidFill>
+                  <a:srgbClr val="5C2699"/>
+                </a:solidFill>
+                <a:latin typeface="Arial"/>
+                <a:ea typeface="Arial"/>
+                <a:cs typeface="Arial"/>
+                <a:sym typeface="Arial"/>
               </a:defRPr>
             </a:pPr>
             <a:r>
@@ -35841,9 +35816,9 @@
             </a:r>
           </a:p>
           <a:p>
-            <a:pPr marL="457200" indent="-317500" defTabSz="457200">
+            <a:pPr marL="527755" indent="-388055" defTabSz="457200">
               <a:lnSpc>
-                <a:spcPts val="2300"/>
+                <a:spcPts val="1700"/>
               </a:lnSpc>
               <a:spcBef>
                 <a:spcPts val="0"/>
@@ -35854,14 +35829,14 @@
               <a:buSzPct val="100000"/>
               <a:buFont typeface="Menlo"/>
               <a:buChar char="•"/>
-              <a:defRPr b="0" sz="900">
-                <a:solidFill>
-                  <a:srgbClr val="333333"/>
-                </a:solidFill>
-                <a:latin typeface="Menlo"/>
-                <a:ea typeface="Menlo"/>
-                <a:cs typeface="Menlo"/>
-                <a:sym typeface="Menlo"/>
+              <a:defRPr b="0" sz="1100">
+                <a:solidFill>
+                  <a:srgbClr val="5C2699"/>
+                </a:solidFill>
+                <a:latin typeface="Arial"/>
+                <a:ea typeface="Arial"/>
+                <a:cs typeface="Arial"/>
+                <a:sym typeface="Arial"/>
               </a:defRPr>
             </a:pPr>
             <a:r>
@@ -36050,7 +36025,7 @@
         <p:spPr>
           <a:xfrm>
             <a:off x="890759" y="1534057"/>
-            <a:ext cx="2832217" cy="396241"/>
+            <a:ext cx="2779171" cy="509665"/>
           </a:xfrm>
           <a:prstGeom prst="rect">
             <a:avLst/>
@@ -36070,9 +36045,9 @@
           </a:bodyPr>
           <a:lstStyle/>
           <a:p>
-            <a:pPr marL="457200" indent="-317500" defTabSz="457200">
+            <a:pPr marL="527755" indent="-388055" defTabSz="457200">
               <a:lnSpc>
-                <a:spcPts val="2400"/>
+                <a:spcPts val="1700"/>
               </a:lnSpc>
               <a:spcBef>
                 <a:spcPts val="0"/>
@@ -36083,14 +36058,14 @@
               <a:buSzPct val="100000"/>
               <a:buFont typeface="Menlo"/>
               <a:buChar char="•"/>
-              <a:defRPr b="0" sz="900">
-                <a:solidFill>
-                  <a:srgbClr val="3F6E74"/>
-                </a:solidFill>
-                <a:latin typeface="Menlo"/>
-                <a:ea typeface="Menlo"/>
-                <a:cs typeface="Menlo"/>
-                <a:sym typeface="Menlo"/>
+              <a:defRPr b="0" sz="1100">
+                <a:solidFill>
+                  <a:srgbClr val="5C2699"/>
+                </a:solidFill>
+                <a:latin typeface="Arial"/>
+                <a:ea typeface="Arial"/>
+                <a:cs typeface="Arial"/>
+                <a:sym typeface="Arial"/>
               </a:defRPr>
             </a:pPr>
             <a:r>
@@ -36138,9 +36113,9 @@
             </a:endParaRPr>
           </a:p>
           <a:p>
-            <a:pPr marL="457200" indent="-317500" defTabSz="457200">
+            <a:pPr marL="527755" indent="-388055" defTabSz="457200">
               <a:lnSpc>
-                <a:spcPts val="2400"/>
+                <a:spcPts val="1700"/>
               </a:lnSpc>
               <a:spcBef>
                 <a:spcPts val="0"/>
@@ -36151,14 +36126,14 @@
               <a:buSzPct val="100000"/>
               <a:buFont typeface="Menlo"/>
               <a:buChar char="•"/>
-              <a:defRPr b="0" sz="900">
-                <a:solidFill>
-                  <a:srgbClr val="3F6E74"/>
-                </a:solidFill>
-                <a:latin typeface="Menlo"/>
-                <a:ea typeface="Menlo"/>
-                <a:cs typeface="Menlo"/>
-                <a:sym typeface="Menlo"/>
+              <a:defRPr b="0" sz="1100">
+                <a:solidFill>
+                  <a:srgbClr val="5C2699"/>
+                </a:solidFill>
+                <a:latin typeface="Arial"/>
+                <a:ea typeface="Arial"/>
+                <a:cs typeface="Arial"/>
+                <a:sym typeface="Arial"/>
               </a:defRPr>
             </a:pPr>
             <a:r>
@@ -36211,7 +36186,7 @@
         <p:spPr>
           <a:xfrm>
             <a:off x="886498" y="2174755"/>
-            <a:ext cx="3864433" cy="929641"/>
+            <a:ext cx="3815665" cy="1157365"/>
           </a:xfrm>
           <a:prstGeom prst="rect">
             <a:avLst/>
@@ -36231,9 +36206,9 @@
           </a:bodyPr>
           <a:lstStyle/>
           <a:p>
-            <a:pPr marL="457200" indent="-317500" defTabSz="457200">
+            <a:pPr marL="527755" indent="-388055" defTabSz="457200">
               <a:lnSpc>
-                <a:spcPts val="2400"/>
+                <a:spcPts val="1700"/>
               </a:lnSpc>
               <a:spcBef>
                 <a:spcPts val="0"/>
@@ -36244,14 +36219,14 @@
               <a:buSzPct val="100000"/>
               <a:buFont typeface="Menlo"/>
               <a:buChar char="•"/>
-              <a:defRPr b="0" sz="900">
-                <a:solidFill>
-                  <a:srgbClr val="3F6E74"/>
-                </a:solidFill>
-                <a:latin typeface="Menlo"/>
-                <a:ea typeface="Menlo"/>
-                <a:cs typeface="Menlo"/>
-                <a:sym typeface="Menlo"/>
+              <a:defRPr b="0" sz="1100">
+                <a:solidFill>
+                  <a:srgbClr val="5C2699"/>
+                </a:solidFill>
+                <a:latin typeface="Arial"/>
+                <a:ea typeface="Arial"/>
+                <a:cs typeface="Arial"/>
+                <a:sym typeface="Arial"/>
               </a:defRPr>
             </a:pPr>
             <a:r>
@@ -36291,9 +36266,9 @@
             </a:endParaRPr>
           </a:p>
           <a:p>
-            <a:pPr marL="457200" indent="-317500" defTabSz="457200">
+            <a:pPr marL="527755" indent="-388055" defTabSz="457200">
               <a:lnSpc>
-                <a:spcPts val="2400"/>
+                <a:spcPts val="1700"/>
               </a:lnSpc>
               <a:spcBef>
                 <a:spcPts val="0"/>
@@ -36304,14 +36279,14 @@
               <a:buSzPct val="100000"/>
               <a:buFont typeface="Menlo"/>
               <a:buChar char="•"/>
-              <a:defRPr b="0" sz="900">
-                <a:solidFill>
-                  <a:srgbClr val="3F6E74"/>
-                </a:solidFill>
-                <a:latin typeface="Menlo"/>
-                <a:ea typeface="Menlo"/>
-                <a:cs typeface="Menlo"/>
-                <a:sym typeface="Menlo"/>
+              <a:defRPr b="0" sz="1100">
+                <a:solidFill>
+                  <a:srgbClr val="5C2699"/>
+                </a:solidFill>
+                <a:latin typeface="Arial"/>
+                <a:ea typeface="Arial"/>
+                <a:cs typeface="Arial"/>
+                <a:sym typeface="Arial"/>
               </a:defRPr>
             </a:pPr>
             <a:r>
@@ -36354,9 +36329,9 @@
             </a:endParaRPr>
           </a:p>
           <a:p>
-            <a:pPr marL="457200" indent="-317500" defTabSz="457200">
+            <a:pPr marL="527755" indent="-388055" defTabSz="457200">
               <a:lnSpc>
-                <a:spcPts val="2400"/>
+                <a:spcPts val="1700"/>
               </a:lnSpc>
               <a:spcBef>
                 <a:spcPts val="0"/>
@@ -36367,14 +36342,14 @@
               <a:buSzPct val="100000"/>
               <a:buFont typeface="Menlo"/>
               <a:buChar char="•"/>
-              <a:defRPr b="0" sz="900">
-                <a:solidFill>
-                  <a:srgbClr val="007400"/>
-                </a:solidFill>
-                <a:latin typeface="Menlo"/>
-                <a:ea typeface="Menlo"/>
-                <a:cs typeface="Menlo"/>
-                <a:sym typeface="Menlo"/>
+              <a:defRPr b="0" sz="1100">
+                <a:solidFill>
+                  <a:srgbClr val="5C2699"/>
+                </a:solidFill>
+                <a:latin typeface="Arial"/>
+                <a:ea typeface="Arial"/>
+                <a:cs typeface="Arial"/>
+                <a:sym typeface="Arial"/>
               </a:defRPr>
             </a:pPr>
             <a:r>
@@ -36387,9 +36362,9 @@
             </a:endParaRPr>
           </a:p>
           <a:p>
-            <a:pPr marL="457200" indent="-317500" defTabSz="457200">
+            <a:pPr marL="527755" indent="-388055" defTabSz="457200">
               <a:lnSpc>
-                <a:spcPts val="2400"/>
+                <a:spcPts val="1700"/>
               </a:lnSpc>
               <a:spcBef>
                 <a:spcPts val="0"/>
@@ -36400,14 +36375,14 @@
               <a:buSzPct val="100000"/>
               <a:buFont typeface="Menlo"/>
               <a:buChar char="•"/>
-              <a:defRPr b="0" sz="900">
-                <a:solidFill>
-                  <a:srgbClr val="3F6E74"/>
-                </a:solidFill>
-                <a:latin typeface="Menlo"/>
-                <a:ea typeface="Menlo"/>
-                <a:cs typeface="Menlo"/>
-                <a:sym typeface="Menlo"/>
+              <a:defRPr b="0" sz="1100">
+                <a:solidFill>
+                  <a:srgbClr val="5C2699"/>
+                </a:solidFill>
+                <a:latin typeface="Arial"/>
+                <a:ea typeface="Arial"/>
+                <a:cs typeface="Arial"/>
+                <a:sym typeface="Arial"/>
               </a:defRPr>
             </a:pPr>
             <a:r>
@@ -36450,9 +36425,9 @@
             </a:endParaRPr>
           </a:p>
           <a:p>
-            <a:pPr marL="457200" indent="-317500" defTabSz="457200">
+            <a:pPr marL="527755" indent="-388055" defTabSz="457200">
               <a:lnSpc>
-                <a:spcPts val="2400"/>
+                <a:spcPts val="1700"/>
               </a:lnSpc>
               <a:spcBef>
                 <a:spcPts val="0"/>
@@ -36463,14 +36438,14 @@
               <a:buSzPct val="100000"/>
               <a:buFont typeface="Menlo"/>
               <a:buChar char="•"/>
-              <a:defRPr b="0" sz="900">
-                <a:solidFill>
-                  <a:srgbClr val="007400"/>
-                </a:solidFill>
-                <a:latin typeface="Menlo"/>
-                <a:ea typeface="Menlo"/>
-                <a:cs typeface="Menlo"/>
-                <a:sym typeface="Menlo"/>
+              <a:defRPr b="0" sz="1100">
+                <a:solidFill>
+                  <a:srgbClr val="5C2699"/>
+                </a:solidFill>
+                <a:latin typeface="Arial"/>
+                <a:ea typeface="Arial"/>
+                <a:cs typeface="Arial"/>
+                <a:sym typeface="Arial"/>
               </a:defRPr>
             </a:pPr>
             <a:r>
@@ -36488,7 +36463,7 @@
         <p:spPr>
           <a:xfrm>
             <a:off x="886498" y="3434072"/>
-            <a:ext cx="3864433" cy="878841"/>
+            <a:ext cx="3815665" cy="1157366"/>
           </a:xfrm>
           <a:prstGeom prst="rect">
             <a:avLst/>
@@ -36508,9 +36483,9 @@
           </a:bodyPr>
           <a:lstStyle/>
           <a:p>
-            <a:pPr marL="457200" indent="-317500" defTabSz="457200">
+            <a:pPr marL="527755" indent="-388055" defTabSz="457200">
               <a:lnSpc>
-                <a:spcPts val="2300"/>
+                <a:spcPts val="1700"/>
               </a:lnSpc>
               <a:spcBef>
                 <a:spcPts val="0"/>
@@ -36521,14 +36496,14 @@
               <a:buSzPct val="100000"/>
               <a:buFont typeface="Menlo"/>
               <a:buChar char="•"/>
-              <a:defRPr b="0" sz="900">
-                <a:solidFill>
-                  <a:srgbClr val="3F6E74"/>
-                </a:solidFill>
-                <a:latin typeface="Menlo"/>
-                <a:ea typeface="Menlo"/>
-                <a:cs typeface="Menlo"/>
-                <a:sym typeface="Menlo"/>
+              <a:defRPr b="0" sz="1100">
+                <a:solidFill>
+                  <a:srgbClr val="5C2699"/>
+                </a:solidFill>
+                <a:latin typeface="Arial"/>
+                <a:ea typeface="Arial"/>
+                <a:cs typeface="Arial"/>
+                <a:sym typeface="Arial"/>
               </a:defRPr>
             </a:pPr>
             <a:r>
@@ -36568,9 +36543,9 @@
             </a:endParaRPr>
           </a:p>
           <a:p>
-            <a:pPr marL="457200" indent="-317500" defTabSz="457200">
+            <a:pPr marL="527755" indent="-388055" defTabSz="457200">
               <a:lnSpc>
-                <a:spcPts val="2300"/>
+                <a:spcPts val="1700"/>
               </a:lnSpc>
               <a:spcBef>
                 <a:spcPts val="0"/>
@@ -36581,14 +36556,14 @@
               <a:buSzPct val="100000"/>
               <a:buFont typeface="Menlo"/>
               <a:buChar char="•"/>
-              <a:defRPr b="0" sz="900">
-                <a:solidFill>
-                  <a:srgbClr val="3F6E74"/>
-                </a:solidFill>
-                <a:latin typeface="Menlo"/>
-                <a:ea typeface="Menlo"/>
-                <a:cs typeface="Menlo"/>
-                <a:sym typeface="Menlo"/>
+              <a:defRPr b="0" sz="1100">
+                <a:solidFill>
+                  <a:srgbClr val="5C2699"/>
+                </a:solidFill>
+                <a:latin typeface="Arial"/>
+                <a:ea typeface="Arial"/>
+                <a:cs typeface="Arial"/>
+                <a:sym typeface="Arial"/>
               </a:defRPr>
             </a:pPr>
             <a:r>
@@ -36631,9 +36606,9 @@
             </a:endParaRPr>
           </a:p>
           <a:p>
-            <a:pPr marL="457200" indent="-317500" defTabSz="457200">
+            <a:pPr marL="527755" indent="-388055" defTabSz="457200">
               <a:lnSpc>
-                <a:spcPts val="2300"/>
+                <a:spcPts val="1700"/>
               </a:lnSpc>
               <a:spcBef>
                 <a:spcPts val="0"/>
@@ -36644,14 +36619,14 @@
               <a:buSzPct val="100000"/>
               <a:buFont typeface="Menlo"/>
               <a:buChar char="•"/>
-              <a:defRPr b="0" sz="900">
-                <a:solidFill>
-                  <a:srgbClr val="007400"/>
-                </a:solidFill>
-                <a:latin typeface="Menlo"/>
-                <a:ea typeface="Menlo"/>
-                <a:cs typeface="Menlo"/>
-                <a:sym typeface="Menlo"/>
+              <a:defRPr b="0" sz="1100">
+                <a:solidFill>
+                  <a:srgbClr val="5C2699"/>
+                </a:solidFill>
+                <a:latin typeface="Arial"/>
+                <a:ea typeface="Arial"/>
+                <a:cs typeface="Arial"/>
+                <a:sym typeface="Arial"/>
               </a:defRPr>
             </a:pPr>
             <a:r>
@@ -36664,9 +36639,9 @@
             </a:endParaRPr>
           </a:p>
           <a:p>
-            <a:pPr marL="457200" indent="-317500" defTabSz="457200">
+            <a:pPr marL="527755" indent="-388055" defTabSz="457200">
               <a:lnSpc>
-                <a:spcPts val="2300"/>
+                <a:spcPts val="1700"/>
               </a:lnSpc>
               <a:spcBef>
                 <a:spcPts val="0"/>
@@ -36677,14 +36652,14 @@
               <a:buSzPct val="100000"/>
               <a:buFont typeface="Menlo"/>
               <a:buChar char="•"/>
-              <a:defRPr b="0" sz="900">
-                <a:solidFill>
-                  <a:srgbClr val="3F6E74"/>
-                </a:solidFill>
-                <a:latin typeface="Menlo"/>
-                <a:ea typeface="Menlo"/>
-                <a:cs typeface="Menlo"/>
-                <a:sym typeface="Menlo"/>
+              <a:defRPr b="0" sz="1100">
+                <a:solidFill>
+                  <a:srgbClr val="5C2699"/>
+                </a:solidFill>
+                <a:latin typeface="Arial"/>
+                <a:ea typeface="Arial"/>
+                <a:cs typeface="Arial"/>
+                <a:sym typeface="Arial"/>
               </a:defRPr>
             </a:pPr>
             <a:r>
@@ -36727,9 +36702,9 @@
             </a:endParaRPr>
           </a:p>
           <a:p>
-            <a:pPr marL="457200" indent="-317500" defTabSz="457200">
+            <a:pPr marL="527755" indent="-388055" defTabSz="457200">
               <a:lnSpc>
-                <a:spcPts val="2300"/>
+                <a:spcPts val="1700"/>
               </a:lnSpc>
               <a:spcBef>
                 <a:spcPts val="0"/>
@@ -36740,14 +36715,14 @@
               <a:buSzPct val="100000"/>
               <a:buFont typeface="Menlo"/>
               <a:buChar char="•"/>
-              <a:defRPr b="0" sz="900">
-                <a:solidFill>
-                  <a:srgbClr val="007400"/>
-                </a:solidFill>
-                <a:latin typeface="Menlo"/>
-                <a:ea typeface="Menlo"/>
-                <a:cs typeface="Menlo"/>
-                <a:sym typeface="Menlo"/>
+              <a:defRPr b="0" sz="1100">
+                <a:solidFill>
+                  <a:srgbClr val="5C2699"/>
+                </a:solidFill>
+                <a:latin typeface="Arial"/>
+                <a:ea typeface="Arial"/>
+                <a:cs typeface="Arial"/>
+                <a:sym typeface="Arial"/>
               </a:defRPr>
             </a:pPr>
             <a:r>
@@ -37251,7 +37226,7 @@
         <p:spPr>
           <a:xfrm>
             <a:off x="576953" y="1101687"/>
-            <a:ext cx="5171906" cy="1539241"/>
+            <a:ext cx="6999734" cy="2928502"/>
           </a:xfrm>
           <a:prstGeom prst="rect">
             <a:avLst/>
@@ -37271,9 +37246,9 @@
           </a:bodyPr>
           <a:lstStyle/>
           <a:p>
-            <a:pPr marL="457200" indent="-317500" defTabSz="457200">
+            <a:pPr marL="704144" indent="-564444" defTabSz="457200">
               <a:lnSpc>
-                <a:spcPts val="2300"/>
+                <a:spcPts val="2500"/>
               </a:lnSpc>
               <a:spcBef>
                 <a:spcPts val="0"/>
@@ -37284,14 +37259,14 @@
               <a:buSzPct val="100000"/>
               <a:buFont typeface="Menlo"/>
               <a:buChar char="•"/>
-              <a:defRPr b="0" sz="900">
-                <a:solidFill>
-                  <a:srgbClr val="3F6E74"/>
-                </a:solidFill>
-                <a:latin typeface="Menlo"/>
-                <a:ea typeface="Menlo"/>
-                <a:cs typeface="Menlo"/>
-                <a:sym typeface="Menlo"/>
+              <a:defRPr b="0" sz="1600">
+                <a:solidFill>
+                  <a:srgbClr val="5C2699"/>
+                </a:solidFill>
+                <a:latin typeface="Arial"/>
+                <a:ea typeface="Arial"/>
+                <a:cs typeface="Arial"/>
+                <a:sym typeface="Arial"/>
               </a:defRPr>
             </a:pPr>
             <a:r>
@@ -37328,9 +37303,9 @@
             </a:endParaRPr>
           </a:p>
           <a:p>
-            <a:pPr marL="457200" indent="-317500" defTabSz="457200">
+            <a:pPr marL="704144" indent="-564444" defTabSz="457200">
               <a:lnSpc>
-                <a:spcPts val="2300"/>
+                <a:spcPts val="2500"/>
               </a:lnSpc>
               <a:spcBef>
                 <a:spcPts val="0"/>
@@ -37341,14 +37316,14 @@
               <a:buSzPct val="100000"/>
               <a:buFont typeface="Menlo"/>
               <a:buChar char="•"/>
-              <a:defRPr b="0" sz="900">
-                <a:solidFill>
-                  <a:srgbClr val="3F6E74"/>
-                </a:solidFill>
-                <a:latin typeface="Menlo"/>
-                <a:ea typeface="Menlo"/>
-                <a:cs typeface="Menlo"/>
-                <a:sym typeface="Menlo"/>
+              <a:defRPr b="0" sz="1600">
+                <a:solidFill>
+                  <a:srgbClr val="5C2699"/>
+                </a:solidFill>
+                <a:latin typeface="Arial"/>
+                <a:ea typeface="Arial"/>
+                <a:cs typeface="Arial"/>
+                <a:sym typeface="Arial"/>
               </a:defRPr>
             </a:pPr>
             <a:r>
@@ -37387,11 +37362,6 @@
               <a:t>: </a:t>
             </a:r>
             <a:r>
-              <a:rPr>
-                <a:solidFill>
-                  <a:srgbClr val="5C2699"/>
-                </a:solidFill>
-              </a:rPr>
               <a:t>Int</a:t>
             </a:r>
             <a:endParaRPr>
@@ -37401,9 +37371,9 @@
             </a:endParaRPr>
           </a:p>
           <a:p>
-            <a:pPr marL="457200" indent="-317500" defTabSz="457200">
+            <a:pPr marL="704144" indent="-564444" defTabSz="457200">
               <a:lnSpc>
-                <a:spcPts val="2300"/>
+                <a:spcPts val="2500"/>
               </a:lnSpc>
               <a:spcBef>
                 <a:spcPts val="0"/>
@@ -37414,14 +37384,14 @@
               <a:buSzPct val="100000"/>
               <a:buFont typeface="Menlo"/>
               <a:buChar char="•"/>
-              <a:defRPr b="0" sz="900">
-                <a:solidFill>
-                  <a:srgbClr val="333333"/>
-                </a:solidFill>
-                <a:latin typeface="Menlo"/>
-                <a:ea typeface="Menlo"/>
-                <a:cs typeface="Menlo"/>
-                <a:sym typeface="Menlo"/>
+              <a:defRPr b="0" sz="1600">
+                <a:solidFill>
+                  <a:srgbClr val="5C2699"/>
+                </a:solidFill>
+                <a:latin typeface="Arial"/>
+                <a:ea typeface="Arial"/>
+                <a:cs typeface="Arial"/>
+                <a:sym typeface="Arial"/>
               </a:defRPr>
             </a:pPr>
             <a:r>
@@ -37450,18 +37420,13 @@
               <a:t>: </a:t>
             </a:r>
             <a:r>
-              <a:rPr>
-                <a:solidFill>
-                  <a:srgbClr val="5C2699"/>
-                </a:solidFill>
-              </a:rPr>
               <a:t>Int</a:t>
             </a:r>
           </a:p>
           <a:p>
-            <a:pPr marL="457200" indent="-317500" defTabSz="457200">
+            <a:pPr marL="704144" indent="-564444" defTabSz="457200">
               <a:lnSpc>
-                <a:spcPts val="2300"/>
+                <a:spcPts val="2500"/>
               </a:lnSpc>
               <a:spcBef>
                 <a:spcPts val="0"/>
@@ -37472,14 +37437,14 @@
               <a:buSzPct val="100000"/>
               <a:buFont typeface="Menlo"/>
               <a:buChar char="•"/>
-              <a:defRPr b="0" sz="900">
-                <a:solidFill>
-                  <a:srgbClr val="333333"/>
-                </a:solidFill>
-                <a:latin typeface="Menlo"/>
-                <a:ea typeface="Menlo"/>
-                <a:cs typeface="Menlo"/>
-                <a:sym typeface="Menlo"/>
+              <a:defRPr b="0" sz="1600">
+                <a:solidFill>
+                  <a:srgbClr val="5C2699"/>
+                </a:solidFill>
+                <a:latin typeface="Arial"/>
+                <a:ea typeface="Arial"/>
+                <a:cs typeface="Arial"/>
+                <a:sym typeface="Arial"/>
               </a:defRPr>
             </a:pPr>
             <a:r>
@@ -37487,9 +37452,9 @@
             </a:r>
           </a:p>
           <a:p>
-            <a:pPr marL="457200" indent="-317500" defTabSz="457200">
+            <a:pPr marL="704144" indent="-564444" defTabSz="457200">
               <a:lnSpc>
-                <a:spcPts val="2300"/>
+                <a:spcPts val="2500"/>
               </a:lnSpc>
               <a:spcBef>
                 <a:spcPts val="0"/>
@@ -37500,14 +37465,14 @@
               <a:buSzPct val="100000"/>
               <a:buFont typeface="Menlo"/>
               <a:buChar char="•"/>
-              <a:defRPr b="0" sz="900">
-                <a:solidFill>
-                  <a:srgbClr val="3F6E74"/>
-                </a:solidFill>
-                <a:latin typeface="Menlo"/>
-                <a:ea typeface="Menlo"/>
-                <a:cs typeface="Menlo"/>
-                <a:sym typeface="Menlo"/>
+              <a:defRPr b="0" sz="1600">
+                <a:solidFill>
+                  <a:srgbClr val="5C2699"/>
+                </a:solidFill>
+                <a:latin typeface="Arial"/>
+                <a:ea typeface="Arial"/>
+                <a:cs typeface="Arial"/>
+                <a:sym typeface="Arial"/>
               </a:defRPr>
             </a:pPr>
             <a:r>
@@ -37609,9 +37574,9 @@
             </a:endParaRPr>
           </a:p>
           <a:p>
-            <a:pPr marL="457200" indent="-317500" defTabSz="457200">
+            <a:pPr marL="704144" indent="-564444" defTabSz="457200">
               <a:lnSpc>
-                <a:spcPts val="2300"/>
+                <a:spcPts val="2500"/>
               </a:lnSpc>
               <a:spcBef>
                 <a:spcPts val="0"/>
@@ -37622,14 +37587,14 @@
               <a:buSzPct val="100000"/>
               <a:buFont typeface="Menlo"/>
               <a:buChar char="•"/>
-              <a:defRPr b="0" sz="900">
-                <a:solidFill>
-                  <a:srgbClr val="007400"/>
-                </a:solidFill>
-                <a:latin typeface="Menlo"/>
-                <a:ea typeface="Menlo"/>
-                <a:cs typeface="Menlo"/>
-                <a:sym typeface="Menlo"/>
+              <a:defRPr b="0" sz="1600">
+                <a:solidFill>
+                  <a:srgbClr val="5C2699"/>
+                </a:solidFill>
+                <a:latin typeface="Arial"/>
+                <a:ea typeface="Arial"/>
+                <a:cs typeface="Arial"/>
+                <a:sym typeface="Arial"/>
               </a:defRPr>
             </a:pPr>
             <a:r>
@@ -37642,9 +37607,9 @@
             </a:endParaRPr>
           </a:p>
           <a:p>
-            <a:pPr marL="457200" indent="-317500" defTabSz="457200">
+            <a:pPr marL="704144" indent="-564444" defTabSz="457200">
               <a:lnSpc>
-                <a:spcPts val="2300"/>
+                <a:spcPts val="2500"/>
               </a:lnSpc>
               <a:spcBef>
                 <a:spcPts val="0"/>
@@ -37655,14 +37620,14 @@
               <a:buSzPct val="100000"/>
               <a:buFont typeface="Menlo"/>
               <a:buChar char="•"/>
-              <a:defRPr b="0" sz="900">
-                <a:solidFill>
-                  <a:srgbClr val="3F6E74"/>
-                </a:solidFill>
-                <a:latin typeface="Menlo"/>
-                <a:ea typeface="Menlo"/>
-                <a:cs typeface="Menlo"/>
-                <a:sym typeface="Menlo"/>
+              <a:defRPr b="0" sz="1600">
+                <a:solidFill>
+                  <a:srgbClr val="5C2699"/>
+                </a:solidFill>
+                <a:latin typeface="Arial"/>
+                <a:ea typeface="Arial"/>
+                <a:cs typeface="Arial"/>
+                <a:sym typeface="Arial"/>
               </a:defRPr>
             </a:pPr>
             <a:r>
@@ -37702,9 +37667,9 @@
             </a:endParaRPr>
           </a:p>
           <a:p>
-            <a:pPr marL="457200" indent="-317500" defTabSz="457200">
+            <a:pPr marL="704144" indent="-564444" defTabSz="457200">
               <a:lnSpc>
-                <a:spcPts val="2300"/>
+                <a:spcPts val="2500"/>
               </a:lnSpc>
               <a:spcBef>
                 <a:spcPts val="0"/>
@@ -37715,14 +37680,14 @@
               <a:buSzPct val="100000"/>
               <a:buFont typeface="Menlo"/>
               <a:buChar char="•"/>
-              <a:defRPr b="0" sz="900">
-                <a:solidFill>
-                  <a:srgbClr val="007400"/>
-                </a:solidFill>
-                <a:latin typeface="Menlo"/>
-                <a:ea typeface="Menlo"/>
-                <a:cs typeface="Menlo"/>
-                <a:sym typeface="Menlo"/>
+              <a:defRPr b="0" sz="1600">
+                <a:solidFill>
+                  <a:srgbClr val="5C2699"/>
+                </a:solidFill>
+                <a:latin typeface="Arial"/>
+                <a:ea typeface="Arial"/>
+                <a:cs typeface="Arial"/>
+                <a:sym typeface="Arial"/>
               </a:defRPr>
             </a:pPr>
             <a:r>
@@ -37920,7 +37885,7 @@
         <p:spPr>
           <a:xfrm>
             <a:off x="850609" y="1667318"/>
-            <a:ext cx="7442782" cy="1122681"/>
+            <a:ext cx="6897914" cy="1341002"/>
           </a:xfrm>
           <a:prstGeom prst="rect">
             <a:avLst/>
@@ -37940,9 +37905,9 @@
           </a:bodyPr>
           <a:lstStyle/>
           <a:p>
-            <a:pPr marL="457200" indent="-317500" defTabSz="457200">
+            <a:pPr marL="563033" indent="-423333" defTabSz="457200">
               <a:lnSpc>
-                <a:spcPts val="3600"/>
+                <a:spcPts val="2500"/>
               </a:lnSpc>
               <a:spcBef>
                 <a:spcPts val="0"/>
@@ -37953,14 +37918,14 @@
               <a:buSzPct val="100000"/>
               <a:buFont typeface="Menlo"/>
               <a:buChar char="•"/>
-              <a:defRPr b="0" sz="1200">
-                <a:solidFill>
-                  <a:srgbClr val="3F6E74"/>
-                </a:solidFill>
-                <a:latin typeface="Menlo"/>
-                <a:ea typeface="Menlo"/>
-                <a:cs typeface="Menlo"/>
-                <a:sym typeface="Menlo"/>
+              <a:defRPr b="0" sz="1600">
+                <a:solidFill>
+                  <a:srgbClr val="5C2699"/>
+                </a:solidFill>
+                <a:latin typeface="Arial"/>
+                <a:ea typeface="Arial"/>
+                <a:cs typeface="Arial"/>
+                <a:sym typeface="Arial"/>
               </a:defRPr>
             </a:pPr>
             <a:r>
@@ -38062,9 +38027,9 @@
             </a:endParaRPr>
           </a:p>
           <a:p>
-            <a:pPr marL="457200" indent="-317500" defTabSz="457200">
+            <a:pPr marL="563033" indent="-423333" defTabSz="457200">
               <a:lnSpc>
-                <a:spcPts val="3600"/>
+                <a:spcPts val="2500"/>
               </a:lnSpc>
               <a:spcBef>
                 <a:spcPts val="0"/>
@@ -38075,14 +38040,14 @@
               <a:buSzPct val="100000"/>
               <a:buFont typeface="Menlo"/>
               <a:buChar char="•"/>
-              <a:defRPr b="0" sz="1200">
-                <a:solidFill>
-                  <a:srgbClr val="007400"/>
-                </a:solidFill>
-                <a:latin typeface="Menlo"/>
-                <a:ea typeface="Menlo"/>
-                <a:cs typeface="Menlo"/>
-                <a:sym typeface="Menlo"/>
+              <a:defRPr b="0" sz="1600">
+                <a:solidFill>
+                  <a:srgbClr val="5C2699"/>
+                </a:solidFill>
+                <a:latin typeface="Arial"/>
+                <a:ea typeface="Arial"/>
+                <a:cs typeface="Arial"/>
+                <a:sym typeface="Arial"/>
               </a:defRPr>
             </a:pPr>
             <a:r>
@@ -38095,9 +38060,9 @@
             </a:endParaRPr>
           </a:p>
           <a:p>
-            <a:pPr marL="457200" indent="-317500" defTabSz="457200">
+            <a:pPr marL="563033" indent="-423333" defTabSz="457200">
               <a:lnSpc>
-                <a:spcPts val="3600"/>
+                <a:spcPts val="2500"/>
               </a:lnSpc>
               <a:spcBef>
                 <a:spcPts val="0"/>
@@ -38108,14 +38073,14 @@
               <a:buSzPct val="100000"/>
               <a:buFont typeface="Menlo"/>
               <a:buChar char="•"/>
-              <a:defRPr b="0" sz="1200">
-                <a:solidFill>
-                  <a:srgbClr val="3F6E74"/>
-                </a:solidFill>
-                <a:latin typeface="Menlo"/>
-                <a:ea typeface="Menlo"/>
-                <a:cs typeface="Menlo"/>
-                <a:sym typeface="Menlo"/>
+              <a:defRPr b="0" sz="1600">
+                <a:solidFill>
+                  <a:srgbClr val="5C2699"/>
+                </a:solidFill>
+                <a:latin typeface="Arial"/>
+                <a:ea typeface="Arial"/>
+                <a:cs typeface="Arial"/>
+                <a:sym typeface="Arial"/>
               </a:defRPr>
             </a:pPr>
             <a:r>
@@ -38155,9 +38120,9 @@
             </a:endParaRPr>
           </a:p>
           <a:p>
-            <a:pPr marL="457200" indent="-317500" defTabSz="457200">
+            <a:pPr marL="563033" indent="-423333" defTabSz="457200">
               <a:lnSpc>
-                <a:spcPts val="3600"/>
+                <a:spcPts val="2500"/>
               </a:lnSpc>
               <a:spcBef>
                 <a:spcPts val="0"/>
@@ -38168,14 +38133,14 @@
               <a:buSzPct val="100000"/>
               <a:buFont typeface="Menlo"/>
               <a:buChar char="•"/>
-              <a:defRPr b="0" sz="1200">
-                <a:solidFill>
-                  <a:srgbClr val="007400"/>
-                </a:solidFill>
-                <a:latin typeface="Menlo"/>
-                <a:ea typeface="Menlo"/>
-                <a:cs typeface="Menlo"/>
-                <a:sym typeface="Menlo"/>
+              <a:defRPr b="0" sz="1600">
+                <a:solidFill>
+                  <a:srgbClr val="5C2699"/>
+                </a:solidFill>
+                <a:latin typeface="Arial"/>
+                <a:ea typeface="Arial"/>
+                <a:cs typeface="Arial"/>
+                <a:sym typeface="Arial"/>
               </a:defRPr>
             </a:pPr>
             <a:r>
@@ -38367,8 +38332,8 @@
         </p:nvSpPr>
         <p:spPr>
           <a:xfrm>
-            <a:off x="871914" y="1543751"/>
-            <a:ext cx="6066493" cy="3355341"/>
+            <a:off x="1038701" y="1398485"/>
+            <a:ext cx="4647354" cy="3458302"/>
           </a:xfrm>
           <a:prstGeom prst="rect">
             <a:avLst/>
@@ -38388,9 +38353,9 @@
           </a:bodyPr>
           <a:lstStyle/>
           <a:p>
-            <a:pPr marL="457200" indent="-317500" defTabSz="457200">
+            <a:pPr marL="527755" indent="-388055" defTabSz="457200">
               <a:lnSpc>
-                <a:spcPts val="2300"/>
+                <a:spcPts val="1400"/>
               </a:lnSpc>
               <a:spcBef>
                 <a:spcPts val="0"/>
@@ -38403,12 +38368,12 @@
               <a:buChar char="•"/>
               <a:defRPr b="0" sz="900">
                 <a:solidFill>
-                  <a:srgbClr val="3F6E74"/>
-                </a:solidFill>
-                <a:latin typeface="Menlo"/>
-                <a:ea typeface="Menlo"/>
-                <a:cs typeface="Menlo"/>
-                <a:sym typeface="Menlo"/>
+                  <a:srgbClr val="5C2699"/>
+                </a:solidFill>
+                <a:latin typeface="Arial"/>
+                <a:ea typeface="Arial"/>
+                <a:cs typeface="Arial"/>
+                <a:sym typeface="Arial"/>
               </a:defRPr>
             </a:pPr>
             <a:r>
@@ -38445,9 +38410,9 @@
             </a:endParaRPr>
           </a:p>
           <a:p>
-            <a:pPr marL="457200" indent="-317500" defTabSz="457200">
+            <a:pPr marL="527755" indent="-388055" defTabSz="457200">
               <a:lnSpc>
-                <a:spcPts val="2300"/>
+                <a:spcPts val="1400"/>
               </a:lnSpc>
               <a:spcBef>
                 <a:spcPts val="0"/>
@@ -38460,12 +38425,12 @@
               <a:buChar char="•"/>
               <a:defRPr b="0" sz="900">
                 <a:solidFill>
-                  <a:srgbClr val="333333"/>
-                </a:solidFill>
-                <a:latin typeface="Menlo"/>
-                <a:ea typeface="Menlo"/>
-                <a:cs typeface="Menlo"/>
-                <a:sym typeface="Menlo"/>
+                  <a:srgbClr val="5C2699"/>
+                </a:solidFill>
+                <a:latin typeface="Arial"/>
+                <a:ea typeface="Arial"/>
+                <a:cs typeface="Arial"/>
+                <a:sym typeface="Arial"/>
               </a:defRPr>
             </a:pPr>
             <a:r>
@@ -38481,9 +38446,9 @@
             </a:r>
           </a:p>
           <a:p>
-            <a:pPr marL="457200" indent="-317500" defTabSz="457200">
+            <a:pPr marL="527755" indent="-388055" defTabSz="457200">
               <a:lnSpc>
-                <a:spcPts val="2300"/>
+                <a:spcPts val="1400"/>
               </a:lnSpc>
               <a:spcBef>
                 <a:spcPts val="0"/>
@@ -38496,12 +38461,12 @@
               <a:buChar char="•"/>
               <a:defRPr b="0" sz="900">
                 <a:solidFill>
-                  <a:srgbClr val="007400"/>
-                </a:solidFill>
-                <a:latin typeface="Menlo"/>
-                <a:ea typeface="Menlo"/>
-                <a:cs typeface="Menlo"/>
-                <a:sym typeface="Menlo"/>
+                  <a:srgbClr val="5C2699"/>
+                </a:solidFill>
+                <a:latin typeface="Arial"/>
+                <a:ea typeface="Arial"/>
+                <a:cs typeface="Arial"/>
+                <a:sym typeface="Arial"/>
               </a:defRPr>
             </a:pPr>
             <a:r>
@@ -38514,9 +38479,9 @@
             </a:endParaRPr>
           </a:p>
           <a:p>
-            <a:pPr marL="457200" indent="-317500" defTabSz="457200">
+            <a:pPr marL="527755" indent="-388055" defTabSz="457200">
               <a:lnSpc>
-                <a:spcPts val="2300"/>
+                <a:spcPts val="1400"/>
               </a:lnSpc>
               <a:spcBef>
                 <a:spcPts val="0"/>
@@ -38529,12 +38494,12 @@
               <a:buChar char="•"/>
               <a:defRPr b="0" sz="900">
                 <a:solidFill>
-                  <a:srgbClr val="007400"/>
-                </a:solidFill>
-                <a:latin typeface="Menlo"/>
-                <a:ea typeface="Menlo"/>
-                <a:cs typeface="Menlo"/>
-                <a:sym typeface="Menlo"/>
+                  <a:srgbClr val="5C2699"/>
+                </a:solidFill>
+                <a:latin typeface="Arial"/>
+                <a:ea typeface="Arial"/>
+                <a:cs typeface="Arial"/>
+                <a:sym typeface="Arial"/>
               </a:defRPr>
             </a:pPr>
             <a:r>
@@ -38547,9 +38512,9 @@
             </a:endParaRPr>
           </a:p>
           <a:p>
-            <a:pPr marL="457200" indent="-317500" defTabSz="457200">
+            <a:pPr marL="527755" indent="-388055" defTabSz="457200">
               <a:lnSpc>
-                <a:spcPts val="2300"/>
+                <a:spcPts val="1400"/>
               </a:lnSpc>
               <a:spcBef>
                 <a:spcPts val="0"/>
@@ -38562,12 +38527,12 @@
               <a:buChar char="•"/>
               <a:defRPr b="0" sz="900">
                 <a:solidFill>
-                  <a:srgbClr val="007400"/>
-                </a:solidFill>
-                <a:latin typeface="Menlo"/>
-                <a:ea typeface="Menlo"/>
-                <a:cs typeface="Menlo"/>
-                <a:sym typeface="Menlo"/>
+                  <a:srgbClr val="5C2699"/>
+                </a:solidFill>
+                <a:latin typeface="Arial"/>
+                <a:ea typeface="Arial"/>
+                <a:cs typeface="Arial"/>
+                <a:sym typeface="Arial"/>
               </a:defRPr>
             </a:pPr>
             <a:r>
@@ -38580,9 +38545,9 @@
             </a:endParaRPr>
           </a:p>
           <a:p>
-            <a:pPr marL="457200" indent="-317500" defTabSz="457200">
+            <a:pPr marL="527755" indent="-388055" defTabSz="457200">
               <a:lnSpc>
-                <a:spcPts val="2300"/>
+                <a:spcPts val="1400"/>
               </a:lnSpc>
               <a:spcBef>
                 <a:spcPts val="0"/>
@@ -38595,12 +38560,12 @@
               <a:buChar char="•"/>
               <a:defRPr b="0" sz="900">
                 <a:solidFill>
-                  <a:srgbClr val="C41A16"/>
-                </a:solidFill>
-                <a:latin typeface="Menlo"/>
-                <a:ea typeface="Menlo"/>
-                <a:cs typeface="Menlo"/>
-                <a:sym typeface="Menlo"/>
+                  <a:srgbClr val="5C2699"/>
+                </a:solidFill>
+                <a:latin typeface="Arial"/>
+                <a:ea typeface="Arial"/>
+                <a:cs typeface="Arial"/>
+                <a:sym typeface="Arial"/>
               </a:defRPr>
             </a:pPr>
             <a:r>
@@ -38653,9 +38618,9 @@
             </a:endParaRPr>
           </a:p>
           <a:p>
-            <a:pPr marL="457200" indent="-317500" defTabSz="457200">
+            <a:pPr marL="527755" indent="-388055" defTabSz="457200">
               <a:lnSpc>
-                <a:spcPts val="2300"/>
+                <a:spcPts val="1400"/>
               </a:lnSpc>
               <a:spcBef>
                 <a:spcPts val="0"/>
@@ -38668,12 +38633,12 @@
               <a:buChar char="•"/>
               <a:defRPr b="0" sz="900">
                 <a:solidFill>
-                  <a:srgbClr val="007400"/>
-                </a:solidFill>
-                <a:latin typeface="Menlo"/>
-                <a:ea typeface="Menlo"/>
-                <a:cs typeface="Menlo"/>
-                <a:sym typeface="Menlo"/>
+                  <a:srgbClr val="5C2699"/>
+                </a:solidFill>
+                <a:latin typeface="Arial"/>
+                <a:ea typeface="Arial"/>
+                <a:cs typeface="Arial"/>
+                <a:sym typeface="Arial"/>
               </a:defRPr>
             </a:pPr>
             <a:r>
@@ -38694,9 +38659,9 @@
             </a:endParaRPr>
           </a:p>
           <a:p>
-            <a:pPr marL="457200" indent="-317500" defTabSz="457200">
+            <a:pPr marL="527755" indent="-388055" defTabSz="457200">
               <a:lnSpc>
-                <a:spcPts val="2300"/>
+                <a:spcPts val="1400"/>
               </a:lnSpc>
               <a:spcBef>
                 <a:spcPts val="0"/>
@@ -38709,12 +38674,12 @@
               <a:buChar char="•"/>
               <a:defRPr b="0" sz="900">
                 <a:solidFill>
-                  <a:srgbClr val="333333"/>
-                </a:solidFill>
-                <a:latin typeface="Menlo"/>
-                <a:ea typeface="Menlo"/>
-                <a:cs typeface="Menlo"/>
-                <a:sym typeface="Menlo"/>
+                  <a:srgbClr val="5C2699"/>
+                </a:solidFill>
+                <a:latin typeface="Arial"/>
+                <a:ea typeface="Arial"/>
+                <a:cs typeface="Arial"/>
+                <a:sym typeface="Arial"/>
               </a:defRPr>
             </a:pPr>
             <a:r>
@@ -38722,9 +38687,9 @@
             </a:r>
           </a:p>
           <a:p>
-            <a:pPr marL="457200" indent="-317500" defTabSz="457200">
+            <a:pPr marL="527755" indent="-388055" defTabSz="457200">
               <a:lnSpc>
-                <a:spcPts val="2300"/>
+                <a:spcPts val="1400"/>
               </a:lnSpc>
               <a:spcBef>
                 <a:spcPts val="0"/>
@@ -38737,19 +38702,19 @@
               <a:buChar char="•"/>
               <a:defRPr b="0" sz="900">
                 <a:solidFill>
-                  <a:srgbClr val="333333"/>
-                </a:solidFill>
-                <a:latin typeface="Menlo"/>
-                <a:ea typeface="Menlo"/>
-                <a:cs typeface="Menlo"/>
-                <a:sym typeface="Menlo"/>
+                  <a:srgbClr val="5C2699"/>
+                </a:solidFill>
+                <a:latin typeface="Arial"/>
+                <a:ea typeface="Arial"/>
+                <a:cs typeface="Arial"/>
+                <a:sym typeface="Arial"/>
               </a:defRPr>
             </a:pPr>
           </a:p>
           <a:p>
-            <a:pPr marL="457200" indent="-317500" defTabSz="457200">
+            <a:pPr marL="527755" indent="-388055" defTabSz="457200">
               <a:lnSpc>
-                <a:spcPts val="2300"/>
+                <a:spcPts val="1400"/>
               </a:lnSpc>
               <a:spcBef>
                 <a:spcPts val="0"/>
@@ -38762,12 +38727,12 @@
               <a:buChar char="•"/>
               <a:defRPr b="0" sz="900">
                 <a:solidFill>
-                  <a:srgbClr val="3F6E74"/>
-                </a:solidFill>
-                <a:latin typeface="Menlo"/>
-                <a:ea typeface="Menlo"/>
-                <a:cs typeface="Menlo"/>
-                <a:sym typeface="Menlo"/>
+                  <a:srgbClr val="5C2699"/>
+                </a:solidFill>
+                <a:latin typeface="Arial"/>
+                <a:ea typeface="Arial"/>
+                <a:cs typeface="Arial"/>
+                <a:sym typeface="Arial"/>
               </a:defRPr>
             </a:pPr>
             <a:r>
@@ -38804,9 +38769,9 @@
             </a:endParaRPr>
           </a:p>
           <a:p>
-            <a:pPr marL="457200" indent="-317500" defTabSz="457200">
+            <a:pPr marL="527755" indent="-388055" defTabSz="457200">
               <a:lnSpc>
-                <a:spcPts val="2300"/>
+                <a:spcPts val="1400"/>
               </a:lnSpc>
               <a:spcBef>
                 <a:spcPts val="0"/>
@@ -38819,12 +38784,12 @@
               <a:buChar char="•"/>
               <a:defRPr b="0" sz="900">
                 <a:solidFill>
-                  <a:srgbClr val="3F6E74"/>
-                </a:solidFill>
-                <a:latin typeface="Menlo"/>
-                <a:ea typeface="Menlo"/>
-                <a:cs typeface="Menlo"/>
-                <a:sym typeface="Menlo"/>
+                  <a:srgbClr val="5C2699"/>
+                </a:solidFill>
+                <a:latin typeface="Arial"/>
+                <a:ea typeface="Arial"/>
+                <a:cs typeface="Arial"/>
+                <a:sym typeface="Arial"/>
               </a:defRPr>
             </a:pPr>
             <a:r>
@@ -38896,9 +38861,9 @@
             </a:endParaRPr>
           </a:p>
           <a:p>
-            <a:pPr marL="457200" indent="-317500" defTabSz="457200">
+            <a:pPr marL="527755" indent="-388055" defTabSz="457200">
               <a:lnSpc>
-                <a:spcPts val="2300"/>
+                <a:spcPts val="1400"/>
               </a:lnSpc>
               <a:spcBef>
                 <a:spcPts val="0"/>
@@ -38911,12 +38876,12 @@
               <a:buChar char="•"/>
               <a:defRPr b="0" sz="900">
                 <a:solidFill>
-                  <a:srgbClr val="333333"/>
-                </a:solidFill>
-                <a:latin typeface="Menlo"/>
-                <a:ea typeface="Menlo"/>
-                <a:cs typeface="Menlo"/>
-                <a:sym typeface="Menlo"/>
+                  <a:srgbClr val="5C2699"/>
+                </a:solidFill>
+                <a:latin typeface="Arial"/>
+                <a:ea typeface="Arial"/>
+                <a:cs typeface="Arial"/>
+                <a:sym typeface="Arial"/>
               </a:defRPr>
             </a:pPr>
             <a:r>
@@ -38957,9 +38922,9 @@
             </a:r>
           </a:p>
           <a:p>
-            <a:pPr marL="457200" indent="-317500" defTabSz="457200">
+            <a:pPr marL="527755" indent="-388055" defTabSz="457200">
               <a:lnSpc>
-                <a:spcPts val="2300"/>
+                <a:spcPts val="1400"/>
               </a:lnSpc>
               <a:spcBef>
                 <a:spcPts val="0"/>
@@ -38972,12 +38937,12 @@
               <a:buChar char="•"/>
               <a:defRPr b="0" sz="900">
                 <a:solidFill>
-                  <a:srgbClr val="007400"/>
-                </a:solidFill>
-                <a:latin typeface="Menlo"/>
-                <a:ea typeface="Menlo"/>
-                <a:cs typeface="Menlo"/>
-                <a:sym typeface="Menlo"/>
+                  <a:srgbClr val="5C2699"/>
+                </a:solidFill>
+                <a:latin typeface="Arial"/>
+                <a:ea typeface="Arial"/>
+                <a:cs typeface="Arial"/>
+                <a:sym typeface="Arial"/>
               </a:defRPr>
             </a:pPr>
             <a:r>
@@ -38998,9 +38963,9 @@
             </a:endParaRPr>
           </a:p>
           <a:p>
-            <a:pPr marL="457200" indent="-317500" defTabSz="457200">
+            <a:pPr marL="527755" indent="-388055" defTabSz="457200">
               <a:lnSpc>
-                <a:spcPts val="2300"/>
+                <a:spcPts val="1400"/>
               </a:lnSpc>
               <a:spcBef>
                 <a:spcPts val="0"/>
@@ -39013,12 +38978,12 @@
               <a:buChar char="•"/>
               <a:defRPr b="0" sz="900">
                 <a:solidFill>
-                  <a:srgbClr val="333333"/>
-                </a:solidFill>
-                <a:latin typeface="Menlo"/>
-                <a:ea typeface="Menlo"/>
-                <a:cs typeface="Menlo"/>
-                <a:sym typeface="Menlo"/>
+                  <a:srgbClr val="5C2699"/>
+                </a:solidFill>
+                <a:latin typeface="Arial"/>
+                <a:ea typeface="Arial"/>
+                <a:cs typeface="Arial"/>
+                <a:sym typeface="Arial"/>
               </a:defRPr>
             </a:pPr>
             <a:r>
@@ -39026,9 +38991,9 @@
             </a:r>
           </a:p>
           <a:p>
-            <a:pPr marL="457200" indent="-317500" defTabSz="457200">
+            <a:pPr marL="527755" indent="-388055" defTabSz="457200">
               <a:lnSpc>
-                <a:spcPts val="2300"/>
+                <a:spcPts val="1400"/>
               </a:lnSpc>
               <a:spcBef>
                 <a:spcPts val="0"/>
@@ -39041,19 +39006,19 @@
               <a:buChar char="•"/>
               <a:defRPr b="0" sz="900">
                 <a:solidFill>
-                  <a:srgbClr val="333333"/>
-                </a:solidFill>
-                <a:latin typeface="Menlo"/>
-                <a:ea typeface="Menlo"/>
-                <a:cs typeface="Menlo"/>
-                <a:sym typeface="Menlo"/>
+                  <a:srgbClr val="5C2699"/>
+                </a:solidFill>
+                <a:latin typeface="Arial"/>
+                <a:ea typeface="Arial"/>
+                <a:cs typeface="Arial"/>
+                <a:sym typeface="Arial"/>
               </a:defRPr>
             </a:pPr>
           </a:p>
           <a:p>
-            <a:pPr marL="457200" indent="-317500" defTabSz="457200">
+            <a:pPr marL="527755" indent="-388055" defTabSz="457200">
               <a:lnSpc>
-                <a:spcPts val="2300"/>
+                <a:spcPts val="1400"/>
               </a:lnSpc>
               <a:spcBef>
                 <a:spcPts val="0"/>
@@ -39066,12 +39031,12 @@
               <a:buChar char="•"/>
               <a:defRPr b="0" sz="900">
                 <a:solidFill>
-                  <a:srgbClr val="3F6E74"/>
-                </a:solidFill>
-                <a:latin typeface="Menlo"/>
-                <a:ea typeface="Menlo"/>
-                <a:cs typeface="Menlo"/>
-                <a:sym typeface="Menlo"/>
+                  <a:srgbClr val="5C2699"/>
+                </a:solidFill>
+                <a:latin typeface="Arial"/>
+                <a:ea typeface="Arial"/>
+                <a:cs typeface="Arial"/>
+                <a:sym typeface="Arial"/>
               </a:defRPr>
             </a:pPr>
             <a:r>
@@ -39119,9 +39084,9 @@
             </a:endParaRPr>
           </a:p>
           <a:p>
-            <a:pPr marL="457200" indent="-317500" defTabSz="457200">
+            <a:pPr marL="527755" indent="-388055" defTabSz="457200">
               <a:lnSpc>
-                <a:spcPts val="2300"/>
+                <a:spcPts val="1400"/>
               </a:lnSpc>
               <a:spcBef>
                 <a:spcPts val="0"/>
@@ -39134,12 +39099,12 @@
               <a:buChar char="•"/>
               <a:defRPr b="0" sz="900">
                 <a:solidFill>
-                  <a:srgbClr val="C41A16"/>
-                </a:solidFill>
-                <a:latin typeface="Menlo"/>
-                <a:ea typeface="Menlo"/>
-                <a:cs typeface="Menlo"/>
-                <a:sym typeface="Menlo"/>
+                  <a:srgbClr val="5C2699"/>
+                </a:solidFill>
+                <a:latin typeface="Arial"/>
+                <a:ea typeface="Arial"/>
+                <a:cs typeface="Arial"/>
+                <a:sym typeface="Arial"/>
               </a:defRPr>
             </a:pPr>
             <a:r>
@@ -39208,9 +39173,9 @@
             </a:endParaRPr>
           </a:p>
           <a:p>
-            <a:pPr marL="457200" indent="-317500" defTabSz="457200">
+            <a:pPr marL="527755" indent="-388055" defTabSz="457200">
               <a:lnSpc>
-                <a:spcPts val="2300"/>
+                <a:spcPts val="1400"/>
               </a:lnSpc>
               <a:spcBef>
                 <a:spcPts val="0"/>
@@ -39223,12 +39188,12 @@
               <a:buChar char="•"/>
               <a:defRPr b="0" sz="900">
                 <a:solidFill>
-                  <a:srgbClr val="C41A16"/>
-                </a:solidFill>
-                <a:latin typeface="Menlo"/>
-                <a:ea typeface="Menlo"/>
-                <a:cs typeface="Menlo"/>
-                <a:sym typeface="Menlo"/>
+                  <a:srgbClr val="5C2699"/>
+                </a:solidFill>
+                <a:latin typeface="Arial"/>
+                <a:ea typeface="Arial"/>
+                <a:cs typeface="Arial"/>
+                <a:sym typeface="Arial"/>
               </a:defRPr>
             </a:pPr>
             <a:r>
@@ -39297,9 +39262,9 @@
             </a:endParaRPr>
           </a:p>
           <a:p>
-            <a:pPr marL="457200" indent="-317500" defTabSz="457200">
+            <a:pPr marL="527755" indent="-388055" defTabSz="457200">
               <a:lnSpc>
-                <a:spcPts val="2300"/>
+                <a:spcPts val="1400"/>
               </a:lnSpc>
               <a:spcBef>
                 <a:spcPts val="0"/>
@@ -39312,22 +39277,17 @@
               <a:buChar char="•"/>
               <a:defRPr b="0" sz="900">
                 <a:solidFill>
-                  <a:srgbClr val="007400"/>
-                </a:solidFill>
-                <a:latin typeface="Menlo"/>
-                <a:ea typeface="Menlo"/>
-                <a:cs typeface="Menlo"/>
-                <a:sym typeface="Menlo"/>
+                  <a:srgbClr val="5C2699"/>
+                </a:solidFill>
+                <a:latin typeface="Arial"/>
+                <a:ea typeface="Arial"/>
+                <a:cs typeface="Arial"/>
+                <a:sym typeface="Arial"/>
               </a:defRPr>
             </a:pPr>
             <a:r>
               <a:t>// the DataImporter instance for the importer property has not yet been created</a:t>
             </a:r>
-            <a:endParaRPr>
-              <a:solidFill>
-                <a:srgbClr val="333333"/>
-              </a:solidFill>
-            </a:endParaRPr>
           </a:p>
         </p:txBody>
       </p:sp>
@@ -39470,8 +39430,8 @@
         </p:nvSpPr>
         <p:spPr>
           <a:xfrm>
-            <a:off x="893219" y="1109134"/>
-            <a:ext cx="3956185" cy="3609341"/>
+            <a:off x="898599" y="974628"/>
+            <a:ext cx="3885086" cy="3996631"/>
           </a:xfrm>
           <a:prstGeom prst="rect">
             <a:avLst/>
@@ -39491,9 +39451,9 @@
           </a:bodyPr>
           <a:lstStyle/>
           <a:p>
-            <a:pPr marL="457200" indent="-317500" defTabSz="457200">
+            <a:pPr marL="721783" indent="-582083" defTabSz="457200">
               <a:lnSpc>
-                <a:spcPts val="1700"/>
+                <a:spcPts val="1100"/>
               </a:lnSpc>
               <a:spcBef>
                 <a:spcPts val="0"/>
@@ -39504,14 +39464,14 @@
               <a:buSzPct val="100000"/>
               <a:buFont typeface="Menlo"/>
               <a:buChar char="•"/>
-              <a:defRPr b="0" sz="600">
-                <a:solidFill>
-                  <a:srgbClr val="AA0D91"/>
-                </a:solidFill>
-                <a:latin typeface="Menlo"/>
-                <a:ea typeface="Menlo"/>
-                <a:cs typeface="Menlo"/>
-                <a:sym typeface="Menlo"/>
+              <a:defRPr b="0" sz="800">
+                <a:solidFill>
+                  <a:srgbClr val="5C2699"/>
+                </a:solidFill>
+                <a:latin typeface="Arial"/>
+                <a:ea typeface="Arial"/>
+                <a:cs typeface="Arial"/>
+                <a:sym typeface="Arial"/>
               </a:defRPr>
             </a:pPr>
             <a:r>
@@ -39548,9 +39508,9 @@
             </a:endParaRPr>
           </a:p>
           <a:p>
-            <a:pPr marL="457200" indent="-317500" defTabSz="457200">
+            <a:pPr marL="721783" indent="-582083" defTabSz="457200">
               <a:lnSpc>
-                <a:spcPts val="1700"/>
+                <a:spcPts val="1100"/>
               </a:lnSpc>
               <a:spcBef>
                 <a:spcPts val="0"/>
@@ -39561,14 +39521,14 @@
               <a:buSzPct val="100000"/>
               <a:buFont typeface="Menlo"/>
               <a:buChar char="•"/>
-              <a:defRPr b="0" sz="600">
-                <a:solidFill>
-                  <a:srgbClr val="333333"/>
-                </a:solidFill>
-                <a:latin typeface="Menlo"/>
-                <a:ea typeface="Menlo"/>
-                <a:cs typeface="Menlo"/>
-                <a:sym typeface="Menlo"/>
+              <a:defRPr b="0" sz="800">
+                <a:solidFill>
+                  <a:srgbClr val="5C2699"/>
+                </a:solidFill>
+                <a:latin typeface="Arial"/>
+                <a:ea typeface="Arial"/>
+                <a:cs typeface="Arial"/>
+                <a:sym typeface="Arial"/>
               </a:defRPr>
             </a:pPr>
             <a:r>
@@ -39628,9 +39588,9 @@
             </a:r>
           </a:p>
           <a:p>
-            <a:pPr marL="457200" indent="-317500" defTabSz="457200">
+            <a:pPr marL="721783" indent="-582083" defTabSz="457200">
               <a:lnSpc>
-                <a:spcPts val="1700"/>
+                <a:spcPts val="1100"/>
               </a:lnSpc>
               <a:spcBef>
                 <a:spcPts val="0"/>
@@ -39641,14 +39601,14 @@
               <a:buSzPct val="100000"/>
               <a:buFont typeface="Menlo"/>
               <a:buChar char="•"/>
-              <a:defRPr b="0" sz="600">
-                <a:solidFill>
-                  <a:srgbClr val="333333"/>
-                </a:solidFill>
-                <a:latin typeface="Menlo"/>
-                <a:ea typeface="Menlo"/>
-                <a:cs typeface="Menlo"/>
-                <a:sym typeface="Menlo"/>
+              <a:defRPr b="0" sz="800">
+                <a:solidFill>
+                  <a:srgbClr val="5C2699"/>
+                </a:solidFill>
+                <a:latin typeface="Arial"/>
+                <a:ea typeface="Arial"/>
+                <a:cs typeface="Arial"/>
+                <a:sym typeface="Arial"/>
               </a:defRPr>
             </a:pPr>
             <a:r>
@@ -39656,9 +39616,9 @@
             </a:r>
           </a:p>
           <a:p>
-            <a:pPr marL="457200" indent="-317500" defTabSz="457200">
+            <a:pPr marL="721783" indent="-582083" defTabSz="457200">
               <a:lnSpc>
-                <a:spcPts val="1700"/>
+                <a:spcPts val="1100"/>
               </a:lnSpc>
               <a:spcBef>
                 <a:spcPts val="0"/>
@@ -39669,14 +39629,14 @@
               <a:buSzPct val="100000"/>
               <a:buFont typeface="Menlo"/>
               <a:buChar char="•"/>
-              <a:defRPr b="0" sz="600">
-                <a:solidFill>
-                  <a:srgbClr val="AA0D91"/>
-                </a:solidFill>
-                <a:latin typeface="Menlo"/>
-                <a:ea typeface="Menlo"/>
-                <a:cs typeface="Menlo"/>
-                <a:sym typeface="Menlo"/>
+              <a:defRPr b="0" sz="800">
+                <a:solidFill>
+                  <a:srgbClr val="5C2699"/>
+                </a:solidFill>
+                <a:latin typeface="Arial"/>
+                <a:ea typeface="Arial"/>
+                <a:cs typeface="Arial"/>
+                <a:sym typeface="Arial"/>
               </a:defRPr>
             </a:pPr>
             <a:r>
@@ -39713,9 +39673,9 @@
             </a:endParaRPr>
           </a:p>
           <a:p>
-            <a:pPr marL="457200" indent="-317500" defTabSz="457200">
+            <a:pPr marL="721783" indent="-582083" defTabSz="457200">
               <a:lnSpc>
-                <a:spcPts val="1700"/>
+                <a:spcPts val="1100"/>
               </a:lnSpc>
               <a:spcBef>
                 <a:spcPts val="0"/>
@@ -39726,14 +39686,14 @@
               <a:buSzPct val="100000"/>
               <a:buFont typeface="Menlo"/>
               <a:buChar char="•"/>
-              <a:defRPr b="0" sz="600">
-                <a:solidFill>
-                  <a:srgbClr val="333333"/>
-                </a:solidFill>
-                <a:latin typeface="Menlo"/>
-                <a:ea typeface="Menlo"/>
-                <a:cs typeface="Menlo"/>
-                <a:sym typeface="Menlo"/>
+              <a:defRPr b="0" sz="800">
+                <a:solidFill>
+                  <a:srgbClr val="5C2699"/>
+                </a:solidFill>
+                <a:latin typeface="Arial"/>
+                <a:ea typeface="Arial"/>
+                <a:cs typeface="Arial"/>
+                <a:sym typeface="Arial"/>
               </a:defRPr>
             </a:pPr>
             <a:r>
@@ -39793,9 +39753,9 @@
             </a:r>
           </a:p>
           <a:p>
-            <a:pPr marL="457200" indent="-317500" defTabSz="457200">
+            <a:pPr marL="721783" indent="-582083" defTabSz="457200">
               <a:lnSpc>
-                <a:spcPts val="1700"/>
+                <a:spcPts val="1100"/>
               </a:lnSpc>
               <a:spcBef>
                 <a:spcPts val="0"/>
@@ -39806,14 +39766,14 @@
               <a:buSzPct val="100000"/>
               <a:buFont typeface="Menlo"/>
               <a:buChar char="•"/>
-              <a:defRPr b="0" sz="600">
-                <a:solidFill>
-                  <a:srgbClr val="333333"/>
-                </a:solidFill>
-                <a:latin typeface="Menlo"/>
-                <a:ea typeface="Menlo"/>
-                <a:cs typeface="Menlo"/>
-                <a:sym typeface="Menlo"/>
+              <a:defRPr b="0" sz="800">
+                <a:solidFill>
+                  <a:srgbClr val="5C2699"/>
+                </a:solidFill>
+                <a:latin typeface="Arial"/>
+                <a:ea typeface="Arial"/>
+                <a:cs typeface="Arial"/>
+                <a:sym typeface="Arial"/>
               </a:defRPr>
             </a:pPr>
             <a:r>
@@ -39821,9 +39781,9 @@
             </a:r>
           </a:p>
           <a:p>
-            <a:pPr marL="457200" indent="-317500" defTabSz="457200">
+            <a:pPr marL="721783" indent="-582083" defTabSz="457200">
               <a:lnSpc>
-                <a:spcPts val="1700"/>
+                <a:spcPts val="1100"/>
               </a:lnSpc>
               <a:spcBef>
                 <a:spcPts val="0"/>
@@ -39834,14 +39794,14 @@
               <a:buSzPct val="100000"/>
               <a:buFont typeface="Menlo"/>
               <a:buChar char="•"/>
-              <a:defRPr b="0" sz="600">
-                <a:solidFill>
-                  <a:srgbClr val="AA0D91"/>
-                </a:solidFill>
-                <a:latin typeface="Menlo"/>
-                <a:ea typeface="Menlo"/>
-                <a:cs typeface="Menlo"/>
-                <a:sym typeface="Menlo"/>
+              <a:defRPr b="0" sz="800">
+                <a:solidFill>
+                  <a:srgbClr val="5C2699"/>
+                </a:solidFill>
+                <a:latin typeface="Arial"/>
+                <a:ea typeface="Arial"/>
+                <a:cs typeface="Arial"/>
+                <a:sym typeface="Arial"/>
               </a:defRPr>
             </a:pPr>
             <a:r>
@@ -39878,9 +39838,9 @@
             </a:endParaRPr>
           </a:p>
           <a:p>
-            <a:pPr marL="457200" indent="-317500" defTabSz="457200">
+            <a:pPr marL="721783" indent="-582083" defTabSz="457200">
               <a:lnSpc>
-                <a:spcPts val="1700"/>
+                <a:spcPts val="1100"/>
               </a:lnSpc>
               <a:spcBef>
                 <a:spcPts val="0"/>
@@ -39891,14 +39851,14 @@
               <a:buSzPct val="100000"/>
               <a:buFont typeface="Menlo"/>
               <a:buChar char="•"/>
-              <a:defRPr b="0" sz="600">
-                <a:solidFill>
-                  <a:srgbClr val="333333"/>
-                </a:solidFill>
-                <a:latin typeface="Menlo"/>
-                <a:ea typeface="Menlo"/>
-                <a:cs typeface="Menlo"/>
-                <a:sym typeface="Menlo"/>
+              <a:defRPr b="0" sz="800">
+                <a:solidFill>
+                  <a:srgbClr val="5C2699"/>
+                </a:solidFill>
+                <a:latin typeface="Arial"/>
+                <a:ea typeface="Arial"/>
+                <a:cs typeface="Arial"/>
+                <a:sym typeface="Arial"/>
               </a:defRPr>
             </a:pPr>
             <a:r>
@@ -39939,9 +39899,9 @@
             </a:r>
           </a:p>
           <a:p>
-            <a:pPr marL="457200" indent="-317500" defTabSz="457200">
+            <a:pPr marL="721783" indent="-582083" defTabSz="457200">
               <a:lnSpc>
-                <a:spcPts val="1700"/>
+                <a:spcPts val="1100"/>
               </a:lnSpc>
               <a:spcBef>
                 <a:spcPts val="0"/>
@@ -39952,14 +39912,14 @@
               <a:buSzPct val="100000"/>
               <a:buFont typeface="Menlo"/>
               <a:buChar char="•"/>
-              <a:defRPr b="0" sz="600">
-                <a:solidFill>
-                  <a:srgbClr val="333333"/>
-                </a:solidFill>
-                <a:latin typeface="Menlo"/>
-                <a:ea typeface="Menlo"/>
-                <a:cs typeface="Menlo"/>
-                <a:sym typeface="Menlo"/>
+              <a:defRPr b="0" sz="800">
+                <a:solidFill>
+                  <a:srgbClr val="5C2699"/>
+                </a:solidFill>
+                <a:latin typeface="Arial"/>
+                <a:ea typeface="Arial"/>
+                <a:cs typeface="Arial"/>
+                <a:sym typeface="Arial"/>
               </a:defRPr>
             </a:pPr>
             <a:r>
@@ -40000,9 +39960,9 @@
             </a:r>
           </a:p>
           <a:p>
-            <a:pPr marL="457200" indent="-317500" defTabSz="457200">
+            <a:pPr marL="721783" indent="-582083" defTabSz="457200">
               <a:lnSpc>
-                <a:spcPts val="1700"/>
+                <a:spcPts val="1100"/>
               </a:lnSpc>
               <a:spcBef>
                 <a:spcPts val="0"/>
@@ -40013,14 +39973,14 @@
               <a:buSzPct val="100000"/>
               <a:buFont typeface="Menlo"/>
               <a:buChar char="•"/>
-              <a:defRPr b="0" sz="600">
-                <a:solidFill>
-                  <a:srgbClr val="333333"/>
-                </a:solidFill>
-                <a:latin typeface="Menlo"/>
-                <a:ea typeface="Menlo"/>
-                <a:cs typeface="Menlo"/>
-                <a:sym typeface="Menlo"/>
+              <a:defRPr b="0" sz="800">
+                <a:solidFill>
+                  <a:srgbClr val="5C2699"/>
+                </a:solidFill>
+                <a:latin typeface="Arial"/>
+                <a:ea typeface="Arial"/>
+                <a:cs typeface="Arial"/>
+                <a:sym typeface="Arial"/>
               </a:defRPr>
             </a:pPr>
             <a:r>
@@ -40049,11 +40009,6 @@
               <a:t>: </a:t>
             </a:r>
             <a:r>
-              <a:rPr>
-                <a:solidFill>
-                  <a:srgbClr val="5C2699"/>
-                </a:solidFill>
-              </a:rPr>
               <a:t>Point</a:t>
             </a:r>
             <a:r>
@@ -40061,9 +40016,9 @@
             </a:r>
           </a:p>
           <a:p>
-            <a:pPr marL="457200" indent="-317500" defTabSz="457200">
+            <a:pPr marL="721783" indent="-582083" defTabSz="457200">
               <a:lnSpc>
-                <a:spcPts val="1700"/>
+                <a:spcPts val="1100"/>
               </a:lnSpc>
               <a:spcBef>
                 <a:spcPts val="0"/>
@@ -40074,14 +40029,14 @@
               <a:buSzPct val="100000"/>
               <a:buFont typeface="Menlo"/>
               <a:buChar char="•"/>
-              <a:defRPr b="0" sz="600">
-                <a:solidFill>
-                  <a:srgbClr val="333333"/>
-                </a:solidFill>
-                <a:latin typeface="Menlo"/>
-                <a:ea typeface="Menlo"/>
-                <a:cs typeface="Menlo"/>
-                <a:sym typeface="Menlo"/>
+              <a:defRPr b="0" sz="800">
+                <a:solidFill>
+                  <a:srgbClr val="5C2699"/>
+                </a:solidFill>
+                <a:latin typeface="Arial"/>
+                <a:ea typeface="Arial"/>
+                <a:cs typeface="Arial"/>
+                <a:sym typeface="Arial"/>
               </a:defRPr>
             </a:pPr>
             <a:r>
@@ -40100,9 +40055,9 @@
             </a:r>
           </a:p>
           <a:p>
-            <a:pPr marL="457200" indent="-317500" defTabSz="457200">
+            <a:pPr marL="721783" indent="-582083" defTabSz="457200">
               <a:lnSpc>
-                <a:spcPts val="1700"/>
+                <a:spcPts val="1100"/>
               </a:lnSpc>
               <a:spcBef>
                 <a:spcPts val="0"/>
@@ -40113,14 +40068,14 @@
               <a:buSzPct val="100000"/>
               <a:buFont typeface="Menlo"/>
               <a:buChar char="•"/>
-              <a:defRPr b="0" sz="600">
-                <a:solidFill>
-                  <a:srgbClr val="333333"/>
-                </a:solidFill>
-                <a:latin typeface="Menlo"/>
-                <a:ea typeface="Menlo"/>
-                <a:cs typeface="Menlo"/>
-                <a:sym typeface="Menlo"/>
+              <a:defRPr b="0" sz="800">
+                <a:solidFill>
+                  <a:srgbClr val="5C2699"/>
+                </a:solidFill>
+                <a:latin typeface="Arial"/>
+                <a:ea typeface="Arial"/>
+                <a:cs typeface="Arial"/>
+                <a:sym typeface="Arial"/>
               </a:defRPr>
             </a:pPr>
             <a:r>
@@ -40205,9 +40160,9 @@
             </a:r>
           </a:p>
           <a:p>
-            <a:pPr marL="457200" indent="-317500" defTabSz="457200">
+            <a:pPr marL="721783" indent="-582083" defTabSz="457200">
               <a:lnSpc>
-                <a:spcPts val="1700"/>
+                <a:spcPts val="1100"/>
               </a:lnSpc>
               <a:spcBef>
                 <a:spcPts val="0"/>
@@ -40218,14 +40173,14 @@
               <a:buSzPct val="100000"/>
               <a:buFont typeface="Menlo"/>
               <a:buChar char="•"/>
-              <a:defRPr b="0" sz="600">
-                <a:solidFill>
-                  <a:srgbClr val="333333"/>
-                </a:solidFill>
-                <a:latin typeface="Menlo"/>
-                <a:ea typeface="Menlo"/>
-                <a:cs typeface="Menlo"/>
-                <a:sym typeface="Menlo"/>
+              <a:defRPr b="0" sz="800">
+                <a:solidFill>
+                  <a:srgbClr val="5C2699"/>
+                </a:solidFill>
+                <a:latin typeface="Arial"/>
+                <a:ea typeface="Arial"/>
+                <a:cs typeface="Arial"/>
+                <a:sym typeface="Arial"/>
               </a:defRPr>
             </a:pPr>
             <a:r>
@@ -40310,9 +40265,9 @@
             </a:r>
           </a:p>
           <a:p>
-            <a:pPr marL="457200" indent="-317500" defTabSz="457200">
+            <a:pPr marL="721783" indent="-582083" defTabSz="457200">
               <a:lnSpc>
-                <a:spcPts val="1700"/>
+                <a:spcPts val="1100"/>
               </a:lnSpc>
               <a:spcBef>
                 <a:spcPts val="0"/>
@@ -40323,14 +40278,14 @@
               <a:buSzPct val="100000"/>
               <a:buFont typeface="Menlo"/>
               <a:buChar char="•"/>
-              <a:defRPr b="0" sz="600">
-                <a:solidFill>
-                  <a:srgbClr val="333333"/>
-                </a:solidFill>
-                <a:latin typeface="Menlo"/>
-                <a:ea typeface="Menlo"/>
-                <a:cs typeface="Menlo"/>
-                <a:sym typeface="Menlo"/>
+              <a:defRPr b="0" sz="800">
+                <a:solidFill>
+                  <a:srgbClr val="5C2699"/>
+                </a:solidFill>
+                <a:latin typeface="Arial"/>
+                <a:ea typeface="Arial"/>
+                <a:cs typeface="Arial"/>
+                <a:sym typeface="Arial"/>
               </a:defRPr>
             </a:pPr>
             <a:r>
@@ -40404,9 +40359,9 @@
             </a:r>
           </a:p>
           <a:p>
-            <a:pPr marL="457200" indent="-317500" defTabSz="457200">
+            <a:pPr marL="721783" indent="-582083" defTabSz="457200">
               <a:lnSpc>
-                <a:spcPts val="1700"/>
+                <a:spcPts val="1100"/>
               </a:lnSpc>
               <a:spcBef>
                 <a:spcPts val="0"/>
@@ -40417,14 +40372,14 @@
               <a:buSzPct val="100000"/>
               <a:buFont typeface="Menlo"/>
               <a:buChar char="•"/>
-              <a:defRPr b="0" sz="600">
-                <a:solidFill>
-                  <a:srgbClr val="333333"/>
-                </a:solidFill>
-                <a:latin typeface="Menlo"/>
-                <a:ea typeface="Menlo"/>
-                <a:cs typeface="Menlo"/>
-                <a:sym typeface="Menlo"/>
+              <a:defRPr b="0" sz="800">
+                <a:solidFill>
+                  <a:srgbClr val="5C2699"/>
+                </a:solidFill>
+                <a:latin typeface="Arial"/>
+                <a:ea typeface="Arial"/>
+                <a:cs typeface="Arial"/>
+                <a:sym typeface="Arial"/>
               </a:defRPr>
             </a:pPr>
             <a:r>
@@ -40432,9 +40387,9 @@
             </a:r>
           </a:p>
           <a:p>
-            <a:pPr marL="457200" indent="-317500" defTabSz="457200">
+            <a:pPr marL="721783" indent="-582083" defTabSz="457200">
               <a:lnSpc>
-                <a:spcPts val="1700"/>
+                <a:spcPts val="1100"/>
               </a:lnSpc>
               <a:spcBef>
                 <a:spcPts val="0"/>
@@ -40445,14 +40400,14 @@
               <a:buSzPct val="100000"/>
               <a:buFont typeface="Menlo"/>
               <a:buChar char="•"/>
-              <a:defRPr b="0" sz="600">
-                <a:solidFill>
-                  <a:srgbClr val="333333"/>
-                </a:solidFill>
-                <a:latin typeface="Menlo"/>
-                <a:ea typeface="Menlo"/>
-                <a:cs typeface="Menlo"/>
-                <a:sym typeface="Menlo"/>
+              <a:defRPr b="0" sz="800">
+                <a:solidFill>
+                  <a:srgbClr val="5C2699"/>
+                </a:solidFill>
+                <a:latin typeface="Arial"/>
+                <a:ea typeface="Arial"/>
+                <a:cs typeface="Arial"/>
+                <a:sym typeface="Arial"/>
               </a:defRPr>
             </a:pPr>
             <a:r>
@@ -40482,9 +40437,9 @@
             </a:r>
           </a:p>
           <a:p>
-            <a:pPr marL="457200" indent="-317500" defTabSz="457200">
+            <a:pPr marL="721783" indent="-582083" defTabSz="457200">
               <a:lnSpc>
-                <a:spcPts val="1700"/>
+                <a:spcPts val="1100"/>
               </a:lnSpc>
               <a:spcBef>
                 <a:spcPts val="0"/>
@@ -40495,14 +40450,14 @@
               <a:buSzPct val="100000"/>
               <a:buFont typeface="Menlo"/>
               <a:buChar char="•"/>
-              <a:defRPr b="0" sz="600">
-                <a:solidFill>
-                  <a:srgbClr val="333333"/>
-                </a:solidFill>
-                <a:latin typeface="Menlo"/>
-                <a:ea typeface="Menlo"/>
-                <a:cs typeface="Menlo"/>
-                <a:sym typeface="Menlo"/>
+              <a:defRPr b="0" sz="800">
+                <a:solidFill>
+                  <a:srgbClr val="5C2699"/>
+                </a:solidFill>
+                <a:latin typeface="Arial"/>
+                <a:ea typeface="Arial"/>
+                <a:cs typeface="Arial"/>
+                <a:sym typeface="Arial"/>
               </a:defRPr>
             </a:pPr>
             <a:r>
@@ -40587,9 +40542,9 @@
             </a:r>
           </a:p>
           <a:p>
-            <a:pPr marL="457200" indent="-317500" defTabSz="457200">
+            <a:pPr marL="721783" indent="-582083" defTabSz="457200">
               <a:lnSpc>
-                <a:spcPts val="1700"/>
+                <a:spcPts val="1100"/>
               </a:lnSpc>
               <a:spcBef>
                 <a:spcPts val="0"/>
@@ -40600,14 +40555,14 @@
               <a:buSzPct val="100000"/>
               <a:buFont typeface="Menlo"/>
               <a:buChar char="•"/>
-              <a:defRPr b="0" sz="600">
-                <a:solidFill>
-                  <a:srgbClr val="333333"/>
-                </a:solidFill>
-                <a:latin typeface="Menlo"/>
-                <a:ea typeface="Menlo"/>
-                <a:cs typeface="Menlo"/>
-                <a:sym typeface="Menlo"/>
+              <a:defRPr b="0" sz="800">
+                <a:solidFill>
+                  <a:srgbClr val="5C2699"/>
+                </a:solidFill>
+                <a:latin typeface="Arial"/>
+                <a:ea typeface="Arial"/>
+                <a:cs typeface="Arial"/>
+                <a:sym typeface="Arial"/>
               </a:defRPr>
             </a:pPr>
             <a:r>
@@ -40692,9 +40647,9 @@
             </a:r>
           </a:p>
           <a:p>
-            <a:pPr marL="457200" indent="-317500" defTabSz="457200">
+            <a:pPr marL="721783" indent="-582083" defTabSz="457200">
               <a:lnSpc>
-                <a:spcPts val="1700"/>
+                <a:spcPts val="1100"/>
               </a:lnSpc>
               <a:spcBef>
                 <a:spcPts val="0"/>
@@ -40705,14 +40660,14 @@
               <a:buSzPct val="100000"/>
               <a:buFont typeface="Menlo"/>
               <a:buChar char="•"/>
-              <a:defRPr b="0" sz="600">
-                <a:solidFill>
-                  <a:srgbClr val="333333"/>
-                </a:solidFill>
-                <a:latin typeface="Menlo"/>
-                <a:ea typeface="Menlo"/>
-                <a:cs typeface="Menlo"/>
-                <a:sym typeface="Menlo"/>
+              <a:defRPr b="0" sz="800">
+                <a:solidFill>
+                  <a:srgbClr val="5C2699"/>
+                </a:solidFill>
+                <a:latin typeface="Arial"/>
+                <a:ea typeface="Arial"/>
+                <a:cs typeface="Arial"/>
+                <a:sym typeface="Arial"/>
               </a:defRPr>
             </a:pPr>
             <a:r>
@@ -40720,9 +40675,9 @@
             </a:r>
           </a:p>
           <a:p>
-            <a:pPr marL="457200" indent="-317500" defTabSz="457200">
+            <a:pPr marL="721783" indent="-582083" defTabSz="457200">
               <a:lnSpc>
-                <a:spcPts val="1700"/>
+                <a:spcPts val="1100"/>
               </a:lnSpc>
               <a:spcBef>
                 <a:spcPts val="0"/>
@@ -40733,14 +40688,14 @@
               <a:buSzPct val="100000"/>
               <a:buFont typeface="Menlo"/>
               <a:buChar char="•"/>
-              <a:defRPr b="0" sz="600">
-                <a:solidFill>
-                  <a:srgbClr val="333333"/>
-                </a:solidFill>
-                <a:latin typeface="Menlo"/>
-                <a:ea typeface="Menlo"/>
-                <a:cs typeface="Menlo"/>
-                <a:sym typeface="Menlo"/>
+              <a:defRPr b="0" sz="800">
+                <a:solidFill>
+                  <a:srgbClr val="5C2699"/>
+                </a:solidFill>
+                <a:latin typeface="Arial"/>
+                <a:ea typeface="Arial"/>
+                <a:cs typeface="Arial"/>
+                <a:sym typeface="Arial"/>
               </a:defRPr>
             </a:pPr>
             <a:r>
@@ -40748,9 +40703,9 @@
             </a:r>
           </a:p>
           <a:p>
-            <a:pPr marL="457200" indent="-317500" defTabSz="457200">
+            <a:pPr marL="721783" indent="-582083" defTabSz="457200">
               <a:lnSpc>
-                <a:spcPts val="1700"/>
+                <a:spcPts val="1100"/>
               </a:lnSpc>
               <a:spcBef>
                 <a:spcPts val="0"/>
@@ -40761,14 +40716,14 @@
               <a:buSzPct val="100000"/>
               <a:buFont typeface="Menlo"/>
               <a:buChar char="•"/>
-              <a:defRPr b="0" sz="600">
-                <a:solidFill>
-                  <a:srgbClr val="333333"/>
-                </a:solidFill>
-                <a:latin typeface="Menlo"/>
-                <a:ea typeface="Menlo"/>
-                <a:cs typeface="Menlo"/>
-                <a:sym typeface="Menlo"/>
+              <a:defRPr b="0" sz="800">
+                <a:solidFill>
+                  <a:srgbClr val="5C2699"/>
+                </a:solidFill>
+                <a:latin typeface="Arial"/>
+                <a:ea typeface="Arial"/>
+                <a:cs typeface="Arial"/>
+                <a:sym typeface="Arial"/>
               </a:defRPr>
             </a:pPr>
             <a:r>
@@ -40776,9 +40731,9 @@
             </a:r>
           </a:p>
           <a:p>
-            <a:pPr marL="457200" indent="-317500" defTabSz="457200">
+            <a:pPr marL="721783" indent="-582083" defTabSz="457200">
               <a:lnSpc>
-                <a:spcPts val="1700"/>
+                <a:spcPts val="1100"/>
               </a:lnSpc>
               <a:spcBef>
                 <a:spcPts val="0"/>
@@ -40789,14 +40744,14 @@
               <a:buSzPct val="100000"/>
               <a:buFont typeface="Menlo"/>
               <a:buChar char="•"/>
-              <a:defRPr b="0" sz="600">
-                <a:solidFill>
-                  <a:srgbClr val="AA0D91"/>
-                </a:solidFill>
-                <a:latin typeface="Menlo"/>
-                <a:ea typeface="Menlo"/>
-                <a:cs typeface="Menlo"/>
-                <a:sym typeface="Menlo"/>
+              <a:defRPr b="0" sz="800">
+                <a:solidFill>
+                  <a:srgbClr val="5C2699"/>
+                </a:solidFill>
+                <a:latin typeface="Arial"/>
+                <a:ea typeface="Arial"/>
+                <a:cs typeface="Arial"/>
+                <a:sym typeface="Arial"/>
               </a:defRPr>
             </a:pPr>
             <a:r>
@@ -40945,9 +40900,9 @@
             </a:endParaRPr>
           </a:p>
           <a:p>
-            <a:pPr marL="457200" indent="-317500" defTabSz="457200">
+            <a:pPr marL="721783" indent="-582083" defTabSz="457200">
               <a:lnSpc>
-                <a:spcPts val="1700"/>
+                <a:spcPts val="1100"/>
               </a:lnSpc>
               <a:spcBef>
                 <a:spcPts val="0"/>
@@ -40958,14 +40913,14 @@
               <a:buSzPct val="100000"/>
               <a:buFont typeface="Menlo"/>
               <a:buChar char="•"/>
-              <a:defRPr b="0" sz="600">
-                <a:solidFill>
-                  <a:srgbClr val="333333"/>
-                </a:solidFill>
-                <a:latin typeface="Menlo"/>
-                <a:ea typeface="Menlo"/>
-                <a:cs typeface="Menlo"/>
-                <a:sym typeface="Menlo"/>
+              <a:defRPr b="0" sz="800">
+                <a:solidFill>
+                  <a:srgbClr val="5C2699"/>
+                </a:solidFill>
+                <a:latin typeface="Arial"/>
+                <a:ea typeface="Arial"/>
+                <a:cs typeface="Arial"/>
+                <a:sym typeface="Arial"/>
               </a:defRPr>
             </a:pPr>
             <a:r>
@@ -41039,9 +40994,9 @@
             </a:r>
           </a:p>
           <a:p>
-            <a:pPr marL="457200" indent="-317500" defTabSz="457200">
+            <a:pPr marL="721783" indent="-582083" defTabSz="457200">
               <a:lnSpc>
-                <a:spcPts val="1700"/>
+                <a:spcPts val="1100"/>
               </a:lnSpc>
               <a:spcBef>
                 <a:spcPts val="0"/>
@@ -41052,14 +41007,14 @@
               <a:buSzPct val="100000"/>
               <a:buFont typeface="Menlo"/>
               <a:buChar char="•"/>
-              <a:defRPr b="0" sz="600">
-                <a:solidFill>
-                  <a:srgbClr val="3F6E74"/>
-                </a:solidFill>
-                <a:latin typeface="Menlo"/>
-                <a:ea typeface="Menlo"/>
-                <a:cs typeface="Menlo"/>
-                <a:sym typeface="Menlo"/>
+              <a:defRPr b="0" sz="800">
+                <a:solidFill>
+                  <a:srgbClr val="5C2699"/>
+                </a:solidFill>
+                <a:latin typeface="Arial"/>
+                <a:ea typeface="Arial"/>
+                <a:cs typeface="Arial"/>
+                <a:sym typeface="Arial"/>
               </a:defRPr>
             </a:pPr>
             <a:r>
@@ -41110,9 +41065,9 @@
             </a:endParaRPr>
           </a:p>
           <a:p>
-            <a:pPr marL="457200" indent="-317500" defTabSz="457200">
+            <a:pPr marL="721783" indent="-582083" defTabSz="457200">
               <a:lnSpc>
-                <a:spcPts val="1700"/>
+                <a:spcPts val="1100"/>
               </a:lnSpc>
               <a:spcBef>
                 <a:spcPts val="0"/>
@@ -41123,14 +41078,14 @@
               <a:buSzPct val="100000"/>
               <a:buFont typeface="Menlo"/>
               <a:buChar char="•"/>
-              <a:defRPr b="0" sz="600">
-                <a:solidFill>
-                  <a:srgbClr val="3F6E74"/>
-                </a:solidFill>
-                <a:latin typeface="Menlo"/>
-                <a:ea typeface="Menlo"/>
-                <a:cs typeface="Menlo"/>
-                <a:sym typeface="Menlo"/>
+              <a:defRPr b="0" sz="800">
+                <a:solidFill>
+                  <a:srgbClr val="5C2699"/>
+                </a:solidFill>
+                <a:latin typeface="Arial"/>
+                <a:ea typeface="Arial"/>
+                <a:cs typeface="Arial"/>
+                <a:sym typeface="Arial"/>
               </a:defRPr>
             </a:pPr>
             <a:r>
@@ -41227,9 +41182,9 @@
             </a:endParaRPr>
           </a:p>
           <a:p>
-            <a:pPr marL="457200" indent="-317500" defTabSz="457200">
+            <a:pPr marL="721783" indent="-582083" defTabSz="457200">
               <a:lnSpc>
-                <a:spcPts val="1700"/>
+                <a:spcPts val="1100"/>
               </a:lnSpc>
               <a:spcBef>
                 <a:spcPts val="0"/>
@@ -41240,14 +41195,14 @@
               <a:buSzPct val="100000"/>
               <a:buFont typeface="Menlo"/>
               <a:buChar char="•"/>
-              <a:defRPr b="0" sz="600">
-                <a:solidFill>
-                  <a:srgbClr val="C41A16"/>
-                </a:solidFill>
-                <a:latin typeface="Menlo"/>
-                <a:ea typeface="Menlo"/>
-                <a:cs typeface="Menlo"/>
-                <a:sym typeface="Menlo"/>
+              <a:defRPr b="0" sz="800">
+                <a:solidFill>
+                  <a:srgbClr val="5C2699"/>
+                </a:solidFill>
+                <a:latin typeface="Arial"/>
+                <a:ea typeface="Arial"/>
+                <a:cs typeface="Arial"/>
+                <a:sym typeface="Arial"/>
               </a:defRPr>
             </a:pPr>
             <a:r>
@@ -41402,9 +41357,9 @@
             </a:endParaRPr>
           </a:p>
           <a:p>
-            <a:pPr marL="457200" indent="-317500" defTabSz="457200">
+            <a:pPr marL="721783" indent="-582083" defTabSz="457200">
               <a:lnSpc>
-                <a:spcPts val="1700"/>
+                <a:spcPts val="1100"/>
               </a:lnSpc>
               <a:spcBef>
                 <a:spcPts val="0"/>
@@ -41415,14 +41370,14 @@
               <a:buSzPct val="100000"/>
               <a:buFont typeface="Menlo"/>
               <a:buChar char="•"/>
-              <a:defRPr b="0" sz="600">
-                <a:solidFill>
-                  <a:srgbClr val="007400"/>
-                </a:solidFill>
-                <a:latin typeface="Menlo"/>
-                <a:ea typeface="Menlo"/>
-                <a:cs typeface="Menlo"/>
-                <a:sym typeface="Menlo"/>
+              <a:defRPr b="0" sz="800">
+                <a:solidFill>
+                  <a:srgbClr val="5C2699"/>
+                </a:solidFill>
+                <a:latin typeface="Arial"/>
+                <a:ea typeface="Arial"/>
+                <a:cs typeface="Arial"/>
+                <a:sym typeface="Arial"/>
               </a:defRPr>
             </a:pPr>
             <a:r>
@@ -41620,7 +41575,7 @@
         <p:spPr>
           <a:xfrm>
             <a:off x="886499" y="1543751"/>
-            <a:ext cx="4346133" cy="2694941"/>
+            <a:ext cx="3537083" cy="3316365"/>
           </a:xfrm>
           <a:prstGeom prst="rect">
             <a:avLst/>
@@ -41640,9 +41595,9 @@
           </a:bodyPr>
           <a:lstStyle/>
           <a:p>
-            <a:pPr marL="457200" indent="-317500" defTabSz="457200">
+            <a:pPr marL="527755" indent="-388055" defTabSz="457200">
               <a:lnSpc>
-                <a:spcPts val="2300"/>
+                <a:spcPts val="1700"/>
               </a:lnSpc>
               <a:spcBef>
                 <a:spcPts val="0"/>
@@ -41653,14 +41608,14 @@
               <a:buSzPct val="100000"/>
               <a:buFont typeface="Menlo"/>
               <a:buChar char="•"/>
-              <a:defRPr b="0" sz="900">
-                <a:solidFill>
-                  <a:srgbClr val="3F6E74"/>
-                </a:solidFill>
-                <a:latin typeface="Menlo"/>
-                <a:ea typeface="Menlo"/>
-                <a:cs typeface="Menlo"/>
-                <a:sym typeface="Menlo"/>
+              <a:defRPr b="0" sz="1100">
+                <a:solidFill>
+                  <a:srgbClr val="5C2699"/>
+                </a:solidFill>
+                <a:latin typeface="Arial"/>
+                <a:ea typeface="Arial"/>
+                <a:cs typeface="Arial"/>
+                <a:sym typeface="Arial"/>
               </a:defRPr>
             </a:pPr>
             <a:r>
@@ -41697,9 +41652,9 @@
             </a:endParaRPr>
           </a:p>
           <a:p>
-            <a:pPr marL="457200" indent="-317500" defTabSz="457200">
+            <a:pPr marL="527755" indent="-388055" defTabSz="457200">
               <a:lnSpc>
-                <a:spcPts val="2300"/>
+                <a:spcPts val="1700"/>
               </a:lnSpc>
               <a:spcBef>
                 <a:spcPts val="0"/>
@@ -41710,14 +41665,14 @@
               <a:buSzPct val="100000"/>
               <a:buFont typeface="Menlo"/>
               <a:buChar char="•"/>
-              <a:defRPr b="0" sz="900">
-                <a:solidFill>
-                  <a:srgbClr val="333333"/>
-                </a:solidFill>
-                <a:latin typeface="Menlo"/>
-                <a:ea typeface="Menlo"/>
-                <a:cs typeface="Menlo"/>
-                <a:sym typeface="Menlo"/>
+              <a:defRPr b="0" sz="1100">
+                <a:solidFill>
+                  <a:srgbClr val="5C2699"/>
+                </a:solidFill>
+                <a:latin typeface="Arial"/>
+                <a:ea typeface="Arial"/>
+                <a:cs typeface="Arial"/>
+                <a:sym typeface="Arial"/>
               </a:defRPr>
             </a:pPr>
             <a:r>
@@ -41758,9 +41713,9 @@
             </a:r>
           </a:p>
           <a:p>
-            <a:pPr marL="457200" indent="-317500" defTabSz="457200">
+            <a:pPr marL="527755" indent="-388055" defTabSz="457200">
               <a:lnSpc>
-                <a:spcPts val="2300"/>
+                <a:spcPts val="1700"/>
               </a:lnSpc>
               <a:spcBef>
                 <a:spcPts val="0"/>
@@ -41771,14 +41726,14 @@
               <a:buSzPct val="100000"/>
               <a:buFont typeface="Menlo"/>
               <a:buChar char="•"/>
-              <a:defRPr b="0" sz="900">
-                <a:solidFill>
-                  <a:srgbClr val="333333"/>
-                </a:solidFill>
-                <a:latin typeface="Menlo"/>
-                <a:ea typeface="Menlo"/>
-                <a:cs typeface="Menlo"/>
-                <a:sym typeface="Menlo"/>
+              <a:defRPr b="0" sz="1100">
+                <a:solidFill>
+                  <a:srgbClr val="5C2699"/>
+                </a:solidFill>
+                <a:latin typeface="Arial"/>
+                <a:ea typeface="Arial"/>
+                <a:cs typeface="Arial"/>
+                <a:sym typeface="Arial"/>
               </a:defRPr>
             </a:pPr>
             <a:r>
@@ -41819,9 +41774,9 @@
             </a:r>
           </a:p>
           <a:p>
-            <a:pPr marL="457200" indent="-317500" defTabSz="457200">
+            <a:pPr marL="527755" indent="-388055" defTabSz="457200">
               <a:lnSpc>
-                <a:spcPts val="2300"/>
+                <a:spcPts val="1700"/>
               </a:lnSpc>
               <a:spcBef>
                 <a:spcPts val="0"/>
@@ -41832,14 +41787,14 @@
               <a:buSzPct val="100000"/>
               <a:buFont typeface="Menlo"/>
               <a:buChar char="•"/>
-              <a:defRPr b="0" sz="900">
-                <a:solidFill>
-                  <a:srgbClr val="333333"/>
-                </a:solidFill>
-                <a:latin typeface="Menlo"/>
-                <a:ea typeface="Menlo"/>
-                <a:cs typeface="Menlo"/>
-                <a:sym typeface="Menlo"/>
+              <a:defRPr b="0" sz="1100">
+                <a:solidFill>
+                  <a:srgbClr val="5C2699"/>
+                </a:solidFill>
+                <a:latin typeface="Arial"/>
+                <a:ea typeface="Arial"/>
+                <a:cs typeface="Arial"/>
+                <a:sym typeface="Arial"/>
               </a:defRPr>
             </a:pPr>
             <a:r>
@@ -41868,11 +41823,6 @@
               <a:t>: </a:t>
             </a:r>
             <a:r>
-              <a:rPr>
-                <a:solidFill>
-                  <a:srgbClr val="5C2699"/>
-                </a:solidFill>
-              </a:rPr>
               <a:t>Point</a:t>
             </a:r>
             <a:r>
@@ -41880,9 +41830,9 @@
             </a:r>
           </a:p>
           <a:p>
-            <a:pPr marL="457200" indent="-317500" defTabSz="457200">
+            <a:pPr marL="527755" indent="-388055" defTabSz="457200">
               <a:lnSpc>
-                <a:spcPts val="2300"/>
+                <a:spcPts val="1700"/>
               </a:lnSpc>
               <a:spcBef>
                 <a:spcPts val="0"/>
@@ -41893,14 +41843,14 @@
               <a:buSzPct val="100000"/>
               <a:buFont typeface="Menlo"/>
               <a:buChar char="•"/>
-              <a:defRPr b="0" sz="900">
-                <a:solidFill>
-                  <a:srgbClr val="333333"/>
-                </a:solidFill>
-                <a:latin typeface="Menlo"/>
-                <a:ea typeface="Menlo"/>
-                <a:cs typeface="Menlo"/>
-                <a:sym typeface="Menlo"/>
+              <a:defRPr b="0" sz="1100">
+                <a:solidFill>
+                  <a:srgbClr val="5C2699"/>
+                </a:solidFill>
+                <a:latin typeface="Arial"/>
+                <a:ea typeface="Arial"/>
+                <a:cs typeface="Arial"/>
+                <a:sym typeface="Arial"/>
               </a:defRPr>
             </a:pPr>
             <a:r>
@@ -41919,9 +41869,9 @@
             </a:r>
           </a:p>
           <a:p>
-            <a:pPr marL="457200" indent="-317500" defTabSz="457200">
+            <a:pPr marL="527755" indent="-388055" defTabSz="457200">
               <a:lnSpc>
-                <a:spcPts val="2300"/>
+                <a:spcPts val="1700"/>
               </a:lnSpc>
               <a:spcBef>
                 <a:spcPts val="0"/>
@@ -41932,14 +41882,14 @@
               <a:buSzPct val="100000"/>
               <a:buFont typeface="Menlo"/>
               <a:buChar char="•"/>
-              <a:defRPr b="0" sz="900">
-                <a:solidFill>
-                  <a:srgbClr val="333333"/>
-                </a:solidFill>
-                <a:latin typeface="Menlo"/>
-                <a:ea typeface="Menlo"/>
-                <a:cs typeface="Menlo"/>
-                <a:sym typeface="Menlo"/>
+              <a:defRPr b="0" sz="1100">
+                <a:solidFill>
+                  <a:srgbClr val="5C2699"/>
+                </a:solidFill>
+                <a:latin typeface="Arial"/>
+                <a:ea typeface="Arial"/>
+                <a:cs typeface="Arial"/>
+                <a:sym typeface="Arial"/>
               </a:defRPr>
             </a:pPr>
             <a:r>
@@ -42024,9 +41974,9 @@
             </a:r>
           </a:p>
           <a:p>
-            <a:pPr marL="457200" indent="-317500" defTabSz="457200">
+            <a:pPr marL="527755" indent="-388055" defTabSz="457200">
               <a:lnSpc>
-                <a:spcPts val="2300"/>
+                <a:spcPts val="1700"/>
               </a:lnSpc>
               <a:spcBef>
                 <a:spcPts val="0"/>
@@ -42037,14 +41987,14 @@
               <a:buSzPct val="100000"/>
               <a:buFont typeface="Menlo"/>
               <a:buChar char="•"/>
-              <a:defRPr b="0" sz="900">
-                <a:solidFill>
-                  <a:srgbClr val="333333"/>
-                </a:solidFill>
-                <a:latin typeface="Menlo"/>
-                <a:ea typeface="Menlo"/>
-                <a:cs typeface="Menlo"/>
-                <a:sym typeface="Menlo"/>
+              <a:defRPr b="0" sz="1100">
+                <a:solidFill>
+                  <a:srgbClr val="5C2699"/>
+                </a:solidFill>
+                <a:latin typeface="Arial"/>
+                <a:ea typeface="Arial"/>
+                <a:cs typeface="Arial"/>
+                <a:sym typeface="Arial"/>
               </a:defRPr>
             </a:pPr>
             <a:r>
@@ -42129,9 +42079,9 @@
             </a:r>
           </a:p>
           <a:p>
-            <a:pPr marL="457200" indent="-317500" defTabSz="457200">
+            <a:pPr marL="527755" indent="-388055" defTabSz="457200">
               <a:lnSpc>
-                <a:spcPts val="2300"/>
+                <a:spcPts val="1700"/>
               </a:lnSpc>
               <a:spcBef>
                 <a:spcPts val="0"/>
@@ -42142,14 +42092,14 @@
               <a:buSzPct val="100000"/>
               <a:buFont typeface="Menlo"/>
               <a:buChar char="•"/>
-              <a:defRPr b="0" sz="900">
-                <a:solidFill>
-                  <a:srgbClr val="333333"/>
-                </a:solidFill>
-                <a:latin typeface="Menlo"/>
-                <a:ea typeface="Menlo"/>
-                <a:cs typeface="Menlo"/>
-                <a:sym typeface="Menlo"/>
+              <a:defRPr b="0" sz="1100">
+                <a:solidFill>
+                  <a:srgbClr val="5C2699"/>
+                </a:solidFill>
+                <a:latin typeface="Arial"/>
+                <a:ea typeface="Arial"/>
+                <a:cs typeface="Arial"/>
+                <a:sym typeface="Arial"/>
               </a:defRPr>
             </a:pPr>
             <a:r>
@@ -42223,9 +42173,9 @@
             </a:r>
           </a:p>
           <a:p>
-            <a:pPr marL="457200" indent="-317500" defTabSz="457200">
+            <a:pPr marL="527755" indent="-388055" defTabSz="457200">
               <a:lnSpc>
-                <a:spcPts val="2300"/>
+                <a:spcPts val="1700"/>
               </a:lnSpc>
               <a:spcBef>
                 <a:spcPts val="0"/>
@@ -42236,14 +42186,14 @@
               <a:buSzPct val="100000"/>
               <a:buFont typeface="Menlo"/>
               <a:buChar char="•"/>
-              <a:defRPr b="0" sz="900">
-                <a:solidFill>
-                  <a:srgbClr val="333333"/>
-                </a:solidFill>
-                <a:latin typeface="Menlo"/>
-                <a:ea typeface="Menlo"/>
-                <a:cs typeface="Menlo"/>
-                <a:sym typeface="Menlo"/>
+              <a:defRPr b="0" sz="1100">
+                <a:solidFill>
+                  <a:srgbClr val="5C2699"/>
+                </a:solidFill>
+                <a:latin typeface="Arial"/>
+                <a:ea typeface="Arial"/>
+                <a:cs typeface="Arial"/>
+                <a:sym typeface="Arial"/>
               </a:defRPr>
             </a:pPr>
             <a:r>
@@ -42251,9 +42201,9 @@
             </a:r>
           </a:p>
           <a:p>
-            <a:pPr marL="457200" indent="-317500" defTabSz="457200">
+            <a:pPr marL="527755" indent="-388055" defTabSz="457200">
               <a:lnSpc>
-                <a:spcPts val="2300"/>
+                <a:spcPts val="1700"/>
               </a:lnSpc>
               <a:spcBef>
                 <a:spcPts val="0"/>
@@ -42264,14 +42214,14 @@
               <a:buSzPct val="100000"/>
               <a:buFont typeface="Menlo"/>
               <a:buChar char="•"/>
-              <a:defRPr b="0" sz="900">
-                <a:solidFill>
-                  <a:srgbClr val="333333"/>
-                </a:solidFill>
-                <a:latin typeface="Menlo"/>
-                <a:ea typeface="Menlo"/>
-                <a:cs typeface="Menlo"/>
-                <a:sym typeface="Menlo"/>
+              <a:defRPr b="0" sz="1100">
+                <a:solidFill>
+                  <a:srgbClr val="5C2699"/>
+                </a:solidFill>
+                <a:latin typeface="Arial"/>
+                <a:ea typeface="Arial"/>
+                <a:cs typeface="Arial"/>
+                <a:sym typeface="Arial"/>
               </a:defRPr>
             </a:pPr>
             <a:r>
@@ -42290,9 +42240,9 @@
             </a:r>
           </a:p>
           <a:p>
-            <a:pPr marL="457200" indent="-317500" defTabSz="457200">
+            <a:pPr marL="527755" indent="-388055" defTabSz="457200">
               <a:lnSpc>
-                <a:spcPts val="2300"/>
+                <a:spcPts val="1700"/>
               </a:lnSpc>
               <a:spcBef>
                 <a:spcPts val="0"/>
@@ -42303,14 +42253,14 @@
               <a:buSzPct val="100000"/>
               <a:buFont typeface="Menlo"/>
               <a:buChar char="•"/>
-              <a:defRPr b="0" sz="900">
-                <a:solidFill>
-                  <a:srgbClr val="333333"/>
-                </a:solidFill>
-                <a:latin typeface="Menlo"/>
-                <a:ea typeface="Menlo"/>
-                <a:cs typeface="Menlo"/>
-                <a:sym typeface="Menlo"/>
+              <a:defRPr b="0" sz="1100">
+                <a:solidFill>
+                  <a:srgbClr val="5C2699"/>
+                </a:solidFill>
+                <a:latin typeface="Arial"/>
+                <a:ea typeface="Arial"/>
+                <a:cs typeface="Arial"/>
+                <a:sym typeface="Arial"/>
               </a:defRPr>
             </a:pPr>
             <a:r>
@@ -42395,9 +42345,9 @@
             </a:r>
           </a:p>
           <a:p>
-            <a:pPr marL="457200" indent="-317500" defTabSz="457200">
+            <a:pPr marL="527755" indent="-388055" defTabSz="457200">
               <a:lnSpc>
-                <a:spcPts val="2300"/>
+                <a:spcPts val="1700"/>
               </a:lnSpc>
               <a:spcBef>
                 <a:spcPts val="0"/>
@@ -42408,14 +42358,14 @@
               <a:buSzPct val="100000"/>
               <a:buFont typeface="Menlo"/>
               <a:buChar char="•"/>
-              <a:defRPr b="0" sz="900">
-                <a:solidFill>
-                  <a:srgbClr val="333333"/>
-                </a:solidFill>
-                <a:latin typeface="Menlo"/>
-                <a:ea typeface="Menlo"/>
-                <a:cs typeface="Menlo"/>
-                <a:sym typeface="Menlo"/>
+              <a:defRPr b="0" sz="1100">
+                <a:solidFill>
+                  <a:srgbClr val="5C2699"/>
+                </a:solidFill>
+                <a:latin typeface="Arial"/>
+                <a:ea typeface="Arial"/>
+                <a:cs typeface="Arial"/>
+                <a:sym typeface="Arial"/>
               </a:defRPr>
             </a:pPr>
             <a:r>
@@ -42500,9 +42450,9 @@
             </a:r>
           </a:p>
           <a:p>
-            <a:pPr marL="457200" indent="-317500" defTabSz="457200">
+            <a:pPr marL="527755" indent="-388055" defTabSz="457200">
               <a:lnSpc>
-                <a:spcPts val="2300"/>
+                <a:spcPts val="1700"/>
               </a:lnSpc>
               <a:spcBef>
                 <a:spcPts val="0"/>
@@ -42513,14 +42463,14 @@
               <a:buSzPct val="100000"/>
               <a:buFont typeface="Menlo"/>
               <a:buChar char="•"/>
-              <a:defRPr b="0" sz="900">
-                <a:solidFill>
-                  <a:srgbClr val="333333"/>
-                </a:solidFill>
-                <a:latin typeface="Menlo"/>
-                <a:ea typeface="Menlo"/>
-                <a:cs typeface="Menlo"/>
-                <a:sym typeface="Menlo"/>
+              <a:defRPr b="0" sz="1100">
+                <a:solidFill>
+                  <a:srgbClr val="5C2699"/>
+                </a:solidFill>
+                <a:latin typeface="Arial"/>
+                <a:ea typeface="Arial"/>
+                <a:cs typeface="Arial"/>
+                <a:sym typeface="Arial"/>
               </a:defRPr>
             </a:pPr>
             <a:r>
@@ -42528,9 +42478,9 @@
             </a:r>
           </a:p>
           <a:p>
-            <a:pPr marL="457200" indent="-317500" defTabSz="457200">
+            <a:pPr marL="527755" indent="-388055" defTabSz="457200">
               <a:lnSpc>
-                <a:spcPts val="2300"/>
+                <a:spcPts val="1700"/>
               </a:lnSpc>
               <a:spcBef>
                 <a:spcPts val="0"/>
@@ -42541,14 +42491,14 @@
               <a:buSzPct val="100000"/>
               <a:buFont typeface="Menlo"/>
               <a:buChar char="•"/>
-              <a:defRPr b="0" sz="900">
-                <a:solidFill>
-                  <a:srgbClr val="333333"/>
-                </a:solidFill>
-                <a:latin typeface="Menlo"/>
-                <a:ea typeface="Menlo"/>
-                <a:cs typeface="Menlo"/>
-                <a:sym typeface="Menlo"/>
+              <a:defRPr b="0" sz="1100">
+                <a:solidFill>
+                  <a:srgbClr val="5C2699"/>
+                </a:solidFill>
+                <a:latin typeface="Arial"/>
+                <a:ea typeface="Arial"/>
+                <a:cs typeface="Arial"/>
+                <a:sym typeface="Arial"/>
               </a:defRPr>
             </a:pPr>
             <a:r>
@@ -42556,9 +42506,9 @@
             </a:r>
           </a:p>
           <a:p>
-            <a:pPr marL="457200" indent="-317500" defTabSz="457200">
+            <a:pPr marL="527755" indent="-388055" defTabSz="457200">
               <a:lnSpc>
-                <a:spcPts val="2300"/>
+                <a:spcPts val="1700"/>
               </a:lnSpc>
               <a:spcBef>
                 <a:spcPts val="0"/>
@@ -42569,14 +42519,14 @@
               <a:buSzPct val="100000"/>
               <a:buFont typeface="Menlo"/>
               <a:buChar char="•"/>
-              <a:defRPr b="0" sz="900">
-                <a:solidFill>
-                  <a:srgbClr val="333333"/>
-                </a:solidFill>
-                <a:latin typeface="Menlo"/>
-                <a:ea typeface="Menlo"/>
-                <a:cs typeface="Menlo"/>
-                <a:sym typeface="Menlo"/>
+              <a:defRPr b="0" sz="1100">
+                <a:solidFill>
+                  <a:srgbClr val="5C2699"/>
+                </a:solidFill>
+                <a:latin typeface="Arial"/>
+                <a:ea typeface="Arial"/>
+                <a:cs typeface="Arial"/>
+                <a:sym typeface="Arial"/>
               </a:defRPr>
             </a:pPr>
             <a:r>
@@ -42769,7 +42719,7 @@
         <p:spPr>
           <a:xfrm>
             <a:off x="886499" y="1543751"/>
-            <a:ext cx="6800513" cy="2606041"/>
+            <a:ext cx="6999711" cy="2928502"/>
           </a:xfrm>
           <a:prstGeom prst="rect">
             <a:avLst/>
@@ -42789,9 +42739,9 @@
           </a:bodyPr>
           <a:lstStyle/>
           <a:p>
-            <a:pPr marL="457200" indent="-317500" defTabSz="457200">
+            <a:pPr marL="563033" indent="-423333" defTabSz="457200">
               <a:lnSpc>
-                <a:spcPts val="3700"/>
+                <a:spcPts val="2500"/>
               </a:lnSpc>
               <a:spcBef>
                 <a:spcPts val="0"/>
@@ -42802,14 +42752,14 @@
               <a:buSzPct val="100000"/>
               <a:buFont typeface="Menlo"/>
               <a:buChar char="•"/>
-              <a:defRPr b="0" sz="1200">
-                <a:solidFill>
-                  <a:srgbClr val="AA0D91"/>
-                </a:solidFill>
-                <a:latin typeface="Menlo"/>
-                <a:ea typeface="Menlo"/>
-                <a:cs typeface="Menlo"/>
-                <a:sym typeface="Menlo"/>
+              <a:defRPr b="0" sz="1600">
+                <a:solidFill>
+                  <a:srgbClr val="5C2699"/>
+                </a:solidFill>
+                <a:latin typeface="Arial"/>
+                <a:ea typeface="Arial"/>
+                <a:cs typeface="Arial"/>
+                <a:sym typeface="Arial"/>
               </a:defRPr>
             </a:pPr>
             <a:r>
@@ -42846,9 +42796,9 @@
             </a:endParaRPr>
           </a:p>
           <a:p>
-            <a:pPr marL="457200" indent="-317500" defTabSz="457200">
+            <a:pPr marL="563033" indent="-423333" defTabSz="457200">
               <a:lnSpc>
-                <a:spcPts val="3700"/>
+                <a:spcPts val="2500"/>
               </a:lnSpc>
               <a:spcBef>
                 <a:spcPts val="0"/>
@@ -42859,14 +42809,14 @@
               <a:buSzPct val="100000"/>
               <a:buFont typeface="Menlo"/>
               <a:buChar char="•"/>
-              <a:defRPr b="0" sz="1200">
-                <a:solidFill>
-                  <a:srgbClr val="333333"/>
-                </a:solidFill>
-                <a:latin typeface="Menlo"/>
-                <a:ea typeface="Menlo"/>
-                <a:cs typeface="Menlo"/>
-                <a:sym typeface="Menlo"/>
+              <a:defRPr b="0" sz="1600">
+                <a:solidFill>
+                  <a:srgbClr val="5C2699"/>
+                </a:solidFill>
+                <a:latin typeface="Arial"/>
+                <a:ea typeface="Arial"/>
+                <a:cs typeface="Arial"/>
+                <a:sym typeface="Arial"/>
               </a:defRPr>
             </a:pPr>
             <a:r>
@@ -42948,9 +42898,9 @@
             </a:r>
           </a:p>
           <a:p>
-            <a:pPr marL="457200" indent="-317500" defTabSz="457200">
+            <a:pPr marL="563033" indent="-423333" defTabSz="457200">
               <a:lnSpc>
-                <a:spcPts val="3700"/>
+                <a:spcPts val="2500"/>
               </a:lnSpc>
               <a:spcBef>
                 <a:spcPts val="0"/>
@@ -42961,14 +42911,14 @@
               <a:buSzPct val="100000"/>
               <a:buFont typeface="Menlo"/>
               <a:buChar char="•"/>
-              <a:defRPr b="0" sz="1200">
-                <a:solidFill>
-                  <a:srgbClr val="333333"/>
-                </a:solidFill>
-                <a:latin typeface="Menlo"/>
-                <a:ea typeface="Menlo"/>
-                <a:cs typeface="Menlo"/>
-                <a:sym typeface="Menlo"/>
+              <a:defRPr b="0" sz="1600">
+                <a:solidFill>
+                  <a:srgbClr val="5C2699"/>
+                </a:solidFill>
+                <a:latin typeface="Arial"/>
+                <a:ea typeface="Arial"/>
+                <a:cs typeface="Arial"/>
+                <a:sym typeface="Arial"/>
               </a:defRPr>
             </a:pPr>
             <a:r>
@@ -42997,11 +42947,6 @@
               <a:t>: </a:t>
             </a:r>
             <a:r>
-              <a:rPr>
-                <a:solidFill>
-                  <a:srgbClr val="5C2699"/>
-                </a:solidFill>
-              </a:rPr>
               <a:t>Double</a:t>
             </a:r>
             <a:r>
@@ -43009,9 +42954,9 @@
             </a:r>
           </a:p>
           <a:p>
-            <a:pPr marL="457200" indent="-317500" defTabSz="457200">
+            <a:pPr marL="563033" indent="-423333" defTabSz="457200">
               <a:lnSpc>
-                <a:spcPts val="3700"/>
+                <a:spcPts val="2500"/>
               </a:lnSpc>
               <a:spcBef>
                 <a:spcPts val="0"/>
@@ -43022,14 +42967,14 @@
               <a:buSzPct val="100000"/>
               <a:buFont typeface="Menlo"/>
               <a:buChar char="•"/>
-              <a:defRPr b="0" sz="1200">
-                <a:solidFill>
-                  <a:srgbClr val="333333"/>
-                </a:solidFill>
-                <a:latin typeface="Menlo"/>
-                <a:ea typeface="Menlo"/>
-                <a:cs typeface="Menlo"/>
-                <a:sym typeface="Menlo"/>
+              <a:defRPr b="0" sz="1600">
+                <a:solidFill>
+                  <a:srgbClr val="5C2699"/>
+                </a:solidFill>
+                <a:latin typeface="Arial"/>
+                <a:ea typeface="Arial"/>
+                <a:cs typeface="Arial"/>
+                <a:sym typeface="Arial"/>
               </a:defRPr>
             </a:pPr>
             <a:r>
@@ -43078,9 +43023,9 @@
             </a:r>
           </a:p>
           <a:p>
-            <a:pPr marL="457200" indent="-317500" defTabSz="457200">
+            <a:pPr marL="563033" indent="-423333" defTabSz="457200">
               <a:lnSpc>
-                <a:spcPts val="3700"/>
+                <a:spcPts val="2500"/>
               </a:lnSpc>
               <a:spcBef>
                 <a:spcPts val="0"/>
@@ -43091,14 +43036,14 @@
               <a:buSzPct val="100000"/>
               <a:buFont typeface="Menlo"/>
               <a:buChar char="•"/>
-              <a:defRPr b="0" sz="1200">
-                <a:solidFill>
-                  <a:srgbClr val="333333"/>
-                </a:solidFill>
-                <a:latin typeface="Menlo"/>
-                <a:ea typeface="Menlo"/>
-                <a:cs typeface="Menlo"/>
-                <a:sym typeface="Menlo"/>
+              <a:defRPr b="0" sz="1600">
+                <a:solidFill>
+                  <a:srgbClr val="5C2699"/>
+                </a:solidFill>
+                <a:latin typeface="Arial"/>
+                <a:ea typeface="Arial"/>
+                <a:cs typeface="Arial"/>
+                <a:sym typeface="Arial"/>
               </a:defRPr>
             </a:pPr>
             <a:r>
@@ -43106,9 +43051,9 @@
             </a:r>
           </a:p>
           <a:p>
-            <a:pPr marL="457200" indent="-317500" defTabSz="457200">
+            <a:pPr marL="563033" indent="-423333" defTabSz="457200">
               <a:lnSpc>
-                <a:spcPts val="3700"/>
+                <a:spcPts val="2500"/>
               </a:lnSpc>
               <a:spcBef>
                 <a:spcPts val="0"/>
@@ -43119,14 +43064,14 @@
               <a:buSzPct val="100000"/>
               <a:buFont typeface="Menlo"/>
               <a:buChar char="•"/>
-              <a:defRPr b="0" sz="1200">
-                <a:solidFill>
-                  <a:srgbClr val="333333"/>
-                </a:solidFill>
-                <a:latin typeface="Menlo"/>
-                <a:ea typeface="Menlo"/>
-                <a:cs typeface="Menlo"/>
-                <a:sym typeface="Menlo"/>
+              <a:defRPr b="0" sz="1600">
+                <a:solidFill>
+                  <a:srgbClr val="5C2699"/>
+                </a:solidFill>
+                <a:latin typeface="Arial"/>
+                <a:ea typeface="Arial"/>
+                <a:cs typeface="Arial"/>
+                <a:sym typeface="Arial"/>
               </a:defRPr>
             </a:pPr>
             <a:r>
@@ -43134,9 +43079,9 @@
             </a:r>
           </a:p>
           <a:p>
-            <a:pPr marL="457200" indent="-317500" defTabSz="457200">
+            <a:pPr marL="563033" indent="-423333" defTabSz="457200">
               <a:lnSpc>
-                <a:spcPts val="3700"/>
+                <a:spcPts val="2500"/>
               </a:lnSpc>
               <a:spcBef>
                 <a:spcPts val="0"/>
@@ -43147,14 +43092,14 @@
               <a:buSzPct val="100000"/>
               <a:buFont typeface="Menlo"/>
               <a:buChar char="•"/>
-              <a:defRPr b="0" sz="1200">
-                <a:solidFill>
-                  <a:srgbClr val="3F6E74"/>
-                </a:solidFill>
-                <a:latin typeface="Menlo"/>
-                <a:ea typeface="Menlo"/>
-                <a:cs typeface="Menlo"/>
-                <a:sym typeface="Menlo"/>
+              <a:defRPr b="0" sz="1600">
+                <a:solidFill>
+                  <a:srgbClr val="5C2699"/>
+                </a:solidFill>
+                <a:latin typeface="Arial"/>
+                <a:ea typeface="Arial"/>
+                <a:cs typeface="Arial"/>
+                <a:sym typeface="Arial"/>
               </a:defRPr>
             </a:pPr>
             <a:r>
@@ -43283,9 +43228,9 @@
             </a:endParaRPr>
           </a:p>
           <a:p>
-            <a:pPr marL="457200" indent="-317500" defTabSz="457200">
+            <a:pPr marL="563033" indent="-423333" defTabSz="457200">
               <a:lnSpc>
-                <a:spcPts val="3700"/>
+                <a:spcPts val="2500"/>
               </a:lnSpc>
               <a:spcBef>
                 <a:spcPts val="0"/>
@@ -43296,14 +43241,14 @@
               <a:buSzPct val="100000"/>
               <a:buFont typeface="Menlo"/>
               <a:buChar char="•"/>
-              <a:defRPr b="0" sz="1200">
-                <a:solidFill>
-                  <a:srgbClr val="C41A16"/>
-                </a:solidFill>
-                <a:latin typeface="Menlo"/>
-                <a:ea typeface="Menlo"/>
-                <a:cs typeface="Menlo"/>
-                <a:sym typeface="Menlo"/>
+              <a:defRPr b="0" sz="1600">
+                <a:solidFill>
+                  <a:srgbClr val="5C2699"/>
+                </a:solidFill>
+                <a:latin typeface="Arial"/>
+                <a:ea typeface="Arial"/>
+                <a:cs typeface="Arial"/>
+                <a:sym typeface="Arial"/>
               </a:defRPr>
             </a:pPr>
             <a:r>
@@ -43383,9 +43328,9 @@
             </a:endParaRPr>
           </a:p>
           <a:p>
-            <a:pPr marL="457200" indent="-317500" defTabSz="457200">
+            <a:pPr marL="563033" indent="-423333" defTabSz="457200">
               <a:lnSpc>
-                <a:spcPts val="3700"/>
+                <a:spcPts val="2500"/>
               </a:lnSpc>
               <a:spcBef>
                 <a:spcPts val="0"/>
@@ -43396,14 +43341,14 @@
               <a:buSzPct val="100000"/>
               <a:buFont typeface="Menlo"/>
               <a:buChar char="•"/>
-              <a:defRPr b="0" sz="1200">
-                <a:solidFill>
-                  <a:srgbClr val="007400"/>
-                </a:solidFill>
-                <a:latin typeface="Menlo"/>
-                <a:ea typeface="Menlo"/>
-                <a:cs typeface="Menlo"/>
-                <a:sym typeface="Menlo"/>
+              <a:defRPr b="0" sz="1600">
+                <a:solidFill>
+                  <a:srgbClr val="5C2699"/>
+                </a:solidFill>
+                <a:latin typeface="Arial"/>
+                <a:ea typeface="Arial"/>
+                <a:cs typeface="Arial"/>
+                <a:sym typeface="Arial"/>
               </a:defRPr>
             </a:pPr>
             <a:r>
@@ -43551,8 +43496,8 @@
         </p:nvSpPr>
         <p:spPr>
           <a:xfrm>
-            <a:off x="890760" y="1040959"/>
-            <a:ext cx="5034277" cy="3850641"/>
+            <a:off x="885379" y="965635"/>
+            <a:ext cx="3584554" cy="3991703"/>
           </a:xfrm>
           <a:prstGeom prst="rect">
             <a:avLst/>
@@ -43572,9 +43517,9 @@
           </a:bodyPr>
           <a:lstStyle/>
           <a:p>
-            <a:pPr marL="457200" indent="-317500" defTabSz="457200">
+            <a:pPr marL="527755" indent="-388055" defTabSz="457200">
               <a:lnSpc>
-                <a:spcPts val="2300"/>
+                <a:spcPts val="1400"/>
               </a:lnSpc>
               <a:spcBef>
                 <a:spcPts val="0"/>
@@ -43587,12 +43532,12 @@
               <a:buChar char="•"/>
               <a:defRPr b="0" sz="900">
                 <a:solidFill>
-                  <a:srgbClr val="3F6E74"/>
-                </a:solidFill>
-                <a:latin typeface="Menlo"/>
-                <a:ea typeface="Menlo"/>
-                <a:cs typeface="Menlo"/>
-                <a:sym typeface="Menlo"/>
+                  <a:srgbClr val="5C2699"/>
+                </a:solidFill>
+                <a:latin typeface="Arial"/>
+                <a:ea typeface="Arial"/>
+                <a:cs typeface="Arial"/>
+                <a:sym typeface="Arial"/>
               </a:defRPr>
             </a:pPr>
             <a:r>
@@ -43629,9 +43574,9 @@
             </a:endParaRPr>
           </a:p>
           <a:p>
-            <a:pPr marL="457200" indent="-317500" defTabSz="457200">
+            <a:pPr marL="527755" indent="-388055" defTabSz="457200">
               <a:lnSpc>
-                <a:spcPts val="2300"/>
+                <a:spcPts val="1400"/>
               </a:lnSpc>
               <a:spcBef>
                 <a:spcPts val="0"/>
@@ -43644,12 +43589,12 @@
               <a:buChar char="•"/>
               <a:defRPr b="0" sz="900">
                 <a:solidFill>
-                  <a:srgbClr val="3F6E74"/>
-                </a:solidFill>
-                <a:latin typeface="Menlo"/>
-                <a:ea typeface="Menlo"/>
-                <a:cs typeface="Menlo"/>
-                <a:sym typeface="Menlo"/>
+                  <a:srgbClr val="5C2699"/>
+                </a:solidFill>
+                <a:latin typeface="Arial"/>
+                <a:ea typeface="Arial"/>
+                <a:cs typeface="Arial"/>
+                <a:sym typeface="Arial"/>
               </a:defRPr>
             </a:pPr>
             <a:r>
@@ -43688,11 +43633,6 @@
               <a:t>: </a:t>
             </a:r>
             <a:r>
-              <a:rPr>
-                <a:solidFill>
-                  <a:srgbClr val="5C2699"/>
-                </a:solidFill>
-              </a:rPr>
               <a:t>Int</a:t>
             </a:r>
             <a:r>
@@ -43726,9 +43666,9 @@
             </a:endParaRPr>
           </a:p>
           <a:p>
-            <a:pPr marL="457200" indent="-317500" defTabSz="457200">
+            <a:pPr marL="527755" indent="-388055" defTabSz="457200">
               <a:lnSpc>
-                <a:spcPts val="2300"/>
+                <a:spcPts val="1400"/>
               </a:lnSpc>
               <a:spcBef>
                 <a:spcPts val="0"/>
@@ -43741,12 +43681,12 @@
               <a:buChar char="•"/>
               <a:defRPr b="0" sz="900">
                 <a:solidFill>
-                  <a:srgbClr val="3F6E74"/>
-                </a:solidFill>
-                <a:latin typeface="Menlo"/>
-                <a:ea typeface="Menlo"/>
-                <a:cs typeface="Menlo"/>
-                <a:sym typeface="Menlo"/>
+                  <a:srgbClr val="5C2699"/>
+                </a:solidFill>
+                <a:latin typeface="Arial"/>
+                <a:ea typeface="Arial"/>
+                <a:cs typeface="Arial"/>
+                <a:sym typeface="Arial"/>
               </a:defRPr>
             </a:pPr>
             <a:r>
@@ -43791,9 +43731,9 @@
             </a:endParaRPr>
           </a:p>
           <a:p>
-            <a:pPr marL="457200" indent="-317500" defTabSz="457200">
+            <a:pPr marL="527755" indent="-388055" defTabSz="457200">
               <a:lnSpc>
-                <a:spcPts val="2300"/>
+                <a:spcPts val="1400"/>
               </a:lnSpc>
               <a:spcBef>
                 <a:spcPts val="0"/>
@@ -43806,12 +43746,12 @@
               <a:buChar char="•"/>
               <a:defRPr b="0" sz="900">
                 <a:solidFill>
-                  <a:srgbClr val="C41A16"/>
-                </a:solidFill>
-                <a:latin typeface="Menlo"/>
-                <a:ea typeface="Menlo"/>
-                <a:cs typeface="Menlo"/>
-                <a:sym typeface="Menlo"/>
+                  <a:srgbClr val="5C2699"/>
+                </a:solidFill>
+                <a:latin typeface="Arial"/>
+                <a:ea typeface="Arial"/>
+                <a:cs typeface="Arial"/>
+                <a:sym typeface="Arial"/>
               </a:defRPr>
             </a:pPr>
             <a:r>
@@ -43883,9 +43823,9 @@
             </a:endParaRPr>
           </a:p>
           <a:p>
-            <a:pPr marL="457200" indent="-317500" defTabSz="457200">
+            <a:pPr marL="527755" indent="-388055" defTabSz="457200">
               <a:lnSpc>
-                <a:spcPts val="2300"/>
+                <a:spcPts val="1400"/>
               </a:lnSpc>
               <a:spcBef>
                 <a:spcPts val="0"/>
@@ -43898,12 +43838,12 @@
               <a:buChar char="•"/>
               <a:defRPr b="0" sz="900">
                 <a:solidFill>
-                  <a:srgbClr val="333333"/>
-                </a:solidFill>
-                <a:latin typeface="Menlo"/>
-                <a:ea typeface="Menlo"/>
-                <a:cs typeface="Menlo"/>
-                <a:sym typeface="Menlo"/>
+                  <a:srgbClr val="5C2699"/>
+                </a:solidFill>
+                <a:latin typeface="Arial"/>
+                <a:ea typeface="Arial"/>
+                <a:cs typeface="Arial"/>
+                <a:sym typeface="Arial"/>
               </a:defRPr>
             </a:pPr>
             <a:r>
@@ -43911,9 +43851,9 @@
             </a:r>
           </a:p>
           <a:p>
-            <a:pPr marL="457200" indent="-317500" defTabSz="457200">
+            <a:pPr marL="527755" indent="-388055" defTabSz="457200">
               <a:lnSpc>
-                <a:spcPts val="2300"/>
+                <a:spcPts val="1400"/>
               </a:lnSpc>
               <a:spcBef>
                 <a:spcPts val="0"/>
@@ -43926,12 +43866,12 @@
               <a:buChar char="•"/>
               <a:defRPr b="0" sz="900">
                 <a:solidFill>
-                  <a:srgbClr val="333333"/>
-                </a:solidFill>
-                <a:latin typeface="Menlo"/>
-                <a:ea typeface="Menlo"/>
-                <a:cs typeface="Menlo"/>
-                <a:sym typeface="Menlo"/>
+                  <a:srgbClr val="5C2699"/>
+                </a:solidFill>
+                <a:latin typeface="Arial"/>
+                <a:ea typeface="Arial"/>
+                <a:cs typeface="Arial"/>
+                <a:sym typeface="Arial"/>
               </a:defRPr>
             </a:pPr>
             <a:r>
@@ -43950,9 +43890,9 @@
             </a:r>
           </a:p>
           <a:p>
-            <a:pPr marL="457200" indent="-317500" defTabSz="457200">
+            <a:pPr marL="527755" indent="-388055" defTabSz="457200">
               <a:lnSpc>
-                <a:spcPts val="2300"/>
+                <a:spcPts val="1400"/>
               </a:lnSpc>
               <a:spcBef>
                 <a:spcPts val="0"/>
@@ -43965,12 +43905,12 @@
               <a:buChar char="•"/>
               <a:defRPr b="0" sz="900">
                 <a:solidFill>
-                  <a:srgbClr val="333333"/>
-                </a:solidFill>
-                <a:latin typeface="Menlo"/>
-                <a:ea typeface="Menlo"/>
-                <a:cs typeface="Menlo"/>
-                <a:sym typeface="Menlo"/>
+                  <a:srgbClr val="5C2699"/>
+                </a:solidFill>
+                <a:latin typeface="Arial"/>
+                <a:ea typeface="Arial"/>
+                <a:cs typeface="Arial"/>
+                <a:sym typeface="Arial"/>
               </a:defRPr>
             </a:pPr>
             <a:r>
@@ -44011,9 +43951,9 @@
             </a:r>
           </a:p>
           <a:p>
-            <a:pPr marL="457200" indent="-317500" defTabSz="457200">
+            <a:pPr marL="527755" indent="-388055" defTabSz="457200">
               <a:lnSpc>
-                <a:spcPts val="2300"/>
+                <a:spcPts val="1400"/>
               </a:lnSpc>
               <a:spcBef>
                 <a:spcPts val="0"/>
@@ -44026,12 +43966,12 @@
               <a:buChar char="•"/>
               <a:defRPr b="0" sz="900">
                 <a:solidFill>
-                  <a:srgbClr val="333333"/>
-                </a:solidFill>
-                <a:latin typeface="Menlo"/>
-                <a:ea typeface="Menlo"/>
-                <a:cs typeface="Menlo"/>
-                <a:sym typeface="Menlo"/>
+                  <a:srgbClr val="5C2699"/>
+                </a:solidFill>
+                <a:latin typeface="Arial"/>
+                <a:ea typeface="Arial"/>
+                <a:cs typeface="Arial"/>
+                <a:sym typeface="Arial"/>
               </a:defRPr>
             </a:pPr>
             <a:r>
@@ -44094,9 +44034,9 @@
             </a:r>
           </a:p>
           <a:p>
-            <a:pPr marL="457200" indent="-317500" defTabSz="457200">
+            <a:pPr marL="527755" indent="-388055" defTabSz="457200">
               <a:lnSpc>
-                <a:spcPts val="2300"/>
+                <a:spcPts val="1400"/>
               </a:lnSpc>
               <a:spcBef>
                 <a:spcPts val="0"/>
@@ -44109,12 +44049,12 @@
               <a:buChar char="•"/>
               <a:defRPr b="0" sz="900">
                 <a:solidFill>
-                  <a:srgbClr val="333333"/>
-                </a:solidFill>
-                <a:latin typeface="Menlo"/>
-                <a:ea typeface="Menlo"/>
-                <a:cs typeface="Menlo"/>
-                <a:sym typeface="Menlo"/>
+                  <a:srgbClr val="5C2699"/>
+                </a:solidFill>
+                <a:latin typeface="Arial"/>
+                <a:ea typeface="Arial"/>
+                <a:cs typeface="Arial"/>
+                <a:sym typeface="Arial"/>
               </a:defRPr>
             </a:pPr>
             <a:r>
@@ -44122,9 +44062,9 @@
             </a:r>
           </a:p>
           <a:p>
-            <a:pPr marL="457200" indent="-317500" defTabSz="457200">
+            <a:pPr marL="527755" indent="-388055" defTabSz="457200">
               <a:lnSpc>
-                <a:spcPts val="2300"/>
+                <a:spcPts val="1400"/>
               </a:lnSpc>
               <a:spcBef>
                 <a:spcPts val="0"/>
@@ -44137,12 +44077,12 @@
               <a:buChar char="•"/>
               <a:defRPr b="0" sz="900">
                 <a:solidFill>
-                  <a:srgbClr val="333333"/>
-                </a:solidFill>
-                <a:latin typeface="Menlo"/>
-                <a:ea typeface="Menlo"/>
-                <a:cs typeface="Menlo"/>
-                <a:sym typeface="Menlo"/>
+                  <a:srgbClr val="5C2699"/>
+                </a:solidFill>
+                <a:latin typeface="Arial"/>
+                <a:ea typeface="Arial"/>
+                <a:cs typeface="Arial"/>
+                <a:sym typeface="Arial"/>
               </a:defRPr>
             </a:pPr>
             <a:r>
@@ -44150,9 +44090,9 @@
             </a:r>
           </a:p>
           <a:p>
-            <a:pPr marL="457200" indent="-317500" defTabSz="457200">
+            <a:pPr marL="527755" indent="-388055" defTabSz="457200">
               <a:lnSpc>
-                <a:spcPts val="2300"/>
+                <a:spcPts val="1400"/>
               </a:lnSpc>
               <a:spcBef>
                 <a:spcPts val="0"/>
@@ -44165,12 +44105,12 @@
               <a:buChar char="•"/>
               <a:defRPr b="0" sz="900">
                 <a:solidFill>
-                  <a:srgbClr val="333333"/>
-                </a:solidFill>
-                <a:latin typeface="Menlo"/>
-                <a:ea typeface="Menlo"/>
-                <a:cs typeface="Menlo"/>
-                <a:sym typeface="Menlo"/>
+                  <a:srgbClr val="5C2699"/>
+                </a:solidFill>
+                <a:latin typeface="Arial"/>
+                <a:ea typeface="Arial"/>
+                <a:cs typeface="Arial"/>
+                <a:sym typeface="Arial"/>
               </a:defRPr>
             </a:pPr>
             <a:r>
@@ -44178,9 +44118,9 @@
             </a:r>
           </a:p>
           <a:p>
-            <a:pPr marL="457200" indent="-317500" defTabSz="457200">
+            <a:pPr marL="527755" indent="-388055" defTabSz="457200">
               <a:lnSpc>
-                <a:spcPts val="2300"/>
+                <a:spcPts val="1400"/>
               </a:lnSpc>
               <a:spcBef>
                 <a:spcPts val="0"/>
@@ -44193,12 +44133,12 @@
               <a:buChar char="•"/>
               <a:defRPr b="0" sz="900">
                 <a:solidFill>
-                  <a:srgbClr val="333333"/>
-                </a:solidFill>
-                <a:latin typeface="Menlo"/>
-                <a:ea typeface="Menlo"/>
-                <a:cs typeface="Menlo"/>
-                <a:sym typeface="Menlo"/>
+                  <a:srgbClr val="5C2699"/>
+                </a:solidFill>
+                <a:latin typeface="Arial"/>
+                <a:ea typeface="Arial"/>
+                <a:cs typeface="Arial"/>
+                <a:sym typeface="Arial"/>
               </a:defRPr>
             </a:pPr>
             <a:r>
@@ -44206,9 +44146,9 @@
             </a:r>
           </a:p>
           <a:p>
-            <a:pPr marL="457200" indent="-317500" defTabSz="457200">
+            <a:pPr marL="527755" indent="-388055" defTabSz="457200">
               <a:lnSpc>
-                <a:spcPts val="2300"/>
+                <a:spcPts val="1400"/>
               </a:lnSpc>
               <a:spcBef>
                 <a:spcPts val="0"/>
@@ -44221,12 +44161,12 @@
               <a:buChar char="•"/>
               <a:defRPr b="0" sz="900">
                 <a:solidFill>
-                  <a:srgbClr val="3F6E74"/>
-                </a:solidFill>
-                <a:latin typeface="Menlo"/>
-                <a:ea typeface="Menlo"/>
-                <a:cs typeface="Menlo"/>
-                <a:sym typeface="Menlo"/>
+                  <a:srgbClr val="5C2699"/>
+                </a:solidFill>
+                <a:latin typeface="Arial"/>
+                <a:ea typeface="Arial"/>
+                <a:cs typeface="Arial"/>
+                <a:sym typeface="Arial"/>
               </a:defRPr>
             </a:pPr>
             <a:r>
@@ -44274,9 +44214,9 @@
             </a:endParaRPr>
           </a:p>
           <a:p>
-            <a:pPr marL="457200" indent="-317500" defTabSz="457200">
+            <a:pPr marL="527755" indent="-388055" defTabSz="457200">
               <a:lnSpc>
-                <a:spcPts val="2300"/>
+                <a:spcPts val="1400"/>
               </a:lnSpc>
               <a:spcBef>
                 <a:spcPts val="0"/>
@@ -44289,12 +44229,12 @@
               <a:buChar char="•"/>
               <a:defRPr b="0" sz="900">
                 <a:solidFill>
-                  <a:srgbClr val="3F6E74"/>
-                </a:solidFill>
-                <a:latin typeface="Menlo"/>
-                <a:ea typeface="Menlo"/>
-                <a:cs typeface="Menlo"/>
-                <a:sym typeface="Menlo"/>
+                  <a:srgbClr val="5C2699"/>
+                </a:solidFill>
+                <a:latin typeface="Arial"/>
+                <a:ea typeface="Arial"/>
+                <a:cs typeface="Arial"/>
+                <a:sym typeface="Arial"/>
               </a:defRPr>
             </a:pPr>
             <a:r>
@@ -44334,9 +44274,9 @@
             </a:endParaRPr>
           </a:p>
           <a:p>
-            <a:pPr marL="457200" indent="-317500" defTabSz="457200">
+            <a:pPr marL="527755" indent="-388055" defTabSz="457200">
               <a:lnSpc>
-                <a:spcPts val="2300"/>
+                <a:spcPts val="1400"/>
               </a:lnSpc>
               <a:spcBef>
                 <a:spcPts val="0"/>
@@ -44349,12 +44289,12 @@
               <a:buChar char="•"/>
               <a:defRPr b="0" sz="900">
                 <a:solidFill>
-                  <a:srgbClr val="007400"/>
-                </a:solidFill>
-                <a:latin typeface="Menlo"/>
-                <a:ea typeface="Menlo"/>
-                <a:cs typeface="Menlo"/>
-                <a:sym typeface="Menlo"/>
+                  <a:srgbClr val="5C2699"/>
+                </a:solidFill>
+                <a:latin typeface="Arial"/>
+                <a:ea typeface="Arial"/>
+                <a:cs typeface="Arial"/>
+                <a:sym typeface="Arial"/>
               </a:defRPr>
             </a:pPr>
             <a:r>
@@ -44367,9 +44307,9 @@
             </a:endParaRPr>
           </a:p>
           <a:p>
-            <a:pPr marL="457200" indent="-317500" defTabSz="457200">
+            <a:pPr marL="527755" indent="-388055" defTabSz="457200">
               <a:lnSpc>
-                <a:spcPts val="2300"/>
+                <a:spcPts val="1400"/>
               </a:lnSpc>
               <a:spcBef>
                 <a:spcPts val="0"/>
@@ -44382,12 +44322,12 @@
               <a:buChar char="•"/>
               <a:defRPr b="0" sz="900">
                 <a:solidFill>
-                  <a:srgbClr val="007400"/>
-                </a:solidFill>
-                <a:latin typeface="Menlo"/>
-                <a:ea typeface="Menlo"/>
-                <a:cs typeface="Menlo"/>
-                <a:sym typeface="Menlo"/>
+                  <a:srgbClr val="5C2699"/>
+                </a:solidFill>
+                <a:latin typeface="Arial"/>
+                <a:ea typeface="Arial"/>
+                <a:cs typeface="Arial"/>
+                <a:sym typeface="Arial"/>
               </a:defRPr>
             </a:pPr>
             <a:r>
@@ -44400,9 +44340,9 @@
             </a:endParaRPr>
           </a:p>
           <a:p>
-            <a:pPr marL="457200" indent="-317500" defTabSz="457200">
+            <a:pPr marL="527755" indent="-388055" defTabSz="457200">
               <a:lnSpc>
-                <a:spcPts val="2300"/>
+                <a:spcPts val="1400"/>
               </a:lnSpc>
               <a:spcBef>
                 <a:spcPts val="0"/>
@@ -44415,12 +44355,12 @@
               <a:buChar char="•"/>
               <a:defRPr b="0" sz="900">
                 <a:solidFill>
-                  <a:srgbClr val="3F6E74"/>
-                </a:solidFill>
-                <a:latin typeface="Menlo"/>
-                <a:ea typeface="Menlo"/>
-                <a:cs typeface="Menlo"/>
-                <a:sym typeface="Menlo"/>
+                  <a:srgbClr val="5C2699"/>
+                </a:solidFill>
+                <a:latin typeface="Arial"/>
+                <a:ea typeface="Arial"/>
+                <a:cs typeface="Arial"/>
+                <a:sym typeface="Arial"/>
               </a:defRPr>
             </a:pPr>
             <a:r>
@@ -44460,9 +44400,9 @@
             </a:endParaRPr>
           </a:p>
           <a:p>
-            <a:pPr marL="457200" indent="-317500" defTabSz="457200">
+            <a:pPr marL="527755" indent="-388055" defTabSz="457200">
               <a:lnSpc>
-                <a:spcPts val="2300"/>
+                <a:spcPts val="1400"/>
               </a:lnSpc>
               <a:spcBef>
                 <a:spcPts val="0"/>
@@ -44475,12 +44415,12 @@
               <a:buChar char="•"/>
               <a:defRPr b="0" sz="900">
                 <a:solidFill>
-                  <a:srgbClr val="007400"/>
-                </a:solidFill>
-                <a:latin typeface="Menlo"/>
-                <a:ea typeface="Menlo"/>
-                <a:cs typeface="Menlo"/>
-                <a:sym typeface="Menlo"/>
+                  <a:srgbClr val="5C2699"/>
+                </a:solidFill>
+                <a:latin typeface="Arial"/>
+                <a:ea typeface="Arial"/>
+                <a:cs typeface="Arial"/>
+                <a:sym typeface="Arial"/>
               </a:defRPr>
             </a:pPr>
             <a:r>
@@ -44493,9 +44433,9 @@
             </a:endParaRPr>
           </a:p>
           <a:p>
-            <a:pPr marL="457200" indent="-317500" defTabSz="457200">
+            <a:pPr marL="527755" indent="-388055" defTabSz="457200">
               <a:lnSpc>
-                <a:spcPts val="2300"/>
+                <a:spcPts val="1400"/>
               </a:lnSpc>
               <a:spcBef>
                 <a:spcPts val="0"/>
@@ -44508,12 +44448,12 @@
               <a:buChar char="•"/>
               <a:defRPr b="0" sz="900">
                 <a:solidFill>
-                  <a:srgbClr val="007400"/>
-                </a:solidFill>
-                <a:latin typeface="Menlo"/>
-                <a:ea typeface="Menlo"/>
-                <a:cs typeface="Menlo"/>
-                <a:sym typeface="Menlo"/>
+                  <a:srgbClr val="5C2699"/>
+                </a:solidFill>
+                <a:latin typeface="Arial"/>
+                <a:ea typeface="Arial"/>
+                <a:cs typeface="Arial"/>
+                <a:sym typeface="Arial"/>
               </a:defRPr>
             </a:pPr>
             <a:r>
@@ -44526,9 +44466,9 @@
             </a:endParaRPr>
           </a:p>
           <a:p>
-            <a:pPr marL="457200" indent="-317500" defTabSz="457200">
+            <a:pPr marL="527755" indent="-388055" defTabSz="457200">
               <a:lnSpc>
-                <a:spcPts val="2300"/>
+                <a:spcPts val="1400"/>
               </a:lnSpc>
               <a:spcBef>
                 <a:spcPts val="0"/>
@@ -44541,12 +44481,12 @@
               <a:buChar char="•"/>
               <a:defRPr b="0" sz="900">
                 <a:solidFill>
-                  <a:srgbClr val="3F6E74"/>
-                </a:solidFill>
-                <a:latin typeface="Menlo"/>
-                <a:ea typeface="Menlo"/>
-                <a:cs typeface="Menlo"/>
-                <a:sym typeface="Menlo"/>
+                  <a:srgbClr val="5C2699"/>
+                </a:solidFill>
+                <a:latin typeface="Arial"/>
+                <a:ea typeface="Arial"/>
+                <a:cs typeface="Arial"/>
+                <a:sym typeface="Arial"/>
               </a:defRPr>
             </a:pPr>
             <a:r>
@@ -44586,9 +44526,9 @@
             </a:endParaRPr>
           </a:p>
           <a:p>
-            <a:pPr marL="457200" indent="-317500" defTabSz="457200">
+            <a:pPr marL="527755" indent="-388055" defTabSz="457200">
               <a:lnSpc>
-                <a:spcPts val="2300"/>
+                <a:spcPts val="1400"/>
               </a:lnSpc>
               <a:spcBef>
                 <a:spcPts val="0"/>
@@ -44601,12 +44541,12 @@
               <a:buChar char="•"/>
               <a:defRPr b="0" sz="900">
                 <a:solidFill>
-                  <a:srgbClr val="007400"/>
-                </a:solidFill>
-                <a:latin typeface="Menlo"/>
-                <a:ea typeface="Menlo"/>
-                <a:cs typeface="Menlo"/>
-                <a:sym typeface="Menlo"/>
+                  <a:srgbClr val="5C2699"/>
+                </a:solidFill>
+                <a:latin typeface="Arial"/>
+                <a:ea typeface="Arial"/>
+                <a:cs typeface="Arial"/>
+                <a:sym typeface="Arial"/>
               </a:defRPr>
             </a:pPr>
             <a:r>
@@ -44619,9 +44559,9 @@
             </a:endParaRPr>
           </a:p>
           <a:p>
-            <a:pPr marL="457200" indent="-317500" defTabSz="457200">
+            <a:pPr marL="527755" indent="-388055" defTabSz="457200">
               <a:lnSpc>
-                <a:spcPts val="2300"/>
+                <a:spcPts val="1400"/>
               </a:lnSpc>
               <a:spcBef>
                 <a:spcPts val="0"/>
@@ -44634,22 +44574,17 @@
               <a:buChar char="•"/>
               <a:defRPr b="0" sz="900">
                 <a:solidFill>
-                  <a:srgbClr val="007400"/>
-                </a:solidFill>
-                <a:latin typeface="Menlo"/>
-                <a:ea typeface="Menlo"/>
-                <a:cs typeface="Menlo"/>
-                <a:sym typeface="Menlo"/>
+                  <a:srgbClr val="5C2699"/>
+                </a:solidFill>
+                <a:latin typeface="Arial"/>
+                <a:ea typeface="Arial"/>
+                <a:cs typeface="Arial"/>
+                <a:sym typeface="Arial"/>
               </a:defRPr>
             </a:pPr>
             <a:r>
               <a:t>// Added 536 steps</a:t>
             </a:r>
-            <a:endParaRPr>
-              <a:solidFill>
-                <a:srgbClr val="333333"/>
-              </a:solidFill>
-            </a:endParaRPr>
           </a:p>
         </p:txBody>
       </p:sp>
